--- a/Thesis/Documents/images.pptx
+++ b/Thesis/Documents/images.pptx
@@ -292,7 +292,7 @@
           <a:p>
             <a:fld id="{F3D68A99-DBEC-4D84-A6F7-2919502EAE48}" type="datetimeFigureOut">
               <a:rPr lang="en-US" smtClean="0"/>
-              <a:t>3/3/2018</a:t>
+              <a:t>3/15/2018</a:t>
             </a:fld>
             <a:endParaRPr lang="en-US"/>
           </a:p>
@@ -492,7 +492,7 @@
           <a:p>
             <a:fld id="{F3D68A99-DBEC-4D84-A6F7-2919502EAE48}" type="datetimeFigureOut">
               <a:rPr lang="en-US" smtClean="0"/>
-              <a:t>3/3/2018</a:t>
+              <a:t>3/15/2018</a:t>
             </a:fld>
             <a:endParaRPr lang="en-US"/>
           </a:p>
@@ -702,7 +702,7 @@
           <a:p>
             <a:fld id="{F3D68A99-DBEC-4D84-A6F7-2919502EAE48}" type="datetimeFigureOut">
               <a:rPr lang="en-US" smtClean="0"/>
-              <a:t>3/3/2018</a:t>
+              <a:t>3/15/2018</a:t>
             </a:fld>
             <a:endParaRPr lang="en-US"/>
           </a:p>
@@ -902,7 +902,7 @@
           <a:p>
             <a:fld id="{F3D68A99-DBEC-4D84-A6F7-2919502EAE48}" type="datetimeFigureOut">
               <a:rPr lang="en-US" smtClean="0"/>
-              <a:t>3/3/2018</a:t>
+              <a:t>3/15/2018</a:t>
             </a:fld>
             <a:endParaRPr lang="en-US"/>
           </a:p>
@@ -1178,7 +1178,7 @@
           <a:p>
             <a:fld id="{F3D68A99-DBEC-4D84-A6F7-2919502EAE48}" type="datetimeFigureOut">
               <a:rPr lang="en-US" smtClean="0"/>
-              <a:t>3/3/2018</a:t>
+              <a:t>3/15/2018</a:t>
             </a:fld>
             <a:endParaRPr lang="en-US"/>
           </a:p>
@@ -1446,7 +1446,7 @@
           <a:p>
             <a:fld id="{F3D68A99-DBEC-4D84-A6F7-2919502EAE48}" type="datetimeFigureOut">
               <a:rPr lang="en-US" smtClean="0"/>
-              <a:t>3/3/2018</a:t>
+              <a:t>3/15/2018</a:t>
             </a:fld>
             <a:endParaRPr lang="en-US"/>
           </a:p>
@@ -1861,7 +1861,7 @@
           <a:p>
             <a:fld id="{F3D68A99-DBEC-4D84-A6F7-2919502EAE48}" type="datetimeFigureOut">
               <a:rPr lang="en-US" smtClean="0"/>
-              <a:t>3/3/2018</a:t>
+              <a:t>3/15/2018</a:t>
             </a:fld>
             <a:endParaRPr lang="en-US"/>
           </a:p>
@@ -2003,7 +2003,7 @@
           <a:p>
             <a:fld id="{F3D68A99-DBEC-4D84-A6F7-2919502EAE48}" type="datetimeFigureOut">
               <a:rPr lang="en-US" smtClean="0"/>
-              <a:t>3/3/2018</a:t>
+              <a:t>3/15/2018</a:t>
             </a:fld>
             <a:endParaRPr lang="en-US"/>
           </a:p>
@@ -2116,7 +2116,7 @@
           <a:p>
             <a:fld id="{F3D68A99-DBEC-4D84-A6F7-2919502EAE48}" type="datetimeFigureOut">
               <a:rPr lang="en-US" smtClean="0"/>
-              <a:t>3/3/2018</a:t>
+              <a:t>3/15/2018</a:t>
             </a:fld>
             <a:endParaRPr lang="en-US"/>
           </a:p>
@@ -2429,7 +2429,7 @@
           <a:p>
             <a:fld id="{F3D68A99-DBEC-4D84-A6F7-2919502EAE48}" type="datetimeFigureOut">
               <a:rPr lang="en-US" smtClean="0"/>
-              <a:t>3/3/2018</a:t>
+              <a:t>3/15/2018</a:t>
             </a:fld>
             <a:endParaRPr lang="en-US"/>
           </a:p>
@@ -2718,7 +2718,7 @@
           <a:p>
             <a:fld id="{F3D68A99-DBEC-4D84-A6F7-2919502EAE48}" type="datetimeFigureOut">
               <a:rPr lang="en-US" smtClean="0"/>
-              <a:t>3/3/2018</a:t>
+              <a:t>3/15/2018</a:t>
             </a:fld>
             <a:endParaRPr lang="en-US"/>
           </a:p>
@@ -2961,7 +2961,7 @@
           <a:p>
             <a:fld id="{F3D68A99-DBEC-4D84-A6F7-2919502EAE48}" type="datetimeFigureOut">
               <a:rPr lang="en-US" smtClean="0"/>
-              <a:t>3/3/2018</a:t>
+              <a:t>3/15/2018</a:t>
             </a:fld>
             <a:endParaRPr lang="en-US"/>
           </a:p>
@@ -13479,54 +13479,1495 @@
       </p:grpSpPr>
       <p:sp>
         <p:nvSpPr>
-          <p:cNvPr id="2" name="Titel 1">
-            <a:extLst>
-              <a:ext uri="{FF2B5EF4-FFF2-40B4-BE49-F238E27FC236}">
-                <a16:creationId xmlns:a16="http://schemas.microsoft.com/office/drawing/2014/main" id="{A540B778-858C-4F5C-BC1B-AF69C63312F5}"/>
-              </a:ext>
-            </a:extLst>
-          </p:cNvPr>
-          <p:cNvSpPr>
-            <a:spLocks noGrp="1"/>
-          </p:cNvSpPr>
-          <p:nvPr>
-            <p:ph type="title"/>
-          </p:nvPr>
-        </p:nvSpPr>
-        <p:spPr/>
-        <p:txBody>
-          <a:bodyPr/>
-          <a:lstStyle/>
-          <a:p>
-            <a:endParaRPr lang="en-US"/>
-          </a:p>
-        </p:txBody>
-      </p:sp>
-      <p:sp>
-        <p:nvSpPr>
-          <p:cNvPr id="3" name="Inhaltsplatzhalter 2">
-            <a:extLst>
-              <a:ext uri="{FF2B5EF4-FFF2-40B4-BE49-F238E27FC236}">
-                <a16:creationId xmlns:a16="http://schemas.microsoft.com/office/drawing/2014/main" id="{CB95FD82-B4D2-42EC-819A-D0954D0A4D1D}"/>
-              </a:ext>
-            </a:extLst>
-          </p:cNvPr>
-          <p:cNvSpPr>
-            <a:spLocks noGrp="1"/>
-          </p:cNvSpPr>
-          <p:nvPr>
-            <p:ph idx="1"/>
-          </p:nvPr>
-        </p:nvSpPr>
-        <p:spPr/>
-        <p:txBody>
-          <a:bodyPr/>
-          <a:lstStyle/>
-          <a:p>
-            <a:endParaRPr lang="en-US"/>
-          </a:p>
-        </p:txBody>
-      </p:sp>
+          <p:cNvPr id="4" name="Textfeld 3">
+            <a:extLst>
+              <a:ext uri="{FF2B5EF4-FFF2-40B4-BE49-F238E27FC236}">
+                <a16:creationId xmlns:a16="http://schemas.microsoft.com/office/drawing/2014/main" id="{BC118B43-2031-41BD-B84F-543BAF1460CD}"/>
+              </a:ext>
+            </a:extLst>
+          </p:cNvPr>
+          <p:cNvSpPr txBox="1"/>
+          <p:nvPr/>
+        </p:nvSpPr>
+        <p:spPr>
+          <a:xfrm>
+            <a:off x="1751622" y="1084152"/>
+            <a:ext cx="1091966" cy="461665"/>
+          </a:xfrm>
+          <a:prstGeom prst="rect">
+            <a:avLst/>
+          </a:prstGeom>
+          <a:noFill/>
+          <a:ln>
+            <a:noFill/>
+          </a:ln>
+        </p:spPr>
+        <p:txBody>
+          <a:bodyPr wrap="none" rtlCol="0">
+            <a:spAutoFit/>
+          </a:bodyPr>
+          <a:lstStyle/>
+          <a:p>
+            <a:pPr algn="ctr"/>
+            <a:r>
+              <a:rPr lang="en-US" sz="2400" dirty="0">
+                <a:latin typeface="Arial" panose="020B0604020202020204" pitchFamily="34" charset="0"/>
+                <a:cs typeface="Arial" panose="020B0604020202020204" pitchFamily="34" charset="0"/>
+              </a:rPr>
+              <a:t>Server</a:t>
+            </a:r>
+          </a:p>
+        </p:txBody>
+      </p:sp>
+      <p:sp>
+        <p:nvSpPr>
+          <p:cNvPr id="5" name="Rechteck 4">
+            <a:extLst>
+              <a:ext uri="{FF2B5EF4-FFF2-40B4-BE49-F238E27FC236}">
+                <a16:creationId xmlns:a16="http://schemas.microsoft.com/office/drawing/2014/main" id="{77D248C7-D333-4808-8D6F-1FB553F4AE74}"/>
+              </a:ext>
+            </a:extLst>
+          </p:cNvPr>
+          <p:cNvSpPr/>
+          <p:nvPr/>
+        </p:nvSpPr>
+        <p:spPr>
+          <a:xfrm>
+            <a:off x="1069854" y="1519114"/>
+            <a:ext cx="2427378" cy="2758502"/>
+          </a:xfrm>
+          <a:prstGeom prst="rect">
+            <a:avLst/>
+          </a:prstGeom>
+          <a:noFill/>
+          <a:ln>
+            <a:solidFill>
+              <a:schemeClr val="tx1"/>
+            </a:solidFill>
+          </a:ln>
+        </p:spPr>
+        <p:style>
+          <a:lnRef idx="2">
+            <a:schemeClr val="accent1">
+              <a:shade val="50000"/>
+            </a:schemeClr>
+          </a:lnRef>
+          <a:fillRef idx="1">
+            <a:schemeClr val="accent1"/>
+          </a:fillRef>
+          <a:effectRef idx="0">
+            <a:schemeClr val="accent1"/>
+          </a:effectRef>
+          <a:fontRef idx="minor">
+            <a:schemeClr val="lt1"/>
+          </a:fontRef>
+        </p:style>
+        <p:txBody>
+          <a:bodyPr rtlCol="0" anchor="ctr"/>
+          <a:lstStyle/>
+          <a:p>
+            <a:pPr algn="ctr"/>
+            <a:endParaRPr lang="en-US">
+              <a:latin typeface="Arial" panose="020B0604020202020204" pitchFamily="34" charset="0"/>
+              <a:cs typeface="Arial" panose="020B0604020202020204" pitchFamily="34" charset="0"/>
+            </a:endParaRPr>
+          </a:p>
+        </p:txBody>
+      </p:sp>
+      <p:cxnSp>
+        <p:nvCxnSpPr>
+          <p:cNvPr id="6" name="Gerader Verbinder 5">
+            <a:extLst>
+              <a:ext uri="{FF2B5EF4-FFF2-40B4-BE49-F238E27FC236}">
+                <a16:creationId xmlns:a16="http://schemas.microsoft.com/office/drawing/2014/main" id="{0031E81D-5E3D-458C-A64A-2FC4AFD85C9B}"/>
+              </a:ext>
+            </a:extLst>
+          </p:cNvPr>
+          <p:cNvCxnSpPr>
+            <a:cxnSpLocks/>
+          </p:cNvCxnSpPr>
+          <p:nvPr/>
+        </p:nvCxnSpPr>
+        <p:spPr>
+          <a:xfrm>
+            <a:off x="1066123" y="1888446"/>
+            <a:ext cx="2427378" cy="0"/>
+          </a:xfrm>
+          <a:prstGeom prst="line">
+            <a:avLst/>
+          </a:prstGeom>
+          <a:ln w="12700">
+            <a:solidFill>
+              <a:schemeClr val="tx1"/>
+            </a:solidFill>
+          </a:ln>
+        </p:spPr>
+        <p:style>
+          <a:lnRef idx="1">
+            <a:schemeClr val="accent1"/>
+          </a:lnRef>
+          <a:fillRef idx="0">
+            <a:schemeClr val="accent1"/>
+          </a:fillRef>
+          <a:effectRef idx="0">
+            <a:schemeClr val="accent1"/>
+          </a:effectRef>
+          <a:fontRef idx="minor">
+            <a:schemeClr val="tx1"/>
+          </a:fontRef>
+        </p:style>
+      </p:cxnSp>
+      <p:sp>
+        <p:nvSpPr>
+          <p:cNvPr id="7" name="Textfeld 6">
+            <a:extLst>
+              <a:ext uri="{FF2B5EF4-FFF2-40B4-BE49-F238E27FC236}">
+                <a16:creationId xmlns:a16="http://schemas.microsoft.com/office/drawing/2014/main" id="{A70F9654-F8F7-45EF-9D03-99DEC598F93D}"/>
+              </a:ext>
+            </a:extLst>
+          </p:cNvPr>
+          <p:cNvSpPr txBox="1"/>
+          <p:nvPr/>
+        </p:nvSpPr>
+        <p:spPr>
+          <a:xfrm>
+            <a:off x="1153900" y="1526114"/>
+            <a:ext cx="2322111" cy="369332"/>
+          </a:xfrm>
+          <a:prstGeom prst="rect">
+            <a:avLst/>
+          </a:prstGeom>
+          <a:noFill/>
+          <a:ln>
+            <a:noFill/>
+          </a:ln>
+        </p:spPr>
+        <p:txBody>
+          <a:bodyPr wrap="none" rtlCol="0">
+            <a:spAutoFit/>
+          </a:bodyPr>
+          <a:lstStyle/>
+          <a:p>
+            <a:pPr algn="ctr"/>
+            <a:r>
+              <a:rPr lang="en-US" dirty="0">
+                <a:latin typeface="Arial" panose="020B0604020202020204" pitchFamily="34" charset="0"/>
+                <a:cs typeface="Arial" panose="020B0604020202020204" pitchFamily="34" charset="0"/>
+              </a:rPr>
+              <a:t>Java Virtual Machine</a:t>
+            </a:r>
+          </a:p>
+        </p:txBody>
+      </p:sp>
+      <p:sp>
+        <p:nvSpPr>
+          <p:cNvPr id="8" name="Rechteck 7">
+            <a:extLst>
+              <a:ext uri="{FF2B5EF4-FFF2-40B4-BE49-F238E27FC236}">
+                <a16:creationId xmlns:a16="http://schemas.microsoft.com/office/drawing/2014/main" id="{8D9776CD-F8EA-4862-AB59-1403D0CB575E}"/>
+              </a:ext>
+            </a:extLst>
+          </p:cNvPr>
+          <p:cNvSpPr/>
+          <p:nvPr/>
+        </p:nvSpPr>
+        <p:spPr>
+          <a:xfrm>
+            <a:off x="1179773" y="1950388"/>
+            <a:ext cx="2208401" cy="2244641"/>
+          </a:xfrm>
+          <a:prstGeom prst="rect">
+            <a:avLst/>
+          </a:prstGeom>
+          <a:noFill/>
+          <a:ln>
+            <a:solidFill>
+              <a:schemeClr val="tx1"/>
+            </a:solidFill>
+          </a:ln>
+        </p:spPr>
+        <p:style>
+          <a:lnRef idx="2">
+            <a:schemeClr val="accent1">
+              <a:shade val="50000"/>
+            </a:schemeClr>
+          </a:lnRef>
+          <a:fillRef idx="1">
+            <a:schemeClr val="accent1"/>
+          </a:fillRef>
+          <a:effectRef idx="0">
+            <a:schemeClr val="accent1"/>
+          </a:effectRef>
+          <a:fontRef idx="minor">
+            <a:schemeClr val="lt1"/>
+          </a:fontRef>
+        </p:style>
+        <p:txBody>
+          <a:bodyPr rtlCol="0" anchor="ctr"/>
+          <a:lstStyle/>
+          <a:p>
+            <a:pPr algn="ctr"/>
+            <a:endParaRPr lang="en-US">
+              <a:latin typeface="Arial" panose="020B0604020202020204" pitchFamily="34" charset="0"/>
+              <a:cs typeface="Arial" panose="020B0604020202020204" pitchFamily="34" charset="0"/>
+            </a:endParaRPr>
+          </a:p>
+        </p:txBody>
+      </p:sp>
+      <p:cxnSp>
+        <p:nvCxnSpPr>
+          <p:cNvPr id="9" name="Gerader Verbinder 8">
+            <a:extLst>
+              <a:ext uri="{FF2B5EF4-FFF2-40B4-BE49-F238E27FC236}">
+                <a16:creationId xmlns:a16="http://schemas.microsoft.com/office/drawing/2014/main" id="{23F84444-8EED-4F81-ABDD-DC8B30182F83}"/>
+              </a:ext>
+            </a:extLst>
+          </p:cNvPr>
+          <p:cNvCxnSpPr>
+            <a:cxnSpLocks/>
+          </p:cNvCxnSpPr>
+          <p:nvPr/>
+        </p:nvCxnSpPr>
+        <p:spPr>
+          <a:xfrm>
+            <a:off x="1172433" y="2307909"/>
+            <a:ext cx="2208401" cy="0"/>
+          </a:xfrm>
+          <a:prstGeom prst="line">
+            <a:avLst/>
+          </a:prstGeom>
+          <a:ln w="12700">
+            <a:solidFill>
+              <a:schemeClr val="tx1"/>
+            </a:solidFill>
+          </a:ln>
+        </p:spPr>
+        <p:style>
+          <a:lnRef idx="1">
+            <a:schemeClr val="accent1"/>
+          </a:lnRef>
+          <a:fillRef idx="0">
+            <a:schemeClr val="accent1"/>
+          </a:fillRef>
+          <a:effectRef idx="0">
+            <a:schemeClr val="accent1"/>
+          </a:effectRef>
+          <a:fontRef idx="minor">
+            <a:schemeClr val="tx1"/>
+          </a:fontRef>
+        </p:style>
+      </p:cxnSp>
+      <p:sp>
+        <p:nvSpPr>
+          <p:cNvPr id="10" name="Rechteck 9">
+            <a:extLst>
+              <a:ext uri="{FF2B5EF4-FFF2-40B4-BE49-F238E27FC236}">
+                <a16:creationId xmlns:a16="http://schemas.microsoft.com/office/drawing/2014/main" id="{76FEBA20-AEF0-46B4-AFE2-D8F1DB9D7C85}"/>
+              </a:ext>
+            </a:extLst>
+          </p:cNvPr>
+          <p:cNvSpPr/>
+          <p:nvPr/>
+        </p:nvSpPr>
+        <p:spPr>
+          <a:xfrm>
+            <a:off x="1358038" y="2676622"/>
+            <a:ext cx="1879134" cy="1367406"/>
+          </a:xfrm>
+          <a:prstGeom prst="rect">
+            <a:avLst/>
+          </a:prstGeom>
+          <a:solidFill>
+            <a:schemeClr val="bg1">
+              <a:lumMod val="75000"/>
+            </a:schemeClr>
+          </a:solidFill>
+          <a:ln>
+            <a:solidFill>
+              <a:schemeClr val="tx1"/>
+            </a:solidFill>
+          </a:ln>
+        </p:spPr>
+        <p:style>
+          <a:lnRef idx="2">
+            <a:schemeClr val="accent1">
+              <a:shade val="50000"/>
+            </a:schemeClr>
+          </a:lnRef>
+          <a:fillRef idx="1">
+            <a:schemeClr val="accent1"/>
+          </a:fillRef>
+          <a:effectRef idx="0">
+            <a:schemeClr val="accent1"/>
+          </a:effectRef>
+          <a:fontRef idx="minor">
+            <a:schemeClr val="lt1"/>
+          </a:fontRef>
+        </p:style>
+        <p:txBody>
+          <a:bodyPr rtlCol="0" anchor="ctr"/>
+          <a:lstStyle/>
+          <a:p>
+            <a:pPr algn="ctr"/>
+            <a:endParaRPr lang="en-US" dirty="0">
+              <a:latin typeface="Arial" panose="020B0604020202020204" pitchFamily="34" charset="0"/>
+              <a:cs typeface="Arial" panose="020B0604020202020204" pitchFamily="34" charset="0"/>
+            </a:endParaRPr>
+          </a:p>
+        </p:txBody>
+      </p:sp>
+      <p:cxnSp>
+        <p:nvCxnSpPr>
+          <p:cNvPr id="11" name="Gerader Verbinder 10">
+            <a:extLst>
+              <a:ext uri="{FF2B5EF4-FFF2-40B4-BE49-F238E27FC236}">
+                <a16:creationId xmlns:a16="http://schemas.microsoft.com/office/drawing/2014/main" id="{1CF806AA-34C1-4AFC-BC1D-93EA78B38F08}"/>
+              </a:ext>
+            </a:extLst>
+          </p:cNvPr>
+          <p:cNvCxnSpPr>
+            <a:cxnSpLocks/>
+          </p:cNvCxnSpPr>
+          <p:nvPr/>
+        </p:nvCxnSpPr>
+        <p:spPr>
+          <a:xfrm>
+            <a:off x="1364911" y="3154662"/>
+            <a:ext cx="1879134" cy="0"/>
+          </a:xfrm>
+          <a:prstGeom prst="line">
+            <a:avLst/>
+          </a:prstGeom>
+          <a:ln w="12700">
+            <a:solidFill>
+              <a:schemeClr val="tx1"/>
+            </a:solidFill>
+          </a:ln>
+        </p:spPr>
+        <p:style>
+          <a:lnRef idx="1">
+            <a:schemeClr val="accent1"/>
+          </a:lnRef>
+          <a:fillRef idx="0">
+            <a:schemeClr val="accent1"/>
+          </a:fillRef>
+          <a:effectRef idx="0">
+            <a:schemeClr val="accent1"/>
+          </a:effectRef>
+          <a:fontRef idx="minor">
+            <a:schemeClr val="tx1"/>
+          </a:fontRef>
+        </p:style>
+      </p:cxnSp>
+      <p:sp>
+        <p:nvSpPr>
+          <p:cNvPr id="12" name="Textfeld 11">
+            <a:extLst>
+              <a:ext uri="{FF2B5EF4-FFF2-40B4-BE49-F238E27FC236}">
+                <a16:creationId xmlns:a16="http://schemas.microsoft.com/office/drawing/2014/main" id="{9416C7EA-F20F-4A8E-8F85-2FF93EF673B1}"/>
+              </a:ext>
+            </a:extLst>
+          </p:cNvPr>
+          <p:cNvSpPr txBox="1"/>
+          <p:nvPr/>
+        </p:nvSpPr>
+        <p:spPr>
+          <a:xfrm>
+            <a:off x="1975754" y="2746092"/>
+            <a:ext cx="595035" cy="369332"/>
+          </a:xfrm>
+          <a:prstGeom prst="rect">
+            <a:avLst/>
+          </a:prstGeom>
+          <a:noFill/>
+        </p:spPr>
+        <p:txBody>
+          <a:bodyPr wrap="none" rtlCol="0">
+            <a:spAutoFit/>
+          </a:bodyPr>
+          <a:lstStyle/>
+          <a:p>
+            <a:r>
+              <a:rPr lang="en-US" dirty="0">
+                <a:latin typeface="Arial" panose="020B0604020202020204" pitchFamily="34" charset="0"/>
+                <a:cs typeface="Arial" panose="020B0604020202020204" pitchFamily="34" charset="0"/>
+              </a:rPr>
+              <a:t>GUI</a:t>
+            </a:r>
+          </a:p>
+        </p:txBody>
+      </p:sp>
+      <p:sp>
+        <p:nvSpPr>
+          <p:cNvPr id="13" name="Textfeld 12">
+            <a:extLst>
+              <a:ext uri="{FF2B5EF4-FFF2-40B4-BE49-F238E27FC236}">
+                <a16:creationId xmlns:a16="http://schemas.microsoft.com/office/drawing/2014/main" id="{C224368C-E9B0-4C23-A28D-EE976BEA6F0D}"/>
+              </a:ext>
+            </a:extLst>
+          </p:cNvPr>
+          <p:cNvSpPr txBox="1"/>
+          <p:nvPr/>
+        </p:nvSpPr>
+        <p:spPr>
+          <a:xfrm>
+            <a:off x="2279812" y="3641880"/>
+            <a:ext cx="898644" cy="369332"/>
+          </a:xfrm>
+          <a:prstGeom prst="rect">
+            <a:avLst/>
+          </a:prstGeom>
+          <a:noFill/>
+        </p:spPr>
+        <p:txBody>
+          <a:bodyPr wrap="none" rtlCol="0">
+            <a:spAutoFit/>
+          </a:bodyPr>
+          <a:lstStyle/>
+          <a:p>
+            <a:r>
+              <a:rPr lang="en-US" dirty="0">
+                <a:latin typeface="Arial" panose="020B0604020202020204" pitchFamily="34" charset="0"/>
+                <a:cs typeface="Arial" panose="020B0604020202020204" pitchFamily="34" charset="0"/>
+              </a:rPr>
+              <a:t>Web3J</a:t>
+            </a:r>
+          </a:p>
+        </p:txBody>
+      </p:sp>
+      <p:sp>
+        <p:nvSpPr>
+          <p:cNvPr id="14" name="Textfeld 13">
+            <a:extLst>
+              <a:ext uri="{FF2B5EF4-FFF2-40B4-BE49-F238E27FC236}">
+                <a16:creationId xmlns:a16="http://schemas.microsoft.com/office/drawing/2014/main" id="{D5BA294B-DBF5-4AFE-9CD1-218EC902DA30}"/>
+              </a:ext>
+            </a:extLst>
+          </p:cNvPr>
+          <p:cNvSpPr txBox="1"/>
+          <p:nvPr/>
+        </p:nvSpPr>
+        <p:spPr>
+          <a:xfrm>
+            <a:off x="1733328" y="2353686"/>
+            <a:ext cx="1142300" cy="369332"/>
+          </a:xfrm>
+          <a:prstGeom prst="rect">
+            <a:avLst/>
+          </a:prstGeom>
+          <a:noFill/>
+        </p:spPr>
+        <p:txBody>
+          <a:bodyPr wrap="none" rtlCol="0">
+            <a:spAutoFit/>
+          </a:bodyPr>
+          <a:lstStyle/>
+          <a:p>
+            <a:r>
+              <a:rPr lang="en-US" dirty="0">
+                <a:latin typeface="Arial" panose="020B0604020202020204" pitchFamily="34" charset="0"/>
+                <a:cs typeface="Arial" panose="020B0604020202020204" pitchFamily="34" charset="0"/>
+              </a:rPr>
+              <a:t>Web-App</a:t>
+            </a:r>
+          </a:p>
+        </p:txBody>
+      </p:sp>
+      <p:cxnSp>
+        <p:nvCxnSpPr>
+          <p:cNvPr id="15" name="Gerader Verbinder 14">
+            <a:extLst>
+              <a:ext uri="{FF2B5EF4-FFF2-40B4-BE49-F238E27FC236}">
+                <a16:creationId xmlns:a16="http://schemas.microsoft.com/office/drawing/2014/main" id="{0FAA47D8-A7A8-4C94-927E-72AB67A3B719}"/>
+              </a:ext>
+            </a:extLst>
+          </p:cNvPr>
+          <p:cNvCxnSpPr>
+            <a:cxnSpLocks/>
+          </p:cNvCxnSpPr>
+          <p:nvPr/>
+        </p:nvCxnSpPr>
+        <p:spPr>
+          <a:xfrm>
+            <a:off x="1358038" y="3609066"/>
+            <a:ext cx="1879134" cy="0"/>
+          </a:xfrm>
+          <a:prstGeom prst="line">
+            <a:avLst/>
+          </a:prstGeom>
+          <a:ln w="12700">
+            <a:solidFill>
+              <a:schemeClr val="tx1"/>
+            </a:solidFill>
+          </a:ln>
+        </p:spPr>
+        <p:style>
+          <a:lnRef idx="1">
+            <a:schemeClr val="accent1"/>
+          </a:lnRef>
+          <a:fillRef idx="0">
+            <a:schemeClr val="accent1"/>
+          </a:fillRef>
+          <a:effectRef idx="0">
+            <a:schemeClr val="accent1"/>
+          </a:effectRef>
+          <a:fontRef idx="minor">
+            <a:schemeClr val="tx1"/>
+          </a:fontRef>
+        </p:style>
+      </p:cxnSp>
+      <p:sp>
+        <p:nvSpPr>
+          <p:cNvPr id="16" name="Textfeld 15">
+            <a:extLst>
+              <a:ext uri="{FF2B5EF4-FFF2-40B4-BE49-F238E27FC236}">
+                <a16:creationId xmlns:a16="http://schemas.microsoft.com/office/drawing/2014/main" id="{22738236-396D-4851-AE00-1D760109E836}"/>
+              </a:ext>
+            </a:extLst>
+          </p:cNvPr>
+          <p:cNvSpPr txBox="1"/>
+          <p:nvPr/>
+        </p:nvSpPr>
+        <p:spPr>
+          <a:xfrm>
+            <a:off x="1492406" y="3216190"/>
+            <a:ext cx="1710725" cy="369332"/>
+          </a:xfrm>
+          <a:prstGeom prst="rect">
+            <a:avLst/>
+          </a:prstGeom>
+          <a:noFill/>
+        </p:spPr>
+        <p:txBody>
+          <a:bodyPr wrap="none" rtlCol="0">
+            <a:spAutoFit/>
+          </a:bodyPr>
+          <a:lstStyle/>
+          <a:p>
+            <a:r>
+              <a:rPr lang="en-US" dirty="0" err="1">
+                <a:latin typeface="Arial" panose="020B0604020202020204" pitchFamily="34" charset="0"/>
+                <a:cs typeface="Arial" panose="020B0604020202020204" pitchFamily="34" charset="0"/>
+              </a:rPr>
+              <a:t>Geschäftslogik</a:t>
+            </a:r>
+            <a:endParaRPr lang="en-US" dirty="0">
+              <a:latin typeface="Arial" panose="020B0604020202020204" pitchFamily="34" charset="0"/>
+              <a:cs typeface="Arial" panose="020B0604020202020204" pitchFamily="34" charset="0"/>
+            </a:endParaRPr>
+          </a:p>
+        </p:txBody>
+      </p:sp>
+      <p:cxnSp>
+        <p:nvCxnSpPr>
+          <p:cNvPr id="17" name="Gerader Verbinder 16">
+            <a:extLst>
+              <a:ext uri="{FF2B5EF4-FFF2-40B4-BE49-F238E27FC236}">
+                <a16:creationId xmlns:a16="http://schemas.microsoft.com/office/drawing/2014/main" id="{08C54FD9-30A5-4F4E-8173-9EC11AD5C405}"/>
+              </a:ext>
+            </a:extLst>
+          </p:cNvPr>
+          <p:cNvCxnSpPr>
+            <a:cxnSpLocks/>
+            <a:stCxn id="10" idx="2"/>
+          </p:cNvCxnSpPr>
+          <p:nvPr/>
+        </p:nvCxnSpPr>
+        <p:spPr>
+          <a:xfrm flipV="1">
+            <a:off x="2297605" y="3609066"/>
+            <a:ext cx="0" cy="434962"/>
+          </a:xfrm>
+          <a:prstGeom prst="line">
+            <a:avLst/>
+          </a:prstGeom>
+          <a:ln w="12700">
+            <a:solidFill>
+              <a:schemeClr val="tx1"/>
+            </a:solidFill>
+          </a:ln>
+        </p:spPr>
+        <p:style>
+          <a:lnRef idx="1">
+            <a:schemeClr val="accent1"/>
+          </a:lnRef>
+          <a:fillRef idx="0">
+            <a:schemeClr val="accent1"/>
+          </a:fillRef>
+          <a:effectRef idx="0">
+            <a:schemeClr val="accent1"/>
+          </a:effectRef>
+          <a:fontRef idx="minor">
+            <a:schemeClr val="tx1"/>
+          </a:fontRef>
+        </p:style>
+      </p:cxnSp>
+      <p:sp>
+        <p:nvSpPr>
+          <p:cNvPr id="18" name="Textfeld 17">
+            <a:extLst>
+              <a:ext uri="{FF2B5EF4-FFF2-40B4-BE49-F238E27FC236}">
+                <a16:creationId xmlns:a16="http://schemas.microsoft.com/office/drawing/2014/main" id="{2CDC1617-4539-4DC8-BD2C-2D203DE15631}"/>
+              </a:ext>
+            </a:extLst>
+          </p:cNvPr>
+          <p:cNvSpPr txBox="1"/>
+          <p:nvPr/>
+        </p:nvSpPr>
+        <p:spPr>
+          <a:xfrm>
+            <a:off x="1519643" y="3641880"/>
+            <a:ext cx="800219" cy="369332"/>
+          </a:xfrm>
+          <a:prstGeom prst="rect">
+            <a:avLst/>
+          </a:prstGeom>
+          <a:noFill/>
+        </p:spPr>
+        <p:txBody>
+          <a:bodyPr wrap="none" rtlCol="0">
+            <a:spAutoFit/>
+          </a:bodyPr>
+          <a:lstStyle/>
+          <a:p>
+            <a:r>
+              <a:rPr lang="en-US" dirty="0" err="1">
+                <a:latin typeface="Arial" panose="020B0604020202020204" pitchFamily="34" charset="0"/>
+                <a:cs typeface="Arial" panose="020B0604020202020204" pitchFamily="34" charset="0"/>
+              </a:rPr>
+              <a:t>Daten</a:t>
+            </a:r>
+            <a:endParaRPr lang="en-US" dirty="0">
+              <a:latin typeface="Arial" panose="020B0604020202020204" pitchFamily="34" charset="0"/>
+              <a:cs typeface="Arial" panose="020B0604020202020204" pitchFamily="34" charset="0"/>
+            </a:endParaRPr>
+          </a:p>
+        </p:txBody>
+      </p:sp>
+      <p:sp>
+        <p:nvSpPr>
+          <p:cNvPr id="25" name="Textfeld 24">
+            <a:extLst>
+              <a:ext uri="{FF2B5EF4-FFF2-40B4-BE49-F238E27FC236}">
+                <a16:creationId xmlns:a16="http://schemas.microsoft.com/office/drawing/2014/main" id="{3F52E16A-548D-4783-B80C-654598D34EE1}"/>
+              </a:ext>
+            </a:extLst>
+          </p:cNvPr>
+          <p:cNvSpPr txBox="1"/>
+          <p:nvPr/>
+        </p:nvSpPr>
+        <p:spPr>
+          <a:xfrm>
+            <a:off x="1286628" y="1961280"/>
+            <a:ext cx="2056648" cy="369332"/>
+          </a:xfrm>
+          <a:prstGeom prst="rect">
+            <a:avLst/>
+          </a:prstGeom>
+          <a:noFill/>
+          <a:ln>
+            <a:noFill/>
+          </a:ln>
+        </p:spPr>
+        <p:txBody>
+          <a:bodyPr wrap="square" rtlCol="0">
+            <a:spAutoFit/>
+          </a:bodyPr>
+          <a:lstStyle/>
+          <a:p>
+            <a:pPr algn="ctr"/>
+            <a:r>
+              <a:rPr lang="en-US" dirty="0">
+                <a:latin typeface="Arial" panose="020B0604020202020204" pitchFamily="34" charset="0"/>
+                <a:cs typeface="Arial" panose="020B0604020202020204" pitchFamily="34" charset="0"/>
+              </a:rPr>
+              <a:t>Application Server</a:t>
+            </a:r>
+          </a:p>
+        </p:txBody>
+      </p:sp>
+      <p:sp>
+        <p:nvSpPr>
+          <p:cNvPr id="27" name="Wolke 26">
+            <a:extLst>
+              <a:ext uri="{FF2B5EF4-FFF2-40B4-BE49-F238E27FC236}">
+                <a16:creationId xmlns:a16="http://schemas.microsoft.com/office/drawing/2014/main" id="{DC8A8D45-C76D-4083-9E80-69CBD70A2627}"/>
+              </a:ext>
+            </a:extLst>
+          </p:cNvPr>
+          <p:cNvSpPr/>
+          <p:nvPr/>
+        </p:nvSpPr>
+        <p:spPr>
+          <a:xfrm>
+            <a:off x="5530028" y="2573902"/>
+            <a:ext cx="2327330" cy="1716765"/>
+          </a:xfrm>
+          <a:prstGeom prst="cloud">
+            <a:avLst/>
+          </a:prstGeom>
+          <a:noFill/>
+          <a:ln>
+            <a:solidFill>
+              <a:schemeClr val="tx1"/>
+            </a:solidFill>
+          </a:ln>
+        </p:spPr>
+        <p:style>
+          <a:lnRef idx="2">
+            <a:schemeClr val="accent1">
+              <a:shade val="50000"/>
+            </a:schemeClr>
+          </a:lnRef>
+          <a:fillRef idx="1">
+            <a:schemeClr val="accent1"/>
+          </a:fillRef>
+          <a:effectRef idx="0">
+            <a:schemeClr val="accent1"/>
+          </a:effectRef>
+          <a:fontRef idx="minor">
+            <a:schemeClr val="lt1"/>
+          </a:fontRef>
+        </p:style>
+        <p:txBody>
+          <a:bodyPr rtlCol="0" anchor="ctr"/>
+          <a:lstStyle/>
+          <a:p>
+            <a:pPr algn="ctr"/>
+            <a:r>
+              <a:rPr lang="en-US" dirty="0">
+                <a:solidFill>
+                  <a:schemeClr val="tx1"/>
+                </a:solidFill>
+                <a:latin typeface="Arial" panose="020B0604020202020204" pitchFamily="34" charset="0"/>
+                <a:cs typeface="Arial" panose="020B0604020202020204" pitchFamily="34" charset="0"/>
+              </a:rPr>
+              <a:t>Ethereum </a:t>
+            </a:r>
+            <a:br>
+              <a:rPr lang="en-US" dirty="0">
+                <a:solidFill>
+                  <a:schemeClr val="tx1"/>
+                </a:solidFill>
+                <a:latin typeface="Arial" panose="020B0604020202020204" pitchFamily="34" charset="0"/>
+                <a:cs typeface="Arial" panose="020B0604020202020204" pitchFamily="34" charset="0"/>
+              </a:rPr>
+            </a:br>
+            <a:r>
+              <a:rPr lang="en-US" dirty="0">
+                <a:solidFill>
+                  <a:schemeClr val="tx1"/>
+                </a:solidFill>
+                <a:latin typeface="Arial" panose="020B0604020202020204" pitchFamily="34" charset="0"/>
+                <a:cs typeface="Arial" panose="020B0604020202020204" pitchFamily="34" charset="0"/>
+              </a:rPr>
+              <a:t>Peer-to-Peer </a:t>
+            </a:r>
+            <a:r>
+              <a:rPr lang="en-US" dirty="0" err="1">
+                <a:solidFill>
+                  <a:schemeClr val="tx1"/>
+                </a:solidFill>
+                <a:latin typeface="Arial" panose="020B0604020202020204" pitchFamily="34" charset="0"/>
+                <a:cs typeface="Arial" panose="020B0604020202020204" pitchFamily="34" charset="0"/>
+              </a:rPr>
+              <a:t>Netzwerk</a:t>
+            </a:r>
+            <a:endParaRPr lang="en-US" dirty="0">
+              <a:solidFill>
+                <a:schemeClr val="tx1"/>
+              </a:solidFill>
+              <a:latin typeface="Arial" panose="020B0604020202020204" pitchFamily="34" charset="0"/>
+              <a:cs typeface="Arial" panose="020B0604020202020204" pitchFamily="34" charset="0"/>
+            </a:endParaRPr>
+          </a:p>
+        </p:txBody>
+      </p:sp>
+      <p:cxnSp>
+        <p:nvCxnSpPr>
+          <p:cNvPr id="30" name="Gerade Verbindung mit Pfeil 29">
+            <a:extLst>
+              <a:ext uri="{FF2B5EF4-FFF2-40B4-BE49-F238E27FC236}">
+                <a16:creationId xmlns:a16="http://schemas.microsoft.com/office/drawing/2014/main" id="{120553C2-5036-4E47-AD48-C6C24C6A0BC2}"/>
+              </a:ext>
+            </a:extLst>
+          </p:cNvPr>
+          <p:cNvCxnSpPr>
+            <a:cxnSpLocks/>
+          </p:cNvCxnSpPr>
+          <p:nvPr/>
+        </p:nvCxnSpPr>
+        <p:spPr>
+          <a:xfrm flipV="1">
+            <a:off x="3259914" y="2130639"/>
+            <a:ext cx="1761318" cy="818440"/>
+          </a:xfrm>
+          <a:prstGeom prst="straightConnector1">
+            <a:avLst/>
+          </a:prstGeom>
+          <a:ln w="12700">
+            <a:solidFill>
+              <a:schemeClr val="tx1"/>
+            </a:solidFill>
+            <a:headEnd type="triangle"/>
+            <a:tailEnd type="triangle"/>
+          </a:ln>
+        </p:spPr>
+        <p:style>
+          <a:lnRef idx="1">
+            <a:schemeClr val="accent1"/>
+          </a:lnRef>
+          <a:fillRef idx="0">
+            <a:schemeClr val="accent1"/>
+          </a:fillRef>
+          <a:effectRef idx="0">
+            <a:schemeClr val="accent1"/>
+          </a:effectRef>
+          <a:fontRef idx="minor">
+            <a:schemeClr val="tx1"/>
+          </a:fontRef>
+        </p:style>
+      </p:cxnSp>
+      <p:sp>
+        <p:nvSpPr>
+          <p:cNvPr id="31" name="Rechteck: abgerundete Ecken 30">
+            <a:extLst>
+              <a:ext uri="{FF2B5EF4-FFF2-40B4-BE49-F238E27FC236}">
+                <a16:creationId xmlns:a16="http://schemas.microsoft.com/office/drawing/2014/main" id="{408EEC44-C866-4FDB-8159-60D667AB1860}"/>
+              </a:ext>
+            </a:extLst>
+          </p:cNvPr>
+          <p:cNvSpPr/>
+          <p:nvPr/>
+        </p:nvSpPr>
+        <p:spPr>
+          <a:xfrm>
+            <a:off x="4319888" y="1262543"/>
+            <a:ext cx="3507040" cy="850351"/>
+          </a:xfrm>
+          <a:prstGeom prst="roundRect">
+            <a:avLst/>
+          </a:prstGeom>
+          <a:noFill/>
+          <a:ln>
+            <a:solidFill>
+              <a:schemeClr val="tx1"/>
+            </a:solidFill>
+          </a:ln>
+        </p:spPr>
+        <p:style>
+          <a:lnRef idx="2">
+            <a:schemeClr val="accent1">
+              <a:shade val="50000"/>
+            </a:schemeClr>
+          </a:lnRef>
+          <a:fillRef idx="1">
+            <a:schemeClr val="accent1"/>
+          </a:fillRef>
+          <a:effectRef idx="0">
+            <a:schemeClr val="accent1"/>
+          </a:effectRef>
+          <a:fontRef idx="minor">
+            <a:schemeClr val="lt1"/>
+          </a:fontRef>
+        </p:style>
+        <p:txBody>
+          <a:bodyPr rtlCol="0" anchor="ctr"/>
+          <a:lstStyle/>
+          <a:p>
+            <a:pPr algn="ctr"/>
+            <a:endParaRPr lang="en-US" dirty="0">
+              <a:solidFill>
+                <a:schemeClr val="tx1"/>
+              </a:solidFill>
+              <a:latin typeface="Arial" panose="020B0604020202020204" pitchFamily="34" charset="0"/>
+              <a:cs typeface="Arial" panose="020B0604020202020204" pitchFamily="34" charset="0"/>
+            </a:endParaRPr>
+          </a:p>
+        </p:txBody>
+      </p:sp>
+      <p:sp>
+        <p:nvSpPr>
+          <p:cNvPr id="32" name="Rechteck 31">
+            <a:extLst>
+              <a:ext uri="{FF2B5EF4-FFF2-40B4-BE49-F238E27FC236}">
+                <a16:creationId xmlns:a16="http://schemas.microsoft.com/office/drawing/2014/main" id="{F1CF46A0-32BB-47D1-AAE4-218888B611A4}"/>
+              </a:ext>
+            </a:extLst>
+          </p:cNvPr>
+          <p:cNvSpPr/>
+          <p:nvPr/>
+        </p:nvSpPr>
+        <p:spPr>
+          <a:xfrm>
+            <a:off x="5262929" y="1308397"/>
+            <a:ext cx="1620958" cy="369332"/>
+          </a:xfrm>
+          <a:prstGeom prst="rect">
+            <a:avLst/>
+          </a:prstGeom>
+        </p:spPr>
+        <p:txBody>
+          <a:bodyPr wrap="none">
+            <a:spAutoFit/>
+          </a:bodyPr>
+          <a:lstStyle/>
+          <a:p>
+            <a:pPr algn="ctr"/>
+            <a:r>
+              <a:rPr lang="en-US" dirty="0" err="1">
+                <a:latin typeface="Arial" panose="020B0604020202020204" pitchFamily="34" charset="0"/>
+                <a:cs typeface="Arial" panose="020B0604020202020204" pitchFamily="34" charset="0"/>
+              </a:rPr>
+              <a:t>Spieler</a:t>
+            </a:r>
+            <a:r>
+              <a:rPr lang="en-US" dirty="0">
+                <a:latin typeface="Arial" panose="020B0604020202020204" pitchFamily="34" charset="0"/>
+                <a:cs typeface="Arial" panose="020B0604020202020204" pitchFamily="34" charset="0"/>
+              </a:rPr>
+              <a:t> 1 … N</a:t>
+            </a:r>
+          </a:p>
+        </p:txBody>
+      </p:sp>
+      <p:cxnSp>
+        <p:nvCxnSpPr>
+          <p:cNvPr id="33" name="Gerader Verbinder 32">
+            <a:extLst>
+              <a:ext uri="{FF2B5EF4-FFF2-40B4-BE49-F238E27FC236}">
+                <a16:creationId xmlns:a16="http://schemas.microsoft.com/office/drawing/2014/main" id="{0AA69609-C9FD-4A6B-B530-B003A31416CF}"/>
+              </a:ext>
+            </a:extLst>
+          </p:cNvPr>
+          <p:cNvCxnSpPr>
+            <a:cxnSpLocks/>
+            <a:stCxn id="31" idx="1"/>
+            <a:endCxn id="31" idx="3"/>
+          </p:cNvCxnSpPr>
+          <p:nvPr/>
+        </p:nvCxnSpPr>
+        <p:spPr>
+          <a:xfrm>
+            <a:off x="4319888" y="1687719"/>
+            <a:ext cx="3507040" cy="0"/>
+          </a:xfrm>
+          <a:prstGeom prst="line">
+            <a:avLst/>
+          </a:prstGeom>
+          <a:ln w="12700">
+            <a:solidFill>
+              <a:schemeClr val="tx1"/>
+            </a:solidFill>
+          </a:ln>
+        </p:spPr>
+        <p:style>
+          <a:lnRef idx="1">
+            <a:schemeClr val="accent1"/>
+          </a:lnRef>
+          <a:fillRef idx="0">
+            <a:schemeClr val="accent1"/>
+          </a:fillRef>
+          <a:effectRef idx="0">
+            <a:schemeClr val="accent1"/>
+          </a:effectRef>
+          <a:fontRef idx="minor">
+            <a:schemeClr val="tx1"/>
+          </a:fontRef>
+        </p:style>
+      </p:cxnSp>
+      <p:sp>
+        <p:nvSpPr>
+          <p:cNvPr id="34" name="Textfeld 33">
+            <a:extLst>
+              <a:ext uri="{FF2B5EF4-FFF2-40B4-BE49-F238E27FC236}">
+                <a16:creationId xmlns:a16="http://schemas.microsoft.com/office/drawing/2014/main" id="{65D1944C-093A-49DA-96AA-C3784C915140}"/>
+              </a:ext>
+            </a:extLst>
+          </p:cNvPr>
+          <p:cNvSpPr txBox="1"/>
+          <p:nvPr/>
+        </p:nvSpPr>
+        <p:spPr>
+          <a:xfrm>
+            <a:off x="4611856" y="1728494"/>
+            <a:ext cx="1031051" cy="369332"/>
+          </a:xfrm>
+          <a:prstGeom prst="rect">
+            <a:avLst/>
+          </a:prstGeom>
+          <a:noFill/>
+        </p:spPr>
+        <p:txBody>
+          <a:bodyPr wrap="none" rtlCol="0">
+            <a:spAutoFit/>
+          </a:bodyPr>
+          <a:lstStyle/>
+          <a:p>
+            <a:r>
+              <a:rPr lang="en-US" dirty="0">
+                <a:latin typeface="Arial" panose="020B0604020202020204" pitchFamily="34" charset="0"/>
+                <a:cs typeface="Arial" panose="020B0604020202020204" pitchFamily="34" charset="0"/>
+              </a:rPr>
+              <a:t>Browser</a:t>
+            </a:r>
+          </a:p>
+        </p:txBody>
+      </p:sp>
+      <p:sp>
+        <p:nvSpPr>
+          <p:cNvPr id="35" name="Textfeld 34">
+            <a:extLst>
+              <a:ext uri="{FF2B5EF4-FFF2-40B4-BE49-F238E27FC236}">
+                <a16:creationId xmlns:a16="http://schemas.microsoft.com/office/drawing/2014/main" id="{98B48C77-0EEF-4440-B93F-2871DDA03807}"/>
+              </a:ext>
+            </a:extLst>
+          </p:cNvPr>
+          <p:cNvSpPr txBox="1"/>
+          <p:nvPr/>
+        </p:nvSpPr>
+        <p:spPr>
+          <a:xfrm>
+            <a:off x="6073408" y="1708027"/>
+            <a:ext cx="1701300" cy="369332"/>
+          </a:xfrm>
+          <a:prstGeom prst="rect">
+            <a:avLst/>
+          </a:prstGeom>
+          <a:noFill/>
+        </p:spPr>
+        <p:txBody>
+          <a:bodyPr wrap="none" rtlCol="0">
+            <a:spAutoFit/>
+          </a:bodyPr>
+          <a:lstStyle/>
+          <a:p>
+            <a:r>
+              <a:rPr lang="en-US" dirty="0"/>
+              <a:t>Ethereum Client</a:t>
+            </a:r>
+          </a:p>
+        </p:txBody>
+      </p:sp>
+      <p:cxnSp>
+        <p:nvCxnSpPr>
+          <p:cNvPr id="36" name="Gerader Verbinder 35">
+            <a:extLst>
+              <a:ext uri="{FF2B5EF4-FFF2-40B4-BE49-F238E27FC236}">
+                <a16:creationId xmlns:a16="http://schemas.microsoft.com/office/drawing/2014/main" id="{391CA392-8BC1-488D-A012-938F2DFE0104}"/>
+              </a:ext>
+            </a:extLst>
+          </p:cNvPr>
+          <p:cNvCxnSpPr>
+            <a:cxnSpLocks/>
+            <a:stCxn id="31" idx="2"/>
+            <a:endCxn id="32" idx="2"/>
+          </p:cNvCxnSpPr>
+          <p:nvPr/>
+        </p:nvCxnSpPr>
+        <p:spPr>
+          <a:xfrm flipV="1">
+            <a:off x="6073408" y="1677729"/>
+            <a:ext cx="0" cy="435165"/>
+          </a:xfrm>
+          <a:prstGeom prst="line">
+            <a:avLst/>
+          </a:prstGeom>
+          <a:ln w="12700">
+            <a:solidFill>
+              <a:schemeClr val="tx1"/>
+            </a:solidFill>
+          </a:ln>
+        </p:spPr>
+        <p:style>
+          <a:lnRef idx="1">
+            <a:schemeClr val="accent1"/>
+          </a:lnRef>
+          <a:fillRef idx="0">
+            <a:schemeClr val="accent1"/>
+          </a:fillRef>
+          <a:effectRef idx="0">
+            <a:schemeClr val="accent1"/>
+          </a:effectRef>
+          <a:fontRef idx="minor">
+            <a:schemeClr val="tx1"/>
+          </a:fontRef>
+        </p:style>
+      </p:cxnSp>
+      <p:cxnSp>
+        <p:nvCxnSpPr>
+          <p:cNvPr id="37" name="Gerade Verbindung mit Pfeil 36">
+            <a:extLst>
+              <a:ext uri="{FF2B5EF4-FFF2-40B4-BE49-F238E27FC236}">
+                <a16:creationId xmlns:a16="http://schemas.microsoft.com/office/drawing/2014/main" id="{9FD5A5CD-A8C5-4488-AFE9-AF1ACD827CCE}"/>
+              </a:ext>
+            </a:extLst>
+          </p:cNvPr>
+          <p:cNvCxnSpPr>
+            <a:cxnSpLocks/>
+          </p:cNvCxnSpPr>
+          <p:nvPr/>
+        </p:nvCxnSpPr>
+        <p:spPr>
+          <a:xfrm flipV="1">
+            <a:off x="6393164" y="2146108"/>
+            <a:ext cx="412654" cy="462439"/>
+          </a:xfrm>
+          <a:prstGeom prst="straightConnector1">
+            <a:avLst/>
+          </a:prstGeom>
+          <a:ln w="12700">
+            <a:solidFill>
+              <a:schemeClr val="tx1"/>
+            </a:solidFill>
+            <a:headEnd type="triangle"/>
+            <a:tailEnd type="triangle"/>
+          </a:ln>
+        </p:spPr>
+        <p:style>
+          <a:lnRef idx="1">
+            <a:schemeClr val="accent1"/>
+          </a:lnRef>
+          <a:fillRef idx="0">
+            <a:schemeClr val="accent1"/>
+          </a:fillRef>
+          <a:effectRef idx="0">
+            <a:schemeClr val="accent1"/>
+          </a:effectRef>
+          <a:fontRef idx="minor">
+            <a:schemeClr val="tx1"/>
+          </a:fontRef>
+        </p:style>
+      </p:cxnSp>
+      <p:cxnSp>
+        <p:nvCxnSpPr>
+          <p:cNvPr id="38" name="Gerade Verbindung mit Pfeil 37">
+            <a:extLst>
+              <a:ext uri="{FF2B5EF4-FFF2-40B4-BE49-F238E27FC236}">
+                <a16:creationId xmlns:a16="http://schemas.microsoft.com/office/drawing/2014/main" id="{19426435-23EC-4307-BFE7-D22C1213392F}"/>
+              </a:ext>
+            </a:extLst>
+          </p:cNvPr>
+          <p:cNvCxnSpPr>
+            <a:cxnSpLocks/>
+          </p:cNvCxnSpPr>
+          <p:nvPr/>
+        </p:nvCxnSpPr>
+        <p:spPr>
+          <a:xfrm flipV="1">
+            <a:off x="6880671" y="2149994"/>
+            <a:ext cx="0" cy="407383"/>
+          </a:xfrm>
+          <a:prstGeom prst="straightConnector1">
+            <a:avLst/>
+          </a:prstGeom>
+          <a:ln w="12700">
+            <a:solidFill>
+              <a:schemeClr val="tx1"/>
+            </a:solidFill>
+            <a:headEnd type="triangle"/>
+            <a:tailEnd type="triangle"/>
+          </a:ln>
+        </p:spPr>
+        <p:style>
+          <a:lnRef idx="1">
+            <a:schemeClr val="accent1"/>
+          </a:lnRef>
+          <a:fillRef idx="0">
+            <a:schemeClr val="accent1"/>
+          </a:fillRef>
+          <a:effectRef idx="0">
+            <a:schemeClr val="accent1"/>
+          </a:effectRef>
+          <a:fontRef idx="minor">
+            <a:schemeClr val="tx1"/>
+          </a:fontRef>
+        </p:style>
+      </p:cxnSp>
+      <p:cxnSp>
+        <p:nvCxnSpPr>
+          <p:cNvPr id="39" name="Gerade Verbindung mit Pfeil 38">
+            <a:extLst>
+              <a:ext uri="{FF2B5EF4-FFF2-40B4-BE49-F238E27FC236}">
+                <a16:creationId xmlns:a16="http://schemas.microsoft.com/office/drawing/2014/main" id="{6F880905-4327-417D-A3A5-C794874D4188}"/>
+              </a:ext>
+            </a:extLst>
+          </p:cNvPr>
+          <p:cNvCxnSpPr>
+            <a:cxnSpLocks/>
+          </p:cNvCxnSpPr>
+          <p:nvPr/>
+        </p:nvCxnSpPr>
+        <p:spPr>
+          <a:xfrm flipH="1" flipV="1">
+            <a:off x="6931586" y="2145946"/>
+            <a:ext cx="339574" cy="389968"/>
+          </a:xfrm>
+          <a:prstGeom prst="straightConnector1">
+            <a:avLst/>
+          </a:prstGeom>
+          <a:ln w="12700">
+            <a:solidFill>
+              <a:schemeClr val="tx1"/>
+            </a:solidFill>
+            <a:headEnd type="triangle"/>
+            <a:tailEnd type="triangle"/>
+          </a:ln>
+        </p:spPr>
+        <p:style>
+          <a:lnRef idx="1">
+            <a:schemeClr val="accent1"/>
+          </a:lnRef>
+          <a:fillRef idx="0">
+            <a:schemeClr val="accent1"/>
+          </a:fillRef>
+          <a:effectRef idx="0">
+            <a:schemeClr val="accent1"/>
+          </a:effectRef>
+          <a:fontRef idx="minor">
+            <a:schemeClr val="tx1"/>
+          </a:fontRef>
+        </p:style>
+      </p:cxnSp>
+      <p:sp>
+        <p:nvSpPr>
+          <p:cNvPr id="43" name="Rechteck 42">
+            <a:extLst>
+              <a:ext uri="{FF2B5EF4-FFF2-40B4-BE49-F238E27FC236}">
+                <a16:creationId xmlns:a16="http://schemas.microsoft.com/office/drawing/2014/main" id="{F1078DE1-BD20-4125-B265-3F8DE95BCB00}"/>
+              </a:ext>
+            </a:extLst>
+          </p:cNvPr>
+          <p:cNvSpPr/>
+          <p:nvPr/>
+        </p:nvSpPr>
+        <p:spPr>
+          <a:xfrm>
+            <a:off x="3983784" y="3444952"/>
+            <a:ext cx="887935" cy="758615"/>
+          </a:xfrm>
+          <a:prstGeom prst="rect">
+            <a:avLst/>
+          </a:prstGeom>
+          <a:noFill/>
+          <a:ln>
+            <a:solidFill>
+              <a:schemeClr val="tx1"/>
+            </a:solidFill>
+          </a:ln>
+        </p:spPr>
+        <p:style>
+          <a:lnRef idx="2">
+            <a:schemeClr val="accent1">
+              <a:shade val="50000"/>
+            </a:schemeClr>
+          </a:lnRef>
+          <a:fillRef idx="1">
+            <a:schemeClr val="accent1"/>
+          </a:fillRef>
+          <a:effectRef idx="0">
+            <a:schemeClr val="accent1"/>
+          </a:effectRef>
+          <a:fontRef idx="minor">
+            <a:schemeClr val="lt1"/>
+          </a:fontRef>
+        </p:style>
+        <p:txBody>
+          <a:bodyPr rtlCol="0" anchor="ctr"/>
+          <a:lstStyle/>
+          <a:p>
+            <a:pPr algn="ctr"/>
+            <a:r>
+              <a:rPr lang="en-US" dirty="0">
+                <a:solidFill>
+                  <a:schemeClr val="tx1"/>
+                </a:solidFill>
+              </a:rPr>
+              <a:t>Full Node</a:t>
+            </a:r>
+          </a:p>
+        </p:txBody>
+      </p:sp>
+      <p:cxnSp>
+        <p:nvCxnSpPr>
+          <p:cNvPr id="46" name="Gerade Verbindung mit Pfeil 45">
+            <a:extLst>
+              <a:ext uri="{FF2B5EF4-FFF2-40B4-BE49-F238E27FC236}">
+                <a16:creationId xmlns:a16="http://schemas.microsoft.com/office/drawing/2014/main" id="{0782F037-DD81-41AB-B965-C3844DC0898E}"/>
+              </a:ext>
+            </a:extLst>
+          </p:cNvPr>
+          <p:cNvCxnSpPr>
+            <a:cxnSpLocks/>
+          </p:cNvCxnSpPr>
+          <p:nvPr/>
+        </p:nvCxnSpPr>
+        <p:spPr>
+          <a:xfrm>
+            <a:off x="4891845" y="3824259"/>
+            <a:ext cx="670755" cy="0"/>
+          </a:xfrm>
+          <a:prstGeom prst="straightConnector1">
+            <a:avLst/>
+          </a:prstGeom>
+          <a:ln w="12700">
+            <a:solidFill>
+              <a:schemeClr val="tx1"/>
+            </a:solidFill>
+            <a:headEnd type="triangle"/>
+            <a:tailEnd type="triangle"/>
+          </a:ln>
+        </p:spPr>
+        <p:style>
+          <a:lnRef idx="1">
+            <a:schemeClr val="accent1"/>
+          </a:lnRef>
+          <a:fillRef idx="0">
+            <a:schemeClr val="accent1"/>
+          </a:fillRef>
+          <a:effectRef idx="0">
+            <a:schemeClr val="accent1"/>
+          </a:effectRef>
+          <a:fontRef idx="minor">
+            <a:schemeClr val="tx1"/>
+          </a:fontRef>
+        </p:style>
+      </p:cxnSp>
+      <p:cxnSp>
+        <p:nvCxnSpPr>
+          <p:cNvPr id="47" name="Gerade Verbindung mit Pfeil 46">
+            <a:extLst>
+              <a:ext uri="{FF2B5EF4-FFF2-40B4-BE49-F238E27FC236}">
+                <a16:creationId xmlns:a16="http://schemas.microsoft.com/office/drawing/2014/main" id="{8104C2A4-3B3D-46DC-846C-CC3E84BDE65D}"/>
+              </a:ext>
+            </a:extLst>
+          </p:cNvPr>
+          <p:cNvCxnSpPr>
+            <a:cxnSpLocks/>
+          </p:cNvCxnSpPr>
+          <p:nvPr/>
+        </p:nvCxnSpPr>
+        <p:spPr>
+          <a:xfrm>
+            <a:off x="3254965" y="3826546"/>
+            <a:ext cx="714839" cy="0"/>
+          </a:xfrm>
+          <a:prstGeom prst="straightConnector1">
+            <a:avLst/>
+          </a:prstGeom>
+          <a:ln w="12700">
+            <a:solidFill>
+              <a:schemeClr val="tx1"/>
+            </a:solidFill>
+            <a:headEnd type="triangle"/>
+            <a:tailEnd type="triangle"/>
+          </a:ln>
+        </p:spPr>
+        <p:style>
+          <a:lnRef idx="1">
+            <a:schemeClr val="accent1"/>
+          </a:lnRef>
+          <a:fillRef idx="0">
+            <a:schemeClr val="accent1"/>
+          </a:fillRef>
+          <a:effectRef idx="0">
+            <a:schemeClr val="accent1"/>
+          </a:effectRef>
+          <a:fontRef idx="minor">
+            <a:schemeClr val="tx1"/>
+          </a:fontRef>
+        </p:style>
+      </p:cxnSp>
+      <p:cxnSp>
+        <p:nvCxnSpPr>
+          <p:cNvPr id="55" name="Gerade Verbindung mit Pfeil 54">
+            <a:extLst>
+              <a:ext uri="{FF2B5EF4-FFF2-40B4-BE49-F238E27FC236}">
+                <a16:creationId xmlns:a16="http://schemas.microsoft.com/office/drawing/2014/main" id="{EE80B7B0-C0C2-4152-94DF-C6BF0FCFF7A6}"/>
+              </a:ext>
+            </a:extLst>
+          </p:cNvPr>
+          <p:cNvCxnSpPr>
+            <a:cxnSpLocks/>
+          </p:cNvCxnSpPr>
+          <p:nvPr/>
+        </p:nvCxnSpPr>
+        <p:spPr>
+          <a:xfrm>
+            <a:off x="4891845" y="3897099"/>
+            <a:ext cx="751062" cy="141063"/>
+          </a:xfrm>
+          <a:prstGeom prst="straightConnector1">
+            <a:avLst/>
+          </a:prstGeom>
+          <a:ln w="12700">
+            <a:solidFill>
+              <a:schemeClr val="tx1"/>
+            </a:solidFill>
+            <a:headEnd type="triangle"/>
+            <a:tailEnd type="triangle"/>
+          </a:ln>
+        </p:spPr>
+        <p:style>
+          <a:lnRef idx="1">
+            <a:schemeClr val="accent1"/>
+          </a:lnRef>
+          <a:fillRef idx="0">
+            <a:schemeClr val="accent1"/>
+          </a:fillRef>
+          <a:effectRef idx="0">
+            <a:schemeClr val="accent1"/>
+          </a:effectRef>
+          <a:fontRef idx="minor">
+            <a:schemeClr val="tx1"/>
+          </a:fontRef>
+        </p:style>
+      </p:cxnSp>
+      <p:cxnSp>
+        <p:nvCxnSpPr>
+          <p:cNvPr id="57" name="Gerade Verbindung mit Pfeil 56">
+            <a:extLst>
+              <a:ext uri="{FF2B5EF4-FFF2-40B4-BE49-F238E27FC236}">
+                <a16:creationId xmlns:a16="http://schemas.microsoft.com/office/drawing/2014/main" id="{FE8D12F8-FBEE-4A2C-82FC-94124B0C746A}"/>
+              </a:ext>
+            </a:extLst>
+          </p:cNvPr>
+          <p:cNvCxnSpPr>
+            <a:cxnSpLocks/>
+          </p:cNvCxnSpPr>
+          <p:nvPr/>
+        </p:nvCxnSpPr>
+        <p:spPr>
+          <a:xfrm flipV="1">
+            <a:off x="4883208" y="3528060"/>
+            <a:ext cx="626052" cy="215420"/>
+          </a:xfrm>
+          <a:prstGeom prst="straightConnector1">
+            <a:avLst/>
+          </a:prstGeom>
+          <a:ln w="12700">
+            <a:solidFill>
+              <a:schemeClr val="tx1"/>
+            </a:solidFill>
+            <a:headEnd type="triangle"/>
+            <a:tailEnd type="triangle"/>
+          </a:ln>
+        </p:spPr>
+        <p:style>
+          <a:lnRef idx="1">
+            <a:schemeClr val="accent1"/>
+          </a:lnRef>
+          <a:fillRef idx="0">
+            <a:schemeClr val="accent1"/>
+          </a:fillRef>
+          <a:effectRef idx="0">
+            <a:schemeClr val="accent1"/>
+          </a:effectRef>
+          <a:fontRef idx="minor">
+            <a:schemeClr val="tx1"/>
+          </a:fontRef>
+        </p:style>
+      </p:cxnSp>
     </p:spTree>
     <p:extLst>
       <p:ext uri="{BB962C8B-B14F-4D97-AF65-F5344CB8AC3E}">

--- a/Thesis/Documents/images.pptx
+++ b/Thesis/Documents/images.pptx
@@ -22,6 +22,7 @@
     <p:sldId id="273" r:id="rId16"/>
     <p:sldId id="274" r:id="rId17"/>
     <p:sldId id="275" r:id="rId18"/>
+    <p:sldId id="276" r:id="rId19"/>
   </p:sldIdLst>
   <p:sldSz cx="12192000" cy="6858000"/>
   <p:notesSz cx="6858000" cy="9144000"/>
@@ -292,7 +293,7 @@
           <a:p>
             <a:fld id="{F3D68A99-DBEC-4D84-A6F7-2919502EAE48}" type="datetimeFigureOut">
               <a:rPr lang="en-US" smtClean="0"/>
-              <a:t>3/15/2018</a:t>
+              <a:t>3/17/2018</a:t>
             </a:fld>
             <a:endParaRPr lang="en-US"/>
           </a:p>
@@ -492,7 +493,7 @@
           <a:p>
             <a:fld id="{F3D68A99-DBEC-4D84-A6F7-2919502EAE48}" type="datetimeFigureOut">
               <a:rPr lang="en-US" smtClean="0"/>
-              <a:t>3/15/2018</a:t>
+              <a:t>3/17/2018</a:t>
             </a:fld>
             <a:endParaRPr lang="en-US"/>
           </a:p>
@@ -702,7 +703,7 @@
           <a:p>
             <a:fld id="{F3D68A99-DBEC-4D84-A6F7-2919502EAE48}" type="datetimeFigureOut">
               <a:rPr lang="en-US" smtClean="0"/>
-              <a:t>3/15/2018</a:t>
+              <a:t>3/17/2018</a:t>
             </a:fld>
             <a:endParaRPr lang="en-US"/>
           </a:p>
@@ -902,7 +903,7 @@
           <a:p>
             <a:fld id="{F3D68A99-DBEC-4D84-A6F7-2919502EAE48}" type="datetimeFigureOut">
               <a:rPr lang="en-US" smtClean="0"/>
-              <a:t>3/15/2018</a:t>
+              <a:t>3/17/2018</a:t>
             </a:fld>
             <a:endParaRPr lang="en-US"/>
           </a:p>
@@ -1178,7 +1179,7 @@
           <a:p>
             <a:fld id="{F3D68A99-DBEC-4D84-A6F7-2919502EAE48}" type="datetimeFigureOut">
               <a:rPr lang="en-US" smtClean="0"/>
-              <a:t>3/15/2018</a:t>
+              <a:t>3/17/2018</a:t>
             </a:fld>
             <a:endParaRPr lang="en-US"/>
           </a:p>
@@ -1446,7 +1447,7 @@
           <a:p>
             <a:fld id="{F3D68A99-DBEC-4D84-A6F7-2919502EAE48}" type="datetimeFigureOut">
               <a:rPr lang="en-US" smtClean="0"/>
-              <a:t>3/15/2018</a:t>
+              <a:t>3/17/2018</a:t>
             </a:fld>
             <a:endParaRPr lang="en-US"/>
           </a:p>
@@ -1861,7 +1862,7 @@
           <a:p>
             <a:fld id="{F3D68A99-DBEC-4D84-A6F7-2919502EAE48}" type="datetimeFigureOut">
               <a:rPr lang="en-US" smtClean="0"/>
-              <a:t>3/15/2018</a:t>
+              <a:t>3/17/2018</a:t>
             </a:fld>
             <a:endParaRPr lang="en-US"/>
           </a:p>
@@ -2003,7 +2004,7 @@
           <a:p>
             <a:fld id="{F3D68A99-DBEC-4D84-A6F7-2919502EAE48}" type="datetimeFigureOut">
               <a:rPr lang="en-US" smtClean="0"/>
-              <a:t>3/15/2018</a:t>
+              <a:t>3/17/2018</a:t>
             </a:fld>
             <a:endParaRPr lang="en-US"/>
           </a:p>
@@ -2116,7 +2117,7 @@
           <a:p>
             <a:fld id="{F3D68A99-DBEC-4D84-A6F7-2919502EAE48}" type="datetimeFigureOut">
               <a:rPr lang="en-US" smtClean="0"/>
-              <a:t>3/15/2018</a:t>
+              <a:t>3/17/2018</a:t>
             </a:fld>
             <a:endParaRPr lang="en-US"/>
           </a:p>
@@ -2429,7 +2430,7 @@
           <a:p>
             <a:fld id="{F3D68A99-DBEC-4D84-A6F7-2919502EAE48}" type="datetimeFigureOut">
               <a:rPr lang="en-US" smtClean="0"/>
-              <a:t>3/15/2018</a:t>
+              <a:t>3/17/2018</a:t>
             </a:fld>
             <a:endParaRPr lang="en-US"/>
           </a:p>
@@ -2718,7 +2719,7 @@
           <a:p>
             <a:fld id="{F3D68A99-DBEC-4D84-A6F7-2919502EAE48}" type="datetimeFigureOut">
               <a:rPr lang="en-US" smtClean="0"/>
-              <a:t>3/15/2018</a:t>
+              <a:t>3/17/2018</a:t>
             </a:fld>
             <a:endParaRPr lang="en-US"/>
           </a:p>
@@ -2961,7 +2962,7 @@
           <a:p>
             <a:fld id="{F3D68A99-DBEC-4D84-A6F7-2919502EAE48}" type="datetimeFigureOut">
               <a:rPr lang="en-US" smtClean="0"/>
-              <a:t>3/15/2018</a:t>
+              <a:t>3/17/2018</a:t>
             </a:fld>
             <a:endParaRPr lang="en-US"/>
           </a:p>
@@ -17161,6 +17162,36 @@
 </p:sld>
 </file>
 
+<file path=ppt/slides/slide18.xml><?xml version="1.0" encoding="utf-8"?>
+<p:sld xmlns:a="http://schemas.openxmlformats.org/drawingml/2006/main" xmlns:r="http://schemas.openxmlformats.org/officeDocument/2006/relationships" xmlns:p="http://schemas.openxmlformats.org/presentationml/2006/main">
+  <p:cSld>
+    <p:spTree>
+      <p:nvGrpSpPr>
+        <p:cNvPr id="1" name=""/>
+        <p:cNvGrpSpPr/>
+        <p:nvPr/>
+      </p:nvGrpSpPr>
+      <p:grpSpPr>
+        <a:xfrm>
+          <a:off x="0" y="0"/>
+          <a:ext cx="0" cy="0"/>
+          <a:chOff x="0" y="0"/>
+          <a:chExt cx="0" cy="0"/>
+        </a:xfrm>
+      </p:grpSpPr>
+    </p:spTree>
+    <p:extLst>
+      <p:ext uri="{BB962C8B-B14F-4D97-AF65-F5344CB8AC3E}">
+        <p14:creationId xmlns:p14="http://schemas.microsoft.com/office/powerpoint/2010/main" val="3493126842"/>
+      </p:ext>
+    </p:extLst>
+  </p:cSld>
+  <p:clrMapOvr>
+    <a:masterClrMapping/>
+  </p:clrMapOvr>
+</p:sld>
+</file>
+
 <file path=ppt/slides/slide2.xml><?xml version="1.0" encoding="utf-8"?>
 <p:sld xmlns:a="http://schemas.openxmlformats.org/drawingml/2006/main" xmlns:r="http://schemas.openxmlformats.org/officeDocument/2006/relationships" xmlns:p="http://schemas.openxmlformats.org/presentationml/2006/main">
   <p:cSld>

--- a/Thesis/Documents/images.pptx
+++ b/Thesis/Documents/images.pptx
@@ -124,7 +124,7 @@
   <p:extLst>
     <p:ext uri="{EFAFB233-063F-42B5-8137-9DF3F51BA10A}">
       <p15:sldGuideLst xmlns:p15="http://schemas.microsoft.com/office/powerpoint/2012/main">
-        <p15:guide id="1" orient="horz" pos="2886" userDrawn="1">
+        <p15:guide id="1" orient="horz" pos="3430" userDrawn="1">
           <p15:clr>
             <a:srgbClr val="A4A3A4"/>
           </p15:clr>
@@ -293,7 +293,7 @@
           <a:p>
             <a:fld id="{F3D68A99-DBEC-4D84-A6F7-2919502EAE48}" type="datetimeFigureOut">
               <a:rPr lang="en-US" smtClean="0"/>
-              <a:t>3/17/2018</a:t>
+              <a:t>5/5/2018</a:t>
             </a:fld>
             <a:endParaRPr lang="en-US"/>
           </a:p>
@@ -493,7 +493,7 @@
           <a:p>
             <a:fld id="{F3D68A99-DBEC-4D84-A6F7-2919502EAE48}" type="datetimeFigureOut">
               <a:rPr lang="en-US" smtClean="0"/>
-              <a:t>3/17/2018</a:t>
+              <a:t>5/5/2018</a:t>
             </a:fld>
             <a:endParaRPr lang="en-US"/>
           </a:p>
@@ -703,7 +703,7 @@
           <a:p>
             <a:fld id="{F3D68A99-DBEC-4D84-A6F7-2919502EAE48}" type="datetimeFigureOut">
               <a:rPr lang="en-US" smtClean="0"/>
-              <a:t>3/17/2018</a:t>
+              <a:t>5/5/2018</a:t>
             </a:fld>
             <a:endParaRPr lang="en-US"/>
           </a:p>
@@ -903,7 +903,7 @@
           <a:p>
             <a:fld id="{F3D68A99-DBEC-4D84-A6F7-2919502EAE48}" type="datetimeFigureOut">
               <a:rPr lang="en-US" smtClean="0"/>
-              <a:t>3/17/2018</a:t>
+              <a:t>5/5/2018</a:t>
             </a:fld>
             <a:endParaRPr lang="en-US"/>
           </a:p>
@@ -1179,7 +1179,7 @@
           <a:p>
             <a:fld id="{F3D68A99-DBEC-4D84-A6F7-2919502EAE48}" type="datetimeFigureOut">
               <a:rPr lang="en-US" smtClean="0"/>
-              <a:t>3/17/2018</a:t>
+              <a:t>5/5/2018</a:t>
             </a:fld>
             <a:endParaRPr lang="en-US"/>
           </a:p>
@@ -1447,7 +1447,7 @@
           <a:p>
             <a:fld id="{F3D68A99-DBEC-4D84-A6F7-2919502EAE48}" type="datetimeFigureOut">
               <a:rPr lang="en-US" smtClean="0"/>
-              <a:t>3/17/2018</a:t>
+              <a:t>5/5/2018</a:t>
             </a:fld>
             <a:endParaRPr lang="en-US"/>
           </a:p>
@@ -1862,7 +1862,7 @@
           <a:p>
             <a:fld id="{F3D68A99-DBEC-4D84-A6F7-2919502EAE48}" type="datetimeFigureOut">
               <a:rPr lang="en-US" smtClean="0"/>
-              <a:t>3/17/2018</a:t>
+              <a:t>5/5/2018</a:t>
             </a:fld>
             <a:endParaRPr lang="en-US"/>
           </a:p>
@@ -2004,7 +2004,7 @@
           <a:p>
             <a:fld id="{F3D68A99-DBEC-4D84-A6F7-2919502EAE48}" type="datetimeFigureOut">
               <a:rPr lang="en-US" smtClean="0"/>
-              <a:t>3/17/2018</a:t>
+              <a:t>5/5/2018</a:t>
             </a:fld>
             <a:endParaRPr lang="en-US"/>
           </a:p>
@@ -2117,7 +2117,7 @@
           <a:p>
             <a:fld id="{F3D68A99-DBEC-4D84-A6F7-2919502EAE48}" type="datetimeFigureOut">
               <a:rPr lang="en-US" smtClean="0"/>
-              <a:t>3/17/2018</a:t>
+              <a:t>5/5/2018</a:t>
             </a:fld>
             <a:endParaRPr lang="en-US"/>
           </a:p>
@@ -2430,7 +2430,7 @@
           <a:p>
             <a:fld id="{F3D68A99-DBEC-4D84-A6F7-2919502EAE48}" type="datetimeFigureOut">
               <a:rPr lang="en-US" smtClean="0"/>
-              <a:t>3/17/2018</a:t>
+              <a:t>5/5/2018</a:t>
             </a:fld>
             <a:endParaRPr lang="en-US"/>
           </a:p>
@@ -2719,7 +2719,7 @@
           <a:p>
             <a:fld id="{F3D68A99-DBEC-4D84-A6F7-2919502EAE48}" type="datetimeFigureOut">
               <a:rPr lang="en-US" smtClean="0"/>
-              <a:t>3/17/2018</a:t>
+              <a:t>5/5/2018</a:t>
             </a:fld>
             <a:endParaRPr lang="en-US"/>
           </a:p>
@@ -2962,7 +2962,7 @@
           <a:p>
             <a:fld id="{F3D68A99-DBEC-4D84-A6F7-2919502EAE48}" type="datetimeFigureOut">
               <a:rPr lang="en-US" smtClean="0"/>
-              <a:t>3/17/2018</a:t>
+              <a:t>5/5/2018</a:t>
             </a:fld>
             <a:endParaRPr lang="en-US"/>
           </a:p>
@@ -3381,10 +3381,97 @@
       </p:grpSpPr>
       <p:sp>
         <p:nvSpPr>
-          <p:cNvPr id="8" name="Rechteck 7">
-            <a:extLst>
-              <a:ext uri="{FF2B5EF4-FFF2-40B4-BE49-F238E27FC236}">
-                <a16:creationId xmlns:a16="http://schemas.microsoft.com/office/drawing/2014/main" id="{C0101776-D16B-47DA-88BE-BF2DFC11E995}"/>
+          <p:cNvPr id="9" name="Textfeld 8">
+            <a:extLst>
+              <a:ext uri="{FF2B5EF4-FFF2-40B4-BE49-F238E27FC236}">
+                <a16:creationId xmlns:a16="http://schemas.microsoft.com/office/drawing/2014/main" id="{9242ABDC-8CA1-49A7-8B67-B61E4AD75E42}"/>
+              </a:ext>
+            </a:extLst>
+          </p:cNvPr>
+          <p:cNvSpPr txBox="1"/>
+          <p:nvPr/>
+        </p:nvSpPr>
+        <p:spPr>
+          <a:xfrm>
+            <a:off x="580076" y="5303398"/>
+            <a:ext cx="915635" cy="646331"/>
+          </a:xfrm>
+          <a:prstGeom prst="rect">
+            <a:avLst/>
+          </a:prstGeom>
+          <a:noFill/>
+        </p:spPr>
+        <p:txBody>
+          <a:bodyPr wrap="none" rtlCol="0">
+            <a:spAutoFit/>
+          </a:bodyPr>
+          <a:lstStyle/>
+          <a:p>
+            <a:pPr algn="ctr"/>
+            <a:r>
+              <a:rPr lang="en-US" dirty="0"/>
+              <a:t>Genesis</a:t>
+            </a:r>
+            <a:br>
+              <a:rPr lang="en-US" dirty="0"/>
+            </a:br>
+            <a:r>
+              <a:rPr lang="en-US" dirty="0"/>
+              <a:t>Block</a:t>
+            </a:r>
+          </a:p>
+        </p:txBody>
+      </p:sp>
+      <p:cxnSp>
+        <p:nvCxnSpPr>
+          <p:cNvPr id="16" name="Gerade Verbindung mit Pfeil 15">
+            <a:extLst>
+              <a:ext uri="{FF2B5EF4-FFF2-40B4-BE49-F238E27FC236}">
+                <a16:creationId xmlns:a16="http://schemas.microsoft.com/office/drawing/2014/main" id="{7688381C-3AEC-4F4B-94BF-9FF204E6420C}"/>
+              </a:ext>
+            </a:extLst>
+          </p:cNvPr>
+          <p:cNvCxnSpPr>
+            <a:cxnSpLocks/>
+          </p:cNvCxnSpPr>
+          <p:nvPr/>
+        </p:nvCxnSpPr>
+        <p:spPr>
+          <a:xfrm flipH="1">
+            <a:off x="1770077" y="5591263"/>
+            <a:ext cx="731242" cy="0"/>
+          </a:xfrm>
+          <a:prstGeom prst="straightConnector1">
+            <a:avLst/>
+          </a:prstGeom>
+          <a:ln w="38100">
+            <a:solidFill>
+              <a:schemeClr val="tx1"/>
+            </a:solidFill>
+            <a:tailEnd type="triangle"/>
+          </a:ln>
+        </p:spPr>
+        <p:style>
+          <a:lnRef idx="1">
+            <a:schemeClr val="accent1"/>
+          </a:lnRef>
+          <a:fillRef idx="0">
+            <a:schemeClr val="accent1"/>
+          </a:fillRef>
+          <a:effectRef idx="0">
+            <a:schemeClr val="accent1"/>
+          </a:effectRef>
+          <a:fontRef idx="minor">
+            <a:schemeClr val="tx1"/>
+          </a:fontRef>
+        </p:style>
+      </p:cxnSp>
+      <p:sp>
+        <p:nvSpPr>
+          <p:cNvPr id="30" name="Ellipse 29">
+            <a:extLst>
+              <a:ext uri="{FF2B5EF4-FFF2-40B4-BE49-F238E27FC236}">
+                <a16:creationId xmlns:a16="http://schemas.microsoft.com/office/drawing/2014/main" id="{56FFEA91-A234-41BF-A113-5421C5F2FBDA}"/>
               </a:ext>
             </a:extLst>
           </p:cNvPr>
@@ -3393,13 +3480,15 @@
         </p:nvSpPr>
         <p:spPr>
           <a:xfrm>
-            <a:off x="352339" y="4874004"/>
-            <a:ext cx="1417738" cy="1434517"/>
-          </a:xfrm>
-          <a:prstGeom prst="rect">
-            <a:avLst/>
-          </a:prstGeom>
-          <a:noFill/>
+            <a:off x="4144881" y="5510903"/>
+            <a:ext cx="159391" cy="163585"/>
+          </a:xfrm>
+          <a:prstGeom prst="ellipse">
+            <a:avLst/>
+          </a:prstGeom>
+          <a:solidFill>
+            <a:schemeClr val="tx1"/>
+          </a:solidFill>
           <a:ln>
             <a:solidFill>
               <a:schemeClr val="tx1"/>
@@ -3433,53 +3522,10 @@
       </p:sp>
       <p:sp>
         <p:nvSpPr>
-          <p:cNvPr id="9" name="Textfeld 8">
-            <a:extLst>
-              <a:ext uri="{FF2B5EF4-FFF2-40B4-BE49-F238E27FC236}">
-                <a16:creationId xmlns:a16="http://schemas.microsoft.com/office/drawing/2014/main" id="{9242ABDC-8CA1-49A7-8B67-B61E4AD75E42}"/>
-              </a:ext>
-            </a:extLst>
-          </p:cNvPr>
-          <p:cNvSpPr txBox="1"/>
-          <p:nvPr/>
-        </p:nvSpPr>
-        <p:spPr>
-          <a:xfrm>
-            <a:off x="603390" y="5406596"/>
-            <a:ext cx="915635" cy="646331"/>
-          </a:xfrm>
-          <a:prstGeom prst="rect">
-            <a:avLst/>
-          </a:prstGeom>
-          <a:noFill/>
-        </p:spPr>
-        <p:txBody>
-          <a:bodyPr wrap="none" rtlCol="0">
-            <a:spAutoFit/>
-          </a:bodyPr>
-          <a:lstStyle/>
-          <a:p>
-            <a:pPr algn="ctr"/>
-            <a:r>
-              <a:rPr lang="en-US" dirty="0"/>
-              <a:t>Genesis</a:t>
-            </a:r>
-            <a:br>
-              <a:rPr lang="en-US" dirty="0"/>
-            </a:br>
-            <a:r>
-              <a:rPr lang="en-US" dirty="0"/>
-              <a:t>Block</a:t>
-            </a:r>
-          </a:p>
-        </p:txBody>
-      </p:sp>
-      <p:sp>
-        <p:nvSpPr>
-          <p:cNvPr id="11" name="Rechteck 10">
-            <a:extLst>
-              <a:ext uri="{FF2B5EF4-FFF2-40B4-BE49-F238E27FC236}">
-                <a16:creationId xmlns:a16="http://schemas.microsoft.com/office/drawing/2014/main" id="{44B4C007-BA33-4300-8A3B-4D37C970399C}"/>
+          <p:cNvPr id="31" name="Ellipse 30">
+            <a:extLst>
+              <a:ext uri="{FF2B5EF4-FFF2-40B4-BE49-F238E27FC236}">
+                <a16:creationId xmlns:a16="http://schemas.microsoft.com/office/drawing/2014/main" id="{BF64BEDD-632A-43EA-A7FF-4F39A632E544}"/>
               </a:ext>
             </a:extLst>
           </p:cNvPr>
@@ -3488,13 +3534,15 @@
         </p:nvSpPr>
         <p:spPr>
           <a:xfrm>
-            <a:off x="2501319" y="4874004"/>
-            <a:ext cx="1417738" cy="1434517"/>
-          </a:xfrm>
-          <a:prstGeom prst="rect">
-            <a:avLst/>
-          </a:prstGeom>
-          <a:noFill/>
+            <a:off x="4573413" y="5510903"/>
+            <a:ext cx="159391" cy="163585"/>
+          </a:xfrm>
+          <a:prstGeom prst="ellipse">
+            <a:avLst/>
+          </a:prstGeom>
+          <a:solidFill>
+            <a:schemeClr val="tx1"/>
+          </a:solidFill>
           <a:ln>
             <a:solidFill>
               <a:schemeClr val="tx1"/>
@@ -3526,24 +3574,1590 @@
           </a:p>
         </p:txBody>
       </p:sp>
+      <p:sp>
+        <p:nvSpPr>
+          <p:cNvPr id="32" name="Ellipse 31">
+            <a:extLst>
+              <a:ext uri="{FF2B5EF4-FFF2-40B4-BE49-F238E27FC236}">
+                <a16:creationId xmlns:a16="http://schemas.microsoft.com/office/drawing/2014/main" id="{35367979-C85B-4E6F-9960-5F7880DCF032}"/>
+              </a:ext>
+            </a:extLst>
+          </p:cNvPr>
+          <p:cNvSpPr/>
+          <p:nvPr/>
+        </p:nvSpPr>
+        <p:spPr>
+          <a:xfrm>
+            <a:off x="5001945" y="5510903"/>
+            <a:ext cx="159391" cy="163585"/>
+          </a:xfrm>
+          <a:prstGeom prst="ellipse">
+            <a:avLst/>
+          </a:prstGeom>
+          <a:solidFill>
+            <a:schemeClr val="tx1"/>
+          </a:solidFill>
+          <a:ln>
+            <a:solidFill>
+              <a:schemeClr val="tx1"/>
+            </a:solidFill>
+          </a:ln>
+        </p:spPr>
+        <p:style>
+          <a:lnRef idx="2">
+            <a:schemeClr val="accent1">
+              <a:shade val="50000"/>
+            </a:schemeClr>
+          </a:lnRef>
+          <a:fillRef idx="1">
+            <a:schemeClr val="accent1"/>
+          </a:fillRef>
+          <a:effectRef idx="0">
+            <a:schemeClr val="accent1"/>
+          </a:effectRef>
+          <a:fontRef idx="minor">
+            <a:schemeClr val="lt1"/>
+          </a:fontRef>
+        </p:style>
+        <p:txBody>
+          <a:bodyPr rtlCol="0" anchor="ctr"/>
+          <a:lstStyle/>
+          <a:p>
+            <a:pPr algn="ctr"/>
+            <a:endParaRPr lang="en-US"/>
+          </a:p>
+        </p:txBody>
+      </p:sp>
+      <p:sp>
+        <p:nvSpPr>
+          <p:cNvPr id="36" name="Rechteck 35">
+            <a:extLst>
+              <a:ext uri="{FF2B5EF4-FFF2-40B4-BE49-F238E27FC236}">
+                <a16:creationId xmlns:a16="http://schemas.microsoft.com/office/drawing/2014/main" id="{186D3DE6-09CD-4476-95F7-A8F2102403ED}"/>
+              </a:ext>
+            </a:extLst>
+          </p:cNvPr>
+          <p:cNvSpPr/>
+          <p:nvPr/>
+        </p:nvSpPr>
+        <p:spPr>
+          <a:xfrm>
+            <a:off x="3919466" y="1643323"/>
+            <a:ext cx="2213047" cy="982596"/>
+          </a:xfrm>
+          <a:prstGeom prst="rect">
+            <a:avLst/>
+          </a:prstGeom>
+          <a:noFill/>
+          <a:ln w="19050">
+            <a:solidFill>
+              <a:schemeClr val="tx1"/>
+            </a:solidFill>
+          </a:ln>
+        </p:spPr>
+        <p:style>
+          <a:lnRef idx="2">
+            <a:schemeClr val="accent1">
+              <a:shade val="50000"/>
+            </a:schemeClr>
+          </a:lnRef>
+          <a:fillRef idx="1">
+            <a:schemeClr val="accent1"/>
+          </a:fillRef>
+          <a:effectRef idx="0">
+            <a:schemeClr val="accent1"/>
+          </a:effectRef>
+          <a:fontRef idx="minor">
+            <a:schemeClr val="lt1"/>
+          </a:fontRef>
+        </p:style>
+        <p:txBody>
+          <a:bodyPr rtlCol="0" anchor="ctr"/>
+          <a:lstStyle/>
+          <a:p>
+            <a:pPr algn="ctr"/>
+            <a:endParaRPr lang="en-US"/>
+          </a:p>
+        </p:txBody>
+      </p:sp>
       <p:cxnSp>
         <p:nvCxnSpPr>
-          <p:cNvPr id="16" name="Gerade Verbindung mit Pfeil 15">
-            <a:extLst>
-              <a:ext uri="{FF2B5EF4-FFF2-40B4-BE49-F238E27FC236}">
-                <a16:creationId xmlns:a16="http://schemas.microsoft.com/office/drawing/2014/main" id="{7688381C-3AEC-4F4B-94BF-9FF204E6420C}"/>
+          <p:cNvPr id="37" name="Gerader Verbinder 36">
+            <a:extLst>
+              <a:ext uri="{FF2B5EF4-FFF2-40B4-BE49-F238E27FC236}">
+                <a16:creationId xmlns:a16="http://schemas.microsoft.com/office/drawing/2014/main" id="{A3283DC1-3B15-498C-BAEF-D750FEC8E82A}"/>
               </a:ext>
             </a:extLst>
           </p:cNvPr>
           <p:cNvCxnSpPr>
-            <a:stCxn id="11" idx="1"/>
-            <a:endCxn id="8" idx="3"/>
+            <a:cxnSpLocks/>
           </p:cNvCxnSpPr>
           <p:nvPr/>
         </p:nvCxnSpPr>
         <p:spPr>
+          <a:xfrm>
+            <a:off x="3919466" y="1928548"/>
+            <a:ext cx="2213047" cy="0"/>
+          </a:xfrm>
+          <a:prstGeom prst="line">
+            <a:avLst/>
+          </a:prstGeom>
+          <a:ln w="19050">
+            <a:solidFill>
+              <a:schemeClr val="tx1"/>
+            </a:solidFill>
+          </a:ln>
+        </p:spPr>
+        <p:style>
+          <a:lnRef idx="1">
+            <a:schemeClr val="accent1"/>
+          </a:lnRef>
+          <a:fillRef idx="0">
+            <a:schemeClr val="accent1"/>
+          </a:fillRef>
+          <a:effectRef idx="0">
+            <a:schemeClr val="accent1"/>
+          </a:effectRef>
+          <a:fontRef idx="minor">
+            <a:schemeClr val="tx1"/>
+          </a:fontRef>
+        </p:style>
+      </p:cxnSp>
+      <p:sp>
+        <p:nvSpPr>
+          <p:cNvPr id="38" name="Textfeld 37">
+            <a:extLst>
+              <a:ext uri="{FF2B5EF4-FFF2-40B4-BE49-F238E27FC236}">
+                <a16:creationId xmlns:a16="http://schemas.microsoft.com/office/drawing/2014/main" id="{1F56E44D-3487-4F30-9447-51665148A39A}"/>
+              </a:ext>
+            </a:extLst>
+          </p:cNvPr>
+          <p:cNvSpPr txBox="1"/>
+          <p:nvPr/>
+        </p:nvSpPr>
+        <p:spPr>
+          <a:xfrm>
+            <a:off x="4449914" y="1600550"/>
+            <a:ext cx="1312732" cy="369332"/>
+          </a:xfrm>
+          <a:prstGeom prst="rect">
+            <a:avLst/>
+          </a:prstGeom>
+          <a:noFill/>
+        </p:spPr>
+        <p:txBody>
+          <a:bodyPr wrap="none" rtlCol="0">
+            <a:spAutoFit/>
+          </a:bodyPr>
+          <a:lstStyle/>
+          <a:p>
+            <a:r>
+              <a:rPr lang="en-US" dirty="0" err="1"/>
+              <a:t>Anwendung</a:t>
+            </a:r>
+            <a:endParaRPr lang="en-US" dirty="0"/>
+          </a:p>
+        </p:txBody>
+      </p:sp>
+      <p:sp>
+        <p:nvSpPr>
+          <p:cNvPr id="39" name="Textfeld 38">
+            <a:extLst>
+              <a:ext uri="{FF2B5EF4-FFF2-40B4-BE49-F238E27FC236}">
+                <a16:creationId xmlns:a16="http://schemas.microsoft.com/office/drawing/2014/main" id="{DB1F97CA-39FA-4E2C-AA16-DE02E32E9128}"/>
+              </a:ext>
+            </a:extLst>
+          </p:cNvPr>
+          <p:cNvSpPr txBox="1"/>
+          <p:nvPr/>
+        </p:nvSpPr>
+        <p:spPr>
+          <a:xfrm>
+            <a:off x="3919057" y="1940861"/>
+            <a:ext cx="1648785" cy="923330"/>
+          </a:xfrm>
+          <a:prstGeom prst="rect">
+            <a:avLst/>
+          </a:prstGeom>
+          <a:noFill/>
+        </p:spPr>
+        <p:txBody>
+          <a:bodyPr wrap="none" rtlCol="0">
+            <a:spAutoFit/>
+          </a:bodyPr>
+          <a:lstStyle/>
+          <a:p>
+            <a:r>
+              <a:rPr lang="en-US" dirty="0" err="1"/>
+              <a:t>Einsatz</a:t>
+            </a:r>
+            <a:r>
+              <a:rPr lang="en-US" dirty="0"/>
+              <a:t>: 0,1 BTC</a:t>
+            </a:r>
+            <a:br>
+              <a:rPr lang="en-US" dirty="0"/>
+            </a:br>
+            <a:r>
+              <a:rPr lang="en-US" dirty="0" err="1"/>
+              <a:t>Topf</a:t>
+            </a:r>
+            <a:r>
+              <a:rPr lang="en-US" dirty="0"/>
+              <a:t>: 0/5</a:t>
+            </a:r>
+            <a:br>
+              <a:rPr lang="en-US" dirty="0"/>
+            </a:br>
+            <a:endParaRPr lang="en-US" dirty="0"/>
+          </a:p>
+        </p:txBody>
+      </p:sp>
+      <p:pic>
+        <p:nvPicPr>
+          <p:cNvPr id="45" name="Grafik 44" descr="Mann">
+            <a:extLst>
+              <a:ext uri="{FF2B5EF4-FFF2-40B4-BE49-F238E27FC236}">
+                <a16:creationId xmlns:a16="http://schemas.microsoft.com/office/drawing/2014/main" id="{3EF3D76E-D2B4-4B21-9E58-15FE33A2C8A4}"/>
+              </a:ext>
+            </a:extLst>
+          </p:cNvPr>
+          <p:cNvPicPr>
+            <a:picLocks noChangeAspect="1"/>
+          </p:cNvPicPr>
+          <p:nvPr/>
+        </p:nvPicPr>
+        <p:blipFill>
+          <a:blip r:embed="rId2">
+            <a:extLst>
+              <a:ext uri="{28A0092B-C50C-407E-A947-70E740481C1C}">
+                <a14:useLocalDpi xmlns:a14="http://schemas.microsoft.com/office/drawing/2010/main" val="0"/>
+              </a:ext>
+              <a:ext uri="{96DAC541-7B7A-43D3-8B79-37D633B846F1}">
+                <asvg:svgBlip xmlns:asvg="http://schemas.microsoft.com/office/drawing/2016/SVG/main" r:embed="rId3"/>
+              </a:ext>
+            </a:extLst>
+          </a:blip>
+          <a:stretch>
+            <a:fillRect/>
+          </a:stretch>
+        </p:blipFill>
+        <p:spPr>
+          <a:xfrm>
+            <a:off x="70008" y="393863"/>
+            <a:ext cx="914400" cy="914400"/>
+          </a:xfrm>
+          <a:prstGeom prst="rect">
+            <a:avLst/>
+          </a:prstGeom>
+        </p:spPr>
+      </p:pic>
+      <p:pic>
+        <p:nvPicPr>
+          <p:cNvPr id="47" name="Grafik 46" descr="Smartphone">
+            <a:extLst>
+              <a:ext uri="{FF2B5EF4-FFF2-40B4-BE49-F238E27FC236}">
+                <a16:creationId xmlns:a16="http://schemas.microsoft.com/office/drawing/2014/main" id="{0A8A5114-19D1-4F4E-A7E6-700F6F735A3B}"/>
+              </a:ext>
+            </a:extLst>
+          </p:cNvPr>
+          <p:cNvPicPr>
+            <a:picLocks noChangeAspect="1"/>
+          </p:cNvPicPr>
+          <p:nvPr/>
+        </p:nvPicPr>
+        <p:blipFill>
+          <a:blip r:embed="rId4">
+            <a:extLst>
+              <a:ext uri="{28A0092B-C50C-407E-A947-70E740481C1C}">
+                <a14:useLocalDpi xmlns:a14="http://schemas.microsoft.com/office/drawing/2010/main" val="0"/>
+              </a:ext>
+              <a:ext uri="{96DAC541-7B7A-43D3-8B79-37D633B846F1}">
+                <asvg:svgBlip xmlns:asvg="http://schemas.microsoft.com/office/drawing/2016/SVG/main" r:embed="rId5"/>
+              </a:ext>
+            </a:extLst>
+          </a:blip>
+          <a:stretch>
+            <a:fillRect/>
+          </a:stretch>
+        </p:blipFill>
+        <p:spPr>
+          <a:xfrm>
+            <a:off x="533861" y="393863"/>
+            <a:ext cx="914400" cy="914400"/>
+          </a:xfrm>
+          <a:prstGeom prst="rect">
+            <a:avLst/>
+          </a:prstGeom>
+        </p:spPr>
+      </p:pic>
+      <p:pic>
+        <p:nvPicPr>
+          <p:cNvPr id="56" name="Grafik 55" descr="Mann">
+            <a:extLst>
+              <a:ext uri="{FF2B5EF4-FFF2-40B4-BE49-F238E27FC236}">
+                <a16:creationId xmlns:a16="http://schemas.microsoft.com/office/drawing/2014/main" id="{A861FB07-60C8-4DC6-BAAF-97F23C9D10AD}"/>
+              </a:ext>
+            </a:extLst>
+          </p:cNvPr>
+          <p:cNvPicPr>
+            <a:picLocks noChangeAspect="1"/>
+          </p:cNvPicPr>
+          <p:nvPr/>
+        </p:nvPicPr>
+        <p:blipFill>
+          <a:blip r:embed="rId2">
+            <a:extLst>
+              <a:ext uri="{28A0092B-C50C-407E-A947-70E740481C1C}">
+                <a14:useLocalDpi xmlns:a14="http://schemas.microsoft.com/office/drawing/2010/main" val="0"/>
+              </a:ext>
+              <a:ext uri="{96DAC541-7B7A-43D3-8B79-37D633B846F1}">
+                <asvg:svgBlip xmlns:asvg="http://schemas.microsoft.com/office/drawing/2016/SVG/main" r:embed="rId3"/>
+              </a:ext>
+            </a:extLst>
+          </a:blip>
+          <a:stretch>
+            <a:fillRect/>
+          </a:stretch>
+        </p:blipFill>
+        <p:spPr>
+          <a:xfrm>
+            <a:off x="70008" y="3255351"/>
+            <a:ext cx="914400" cy="914400"/>
+          </a:xfrm>
+          <a:prstGeom prst="rect">
+            <a:avLst/>
+          </a:prstGeom>
+        </p:spPr>
+      </p:pic>
+      <p:pic>
+        <p:nvPicPr>
+          <p:cNvPr id="57" name="Grafik 56" descr="Smartphone">
+            <a:extLst>
+              <a:ext uri="{FF2B5EF4-FFF2-40B4-BE49-F238E27FC236}">
+                <a16:creationId xmlns:a16="http://schemas.microsoft.com/office/drawing/2014/main" id="{392895B7-6CB2-4A8D-A00B-563F55D97155}"/>
+              </a:ext>
+            </a:extLst>
+          </p:cNvPr>
+          <p:cNvPicPr>
+            <a:picLocks noChangeAspect="1"/>
+          </p:cNvPicPr>
+          <p:nvPr/>
+        </p:nvPicPr>
+        <p:blipFill>
+          <a:blip r:embed="rId4">
+            <a:extLst>
+              <a:ext uri="{28A0092B-C50C-407E-A947-70E740481C1C}">
+                <a14:useLocalDpi xmlns:a14="http://schemas.microsoft.com/office/drawing/2010/main" val="0"/>
+              </a:ext>
+              <a:ext uri="{96DAC541-7B7A-43D3-8B79-37D633B846F1}">
+                <asvg:svgBlip xmlns:asvg="http://schemas.microsoft.com/office/drawing/2016/SVG/main" r:embed="rId5"/>
+              </a:ext>
+            </a:extLst>
+          </a:blip>
+          <a:stretch>
+            <a:fillRect/>
+          </a:stretch>
+        </p:blipFill>
+        <p:spPr>
+          <a:xfrm>
+            <a:off x="533861" y="3255351"/>
+            <a:ext cx="914400" cy="914400"/>
+          </a:xfrm>
+          <a:prstGeom prst="rect">
+            <a:avLst/>
+          </a:prstGeom>
+        </p:spPr>
+      </p:pic>
+      <p:pic>
+        <p:nvPicPr>
+          <p:cNvPr id="60" name="Grafik 59" descr="Computer">
+            <a:extLst>
+              <a:ext uri="{FF2B5EF4-FFF2-40B4-BE49-F238E27FC236}">
+                <a16:creationId xmlns:a16="http://schemas.microsoft.com/office/drawing/2014/main" id="{E79613AA-D072-4DC4-AE10-448A8F951DAC}"/>
+              </a:ext>
+            </a:extLst>
+          </p:cNvPr>
+          <p:cNvPicPr>
+            <a:picLocks noChangeAspect="1"/>
+          </p:cNvPicPr>
+          <p:nvPr/>
+        </p:nvPicPr>
+        <p:blipFill>
+          <a:blip r:embed="rId6">
+            <a:extLst>
+              <a:ext uri="{28A0092B-C50C-407E-A947-70E740481C1C}">
+                <a14:useLocalDpi xmlns:a14="http://schemas.microsoft.com/office/drawing/2010/main" val="0"/>
+              </a:ext>
+              <a:ext uri="{96DAC541-7B7A-43D3-8B79-37D633B846F1}">
+                <asvg:svgBlip xmlns:asvg="http://schemas.microsoft.com/office/drawing/2016/SVG/main" r:embed="rId7"/>
+              </a:ext>
+            </a:extLst>
+          </a:blip>
+          <a:stretch>
+            <a:fillRect/>
+          </a:stretch>
+        </p:blipFill>
+        <p:spPr>
+          <a:xfrm>
+            <a:off x="8303461" y="124571"/>
+            <a:ext cx="1381659" cy="1381659"/>
+          </a:xfrm>
+          <a:prstGeom prst="rect">
+            <a:avLst/>
+          </a:prstGeom>
+        </p:spPr>
+      </p:pic>
+      <p:pic>
+        <p:nvPicPr>
+          <p:cNvPr id="66" name="Grafik 65" descr="Mann">
+            <a:extLst>
+              <a:ext uri="{FF2B5EF4-FFF2-40B4-BE49-F238E27FC236}">
+                <a16:creationId xmlns:a16="http://schemas.microsoft.com/office/drawing/2014/main" id="{6E1A0AB2-0F09-4CBD-AA84-B60F58D5B25B}"/>
+              </a:ext>
+            </a:extLst>
+          </p:cNvPr>
+          <p:cNvPicPr>
+            <a:picLocks noChangeAspect="1"/>
+          </p:cNvPicPr>
+          <p:nvPr/>
+        </p:nvPicPr>
+        <p:blipFill>
+          <a:blip r:embed="rId2">
+            <a:extLst>
+              <a:ext uri="{28A0092B-C50C-407E-A947-70E740481C1C}">
+                <a14:useLocalDpi xmlns:a14="http://schemas.microsoft.com/office/drawing/2010/main" val="0"/>
+              </a:ext>
+              <a:ext uri="{96DAC541-7B7A-43D3-8B79-37D633B846F1}">
+                <asvg:svgBlip xmlns:asvg="http://schemas.microsoft.com/office/drawing/2016/SVG/main" r:embed="rId3"/>
+              </a:ext>
+            </a:extLst>
+          </a:blip>
+          <a:stretch>
+            <a:fillRect/>
+          </a:stretch>
+        </p:blipFill>
+        <p:spPr>
+          <a:xfrm>
+            <a:off x="8994290" y="2051566"/>
+            <a:ext cx="914400" cy="914400"/>
+          </a:xfrm>
+          <a:prstGeom prst="rect">
+            <a:avLst/>
+          </a:prstGeom>
+        </p:spPr>
+      </p:pic>
+      <p:pic>
+        <p:nvPicPr>
+          <p:cNvPr id="67" name="Grafik 66" descr="Laptop">
+            <a:extLst>
+              <a:ext uri="{FF2B5EF4-FFF2-40B4-BE49-F238E27FC236}">
+                <a16:creationId xmlns:a16="http://schemas.microsoft.com/office/drawing/2014/main" id="{4AF15DCA-70B7-4A89-AD57-443E206F2E07}"/>
+              </a:ext>
+            </a:extLst>
+          </p:cNvPr>
+          <p:cNvPicPr>
+            <a:picLocks noChangeAspect="1"/>
+          </p:cNvPicPr>
+          <p:nvPr/>
+        </p:nvPicPr>
+        <p:blipFill>
+          <a:blip r:embed="rId8">
+            <a:extLst>
+              <a:ext uri="{28A0092B-C50C-407E-A947-70E740481C1C}">
+                <a14:useLocalDpi xmlns:a14="http://schemas.microsoft.com/office/drawing/2010/main" val="0"/>
+              </a:ext>
+              <a:ext uri="{96DAC541-7B7A-43D3-8B79-37D633B846F1}">
+                <asvg:svgBlip xmlns:asvg="http://schemas.microsoft.com/office/drawing/2016/SVG/main" r:embed="rId9"/>
+              </a:ext>
+            </a:extLst>
+          </a:blip>
+          <a:stretch>
+            <a:fillRect/>
+          </a:stretch>
+        </p:blipFill>
+        <p:spPr>
+          <a:xfrm>
+            <a:off x="8482130" y="1785216"/>
+            <a:ext cx="914400" cy="914400"/>
+          </a:xfrm>
+          <a:prstGeom prst="rect">
+            <a:avLst/>
+          </a:prstGeom>
+        </p:spPr>
+      </p:pic>
+      <p:pic>
+        <p:nvPicPr>
+          <p:cNvPr id="68" name="Grafik 67" descr="Mann">
+            <a:extLst>
+              <a:ext uri="{FF2B5EF4-FFF2-40B4-BE49-F238E27FC236}">
+                <a16:creationId xmlns:a16="http://schemas.microsoft.com/office/drawing/2014/main" id="{9935C374-9F7D-4D0C-8703-D48DCA613AF6}"/>
+              </a:ext>
+            </a:extLst>
+          </p:cNvPr>
+          <p:cNvPicPr>
+            <a:picLocks noChangeAspect="1"/>
+          </p:cNvPicPr>
+          <p:nvPr/>
+        </p:nvPicPr>
+        <p:blipFill>
+          <a:blip r:embed="rId2">
+            <a:extLst>
+              <a:ext uri="{28A0092B-C50C-407E-A947-70E740481C1C}">
+                <a14:useLocalDpi xmlns:a14="http://schemas.microsoft.com/office/drawing/2010/main" val="0"/>
+              </a:ext>
+              <a:ext uri="{96DAC541-7B7A-43D3-8B79-37D633B846F1}">
+                <asvg:svgBlip xmlns:asvg="http://schemas.microsoft.com/office/drawing/2016/SVG/main" r:embed="rId3"/>
+              </a:ext>
+            </a:extLst>
+          </a:blip>
+          <a:stretch>
+            <a:fillRect/>
+          </a:stretch>
+        </p:blipFill>
+        <p:spPr>
+          <a:xfrm>
+            <a:off x="9029412" y="3282255"/>
+            <a:ext cx="914400" cy="914400"/>
+          </a:xfrm>
+          <a:prstGeom prst="rect">
+            <a:avLst/>
+          </a:prstGeom>
+        </p:spPr>
+      </p:pic>
+      <p:pic>
+        <p:nvPicPr>
+          <p:cNvPr id="69" name="Grafik 68" descr="Smartphone">
+            <a:extLst>
+              <a:ext uri="{FF2B5EF4-FFF2-40B4-BE49-F238E27FC236}">
+                <a16:creationId xmlns:a16="http://schemas.microsoft.com/office/drawing/2014/main" id="{627F8F1D-2328-410E-9BC7-6B8F4EB1A52D}"/>
+              </a:ext>
+            </a:extLst>
+          </p:cNvPr>
+          <p:cNvPicPr>
+            <a:picLocks noChangeAspect="1"/>
+          </p:cNvPicPr>
+          <p:nvPr/>
+        </p:nvPicPr>
+        <p:blipFill>
+          <a:blip r:embed="rId4">
+            <a:extLst>
+              <a:ext uri="{28A0092B-C50C-407E-A947-70E740481C1C}">
+                <a14:useLocalDpi xmlns:a14="http://schemas.microsoft.com/office/drawing/2010/main" val="0"/>
+              </a:ext>
+              <a:ext uri="{96DAC541-7B7A-43D3-8B79-37D633B846F1}">
+                <asvg:svgBlip xmlns:asvg="http://schemas.microsoft.com/office/drawing/2016/SVG/main" r:embed="rId5"/>
+              </a:ext>
+            </a:extLst>
+          </a:blip>
+          <a:stretch>
+            <a:fillRect/>
+          </a:stretch>
+        </p:blipFill>
+        <p:spPr>
+          <a:xfrm>
+            <a:off x="8519051" y="3282255"/>
+            <a:ext cx="914400" cy="914400"/>
+          </a:xfrm>
+          <a:prstGeom prst="rect">
+            <a:avLst/>
+          </a:prstGeom>
+        </p:spPr>
+      </p:pic>
+      <p:pic>
+        <p:nvPicPr>
+          <p:cNvPr id="70" name="Grafik 69" descr="Mann">
+            <a:extLst>
+              <a:ext uri="{FF2B5EF4-FFF2-40B4-BE49-F238E27FC236}">
+                <a16:creationId xmlns:a16="http://schemas.microsoft.com/office/drawing/2014/main" id="{8B65D5E7-1BA5-4B68-8A59-B563F53944F6}"/>
+              </a:ext>
+            </a:extLst>
+          </p:cNvPr>
+          <p:cNvPicPr>
+            <a:picLocks noChangeAspect="1"/>
+          </p:cNvPicPr>
+          <p:nvPr/>
+        </p:nvPicPr>
+        <p:blipFill>
+          <a:blip r:embed="rId2">
+            <a:extLst>
+              <a:ext uri="{28A0092B-C50C-407E-A947-70E740481C1C}">
+                <a14:useLocalDpi xmlns:a14="http://schemas.microsoft.com/office/drawing/2010/main" val="0"/>
+              </a:ext>
+              <a:ext uri="{96DAC541-7B7A-43D3-8B79-37D633B846F1}">
+                <asvg:svgBlip xmlns:asvg="http://schemas.microsoft.com/office/drawing/2016/SVG/main" r:embed="rId3"/>
+              </a:ext>
+            </a:extLst>
+          </a:blip>
+          <a:stretch>
+            <a:fillRect/>
+          </a:stretch>
+        </p:blipFill>
+        <p:spPr>
+          <a:xfrm>
+            <a:off x="63355" y="2023020"/>
+            <a:ext cx="914400" cy="914400"/>
+          </a:xfrm>
+          <a:prstGeom prst="rect">
+            <a:avLst/>
+          </a:prstGeom>
+        </p:spPr>
+      </p:pic>
+      <p:pic>
+        <p:nvPicPr>
+          <p:cNvPr id="71" name="Grafik 70" descr="Laptop">
+            <a:extLst>
+              <a:ext uri="{FF2B5EF4-FFF2-40B4-BE49-F238E27FC236}">
+                <a16:creationId xmlns:a16="http://schemas.microsoft.com/office/drawing/2014/main" id="{03035BDC-2615-48DF-A95A-3FC2D5993B68}"/>
+              </a:ext>
+            </a:extLst>
+          </p:cNvPr>
+          <p:cNvPicPr>
+            <a:picLocks noChangeAspect="1"/>
+          </p:cNvPicPr>
+          <p:nvPr/>
+        </p:nvPicPr>
+        <p:blipFill>
+          <a:blip r:embed="rId8">
+            <a:extLst>
+              <a:ext uri="{28A0092B-C50C-407E-A947-70E740481C1C}">
+                <a14:useLocalDpi xmlns:a14="http://schemas.microsoft.com/office/drawing/2010/main" val="0"/>
+              </a:ext>
+              <a:ext uri="{96DAC541-7B7A-43D3-8B79-37D633B846F1}">
+                <asvg:svgBlip xmlns:asvg="http://schemas.microsoft.com/office/drawing/2016/SVG/main" r:embed="rId9"/>
+              </a:ext>
+            </a:extLst>
+          </a:blip>
+          <a:stretch>
+            <a:fillRect/>
+          </a:stretch>
+        </p:blipFill>
+        <p:spPr>
+          <a:xfrm>
+            <a:off x="527208" y="1697775"/>
+            <a:ext cx="914400" cy="914400"/>
+          </a:xfrm>
+          <a:prstGeom prst="rect">
+            <a:avLst/>
+          </a:prstGeom>
+        </p:spPr>
+      </p:pic>
+      <p:pic>
+        <p:nvPicPr>
+          <p:cNvPr id="73" name="Grafik 72" descr="Hammer">
+            <a:extLst>
+              <a:ext uri="{FF2B5EF4-FFF2-40B4-BE49-F238E27FC236}">
+                <a16:creationId xmlns:a16="http://schemas.microsoft.com/office/drawing/2014/main" id="{769A105F-A251-46D5-A496-21450741E30B}"/>
+              </a:ext>
+            </a:extLst>
+          </p:cNvPr>
+          <p:cNvPicPr>
+            <a:picLocks noChangeAspect="1"/>
+          </p:cNvPicPr>
+          <p:nvPr/>
+        </p:nvPicPr>
+        <p:blipFill>
+          <a:blip r:embed="rId10">
+            <a:extLst>
+              <a:ext uri="{28A0092B-C50C-407E-A947-70E740481C1C}">
+                <a14:useLocalDpi xmlns:a14="http://schemas.microsoft.com/office/drawing/2010/main" val="0"/>
+              </a:ext>
+              <a:ext uri="{96DAC541-7B7A-43D3-8B79-37D633B846F1}">
+                <asvg:svgBlip xmlns:asvg="http://schemas.microsoft.com/office/drawing/2016/SVG/main" r:embed="rId11"/>
+              </a:ext>
+            </a:extLst>
+          </a:blip>
+          <a:stretch>
+            <a:fillRect/>
+          </a:stretch>
+        </p:blipFill>
+        <p:spPr>
+          <a:xfrm>
+            <a:off x="8532814" y="483978"/>
+            <a:ext cx="461476" cy="461476"/>
+          </a:xfrm>
+          <a:prstGeom prst="rect">
+            <a:avLst/>
+          </a:prstGeom>
+        </p:spPr>
+      </p:pic>
+      <p:pic>
+        <p:nvPicPr>
+          <p:cNvPr id="74" name="Grafik 73" descr="Computer">
+            <a:extLst>
+              <a:ext uri="{FF2B5EF4-FFF2-40B4-BE49-F238E27FC236}">
+                <a16:creationId xmlns:a16="http://schemas.microsoft.com/office/drawing/2014/main" id="{A6AD509A-32C3-45E4-9C08-6A43D5D377D3}"/>
+              </a:ext>
+            </a:extLst>
+          </p:cNvPr>
+          <p:cNvPicPr>
+            <a:picLocks noChangeAspect="1"/>
+          </p:cNvPicPr>
+          <p:nvPr/>
+        </p:nvPicPr>
+        <p:blipFill>
+          <a:blip r:embed="rId6">
+            <a:extLst>
+              <a:ext uri="{28A0092B-C50C-407E-A947-70E740481C1C}">
+                <a14:useLocalDpi xmlns:a14="http://schemas.microsoft.com/office/drawing/2010/main" val="0"/>
+              </a:ext>
+              <a:ext uri="{96DAC541-7B7A-43D3-8B79-37D633B846F1}">
+                <asvg:svgBlip xmlns:asvg="http://schemas.microsoft.com/office/drawing/2016/SVG/main" r:embed="rId7"/>
+              </a:ext>
+            </a:extLst>
+          </a:blip>
+          <a:stretch>
+            <a:fillRect/>
+          </a:stretch>
+        </p:blipFill>
+        <p:spPr>
+          <a:xfrm>
+            <a:off x="4380987" y="2965966"/>
+            <a:ext cx="1381659" cy="1381659"/>
+          </a:xfrm>
+          <a:prstGeom prst="rect">
+            <a:avLst/>
+          </a:prstGeom>
+        </p:spPr>
+      </p:pic>
+      <p:pic>
+        <p:nvPicPr>
+          <p:cNvPr id="75" name="Grafik 74" descr="Hammer">
+            <a:extLst>
+              <a:ext uri="{FF2B5EF4-FFF2-40B4-BE49-F238E27FC236}">
+                <a16:creationId xmlns:a16="http://schemas.microsoft.com/office/drawing/2014/main" id="{378F723B-0201-41F9-BEC7-9FBE50FE7C98}"/>
+              </a:ext>
+            </a:extLst>
+          </p:cNvPr>
+          <p:cNvPicPr>
+            <a:picLocks noChangeAspect="1"/>
+          </p:cNvPicPr>
+          <p:nvPr/>
+        </p:nvPicPr>
+        <p:blipFill>
+          <a:blip r:embed="rId10">
+            <a:extLst>
+              <a:ext uri="{28A0092B-C50C-407E-A947-70E740481C1C}">
+                <a14:useLocalDpi xmlns:a14="http://schemas.microsoft.com/office/drawing/2010/main" val="0"/>
+              </a:ext>
+              <a:ext uri="{96DAC541-7B7A-43D3-8B79-37D633B846F1}">
+                <asvg:svgBlip xmlns:asvg="http://schemas.microsoft.com/office/drawing/2016/SVG/main" r:embed="rId11"/>
+              </a:ext>
+            </a:extLst>
+          </a:blip>
+          <a:stretch>
+            <a:fillRect/>
+          </a:stretch>
+        </p:blipFill>
+        <p:spPr>
+          <a:xfrm>
+            <a:off x="4610340" y="3325373"/>
+            <a:ext cx="461476" cy="461476"/>
+          </a:xfrm>
+          <a:prstGeom prst="rect">
+            <a:avLst/>
+          </a:prstGeom>
+        </p:spPr>
+      </p:pic>
+      <p:cxnSp>
+        <p:nvCxnSpPr>
+          <p:cNvPr id="77" name="Gerade Verbindung mit Pfeil 76">
+            <a:extLst>
+              <a:ext uri="{FF2B5EF4-FFF2-40B4-BE49-F238E27FC236}">
+                <a16:creationId xmlns:a16="http://schemas.microsoft.com/office/drawing/2014/main" id="{4680E250-C391-46C2-A456-C49C690C726F}"/>
+              </a:ext>
+            </a:extLst>
+          </p:cNvPr>
+          <p:cNvCxnSpPr>
+            <a:cxnSpLocks/>
+          </p:cNvCxnSpPr>
+          <p:nvPr/>
+        </p:nvCxnSpPr>
+        <p:spPr>
+          <a:xfrm flipV="1">
+            <a:off x="1213761" y="692727"/>
+            <a:ext cx="7108203" cy="21292"/>
+          </a:xfrm>
+          <a:prstGeom prst="straightConnector1">
+            <a:avLst/>
+          </a:prstGeom>
+          <a:ln w="38100">
+            <a:solidFill>
+              <a:schemeClr val="tx1"/>
+            </a:solidFill>
+            <a:headEnd type="triangle"/>
+            <a:tailEnd type="triangle"/>
+          </a:ln>
+        </p:spPr>
+        <p:style>
+          <a:lnRef idx="1">
+            <a:schemeClr val="accent1"/>
+          </a:lnRef>
+          <a:fillRef idx="0">
+            <a:schemeClr val="accent1"/>
+          </a:fillRef>
+          <a:effectRef idx="0">
+            <a:schemeClr val="accent1"/>
+          </a:effectRef>
+          <a:fontRef idx="minor">
+            <a:schemeClr val="tx1"/>
+          </a:fontRef>
+        </p:style>
+      </p:cxnSp>
+      <p:cxnSp>
+        <p:nvCxnSpPr>
+          <p:cNvPr id="80" name="Gerade Verbindung mit Pfeil 79">
+            <a:extLst>
+              <a:ext uri="{FF2B5EF4-FFF2-40B4-BE49-F238E27FC236}">
+                <a16:creationId xmlns:a16="http://schemas.microsoft.com/office/drawing/2014/main" id="{9A87BB07-AF3B-4C9E-A1BD-58E3AB8B2309}"/>
+              </a:ext>
+            </a:extLst>
+          </p:cNvPr>
+          <p:cNvCxnSpPr>
+            <a:cxnSpLocks/>
+          </p:cNvCxnSpPr>
+          <p:nvPr/>
+        </p:nvCxnSpPr>
+        <p:spPr>
+          <a:xfrm>
+            <a:off x="1441608" y="2202794"/>
+            <a:ext cx="2372083" cy="0"/>
+          </a:xfrm>
+          <a:prstGeom prst="straightConnector1">
+            <a:avLst/>
+          </a:prstGeom>
+          <a:ln w="38100">
+            <a:solidFill>
+              <a:schemeClr val="tx1"/>
+            </a:solidFill>
+            <a:headEnd type="triangle"/>
+            <a:tailEnd type="triangle"/>
+          </a:ln>
+        </p:spPr>
+        <p:style>
+          <a:lnRef idx="1">
+            <a:schemeClr val="accent1"/>
+          </a:lnRef>
+          <a:fillRef idx="0">
+            <a:schemeClr val="accent1"/>
+          </a:fillRef>
+          <a:effectRef idx="0">
+            <a:schemeClr val="accent1"/>
+          </a:effectRef>
+          <a:fontRef idx="minor">
+            <a:schemeClr val="tx1"/>
+          </a:fontRef>
+        </p:style>
+      </p:cxnSp>
+      <p:cxnSp>
+        <p:nvCxnSpPr>
+          <p:cNvPr id="82" name="Gerade Verbindung mit Pfeil 81">
+            <a:extLst>
+              <a:ext uri="{FF2B5EF4-FFF2-40B4-BE49-F238E27FC236}">
+                <a16:creationId xmlns:a16="http://schemas.microsoft.com/office/drawing/2014/main" id="{B6536C8A-BFFE-4305-9D35-5D2B83EBB484}"/>
+              </a:ext>
+            </a:extLst>
+          </p:cNvPr>
+          <p:cNvCxnSpPr>
+            <a:cxnSpLocks/>
+            <a:stCxn id="36" idx="3"/>
+          </p:cNvCxnSpPr>
+          <p:nvPr/>
+        </p:nvCxnSpPr>
+        <p:spPr>
+          <a:xfrm flipV="1">
+            <a:off x="6132513" y="2131509"/>
+            <a:ext cx="2349617" cy="3112"/>
+          </a:xfrm>
+          <a:prstGeom prst="straightConnector1">
+            <a:avLst/>
+          </a:prstGeom>
+          <a:ln w="38100">
+            <a:solidFill>
+              <a:schemeClr val="tx1"/>
+            </a:solidFill>
+            <a:headEnd type="triangle"/>
+            <a:tailEnd type="triangle"/>
+          </a:ln>
+        </p:spPr>
+        <p:style>
+          <a:lnRef idx="1">
+            <a:schemeClr val="accent1"/>
+          </a:lnRef>
+          <a:fillRef idx="0">
+            <a:schemeClr val="accent1"/>
+          </a:fillRef>
+          <a:effectRef idx="0">
+            <a:schemeClr val="accent1"/>
+          </a:effectRef>
+          <a:fontRef idx="minor">
+            <a:schemeClr val="tx1"/>
+          </a:fontRef>
+        </p:style>
+      </p:cxnSp>
+      <p:cxnSp>
+        <p:nvCxnSpPr>
+          <p:cNvPr id="85" name="Gerade Verbindung mit Pfeil 84">
+            <a:extLst>
+              <a:ext uri="{FF2B5EF4-FFF2-40B4-BE49-F238E27FC236}">
+                <a16:creationId xmlns:a16="http://schemas.microsoft.com/office/drawing/2014/main" id="{6B715F08-28EE-44B9-A37C-29BA685A423B}"/>
+              </a:ext>
+            </a:extLst>
+          </p:cNvPr>
+          <p:cNvCxnSpPr>
+            <a:cxnSpLocks/>
+          </p:cNvCxnSpPr>
+          <p:nvPr/>
+        </p:nvCxnSpPr>
+        <p:spPr>
+          <a:xfrm flipV="1">
+            <a:off x="4987971" y="2612175"/>
+            <a:ext cx="0" cy="592064"/>
+          </a:xfrm>
+          <a:prstGeom prst="straightConnector1">
+            <a:avLst/>
+          </a:prstGeom>
+          <a:ln w="38100">
+            <a:solidFill>
+              <a:schemeClr val="tx1"/>
+            </a:solidFill>
+            <a:headEnd type="triangle"/>
+            <a:tailEnd type="triangle"/>
+          </a:ln>
+        </p:spPr>
+        <p:style>
+          <a:lnRef idx="1">
+            <a:schemeClr val="accent1"/>
+          </a:lnRef>
+          <a:fillRef idx="0">
+            <a:schemeClr val="accent1"/>
+          </a:fillRef>
+          <a:effectRef idx="0">
+            <a:schemeClr val="accent1"/>
+          </a:effectRef>
+          <a:fontRef idx="minor">
+            <a:schemeClr val="tx1"/>
+          </a:fontRef>
+        </p:style>
+      </p:cxnSp>
+      <p:cxnSp>
+        <p:nvCxnSpPr>
+          <p:cNvPr id="88" name="Gerade Verbindung mit Pfeil 87">
+            <a:extLst>
+              <a:ext uri="{FF2B5EF4-FFF2-40B4-BE49-F238E27FC236}">
+                <a16:creationId xmlns:a16="http://schemas.microsoft.com/office/drawing/2014/main" id="{3F5E6D91-B48C-4FFE-B53C-873B80A567E9}"/>
+              </a:ext>
+            </a:extLst>
+          </p:cNvPr>
+          <p:cNvCxnSpPr>
+            <a:cxnSpLocks/>
+            <a:stCxn id="57" idx="0"/>
+          </p:cNvCxnSpPr>
+          <p:nvPr/>
+        </p:nvCxnSpPr>
+        <p:spPr>
+          <a:xfrm flipV="1">
+            <a:off x="991061" y="2480220"/>
+            <a:ext cx="0" cy="775131"/>
+          </a:xfrm>
+          <a:prstGeom prst="straightConnector1">
+            <a:avLst/>
+          </a:prstGeom>
+          <a:ln w="38100">
+            <a:solidFill>
+              <a:schemeClr val="tx1"/>
+            </a:solidFill>
+            <a:headEnd type="triangle"/>
+            <a:tailEnd type="triangle"/>
+          </a:ln>
+        </p:spPr>
+        <p:style>
+          <a:lnRef idx="1">
+            <a:schemeClr val="accent1"/>
+          </a:lnRef>
+          <a:fillRef idx="0">
+            <a:schemeClr val="accent1"/>
+          </a:fillRef>
+          <a:effectRef idx="0">
+            <a:schemeClr val="accent1"/>
+          </a:effectRef>
+          <a:fontRef idx="minor">
+            <a:schemeClr val="tx1"/>
+          </a:fontRef>
+        </p:style>
+      </p:cxnSp>
+      <p:cxnSp>
+        <p:nvCxnSpPr>
+          <p:cNvPr id="91" name="Gerade Verbindung mit Pfeil 90">
+            <a:extLst>
+              <a:ext uri="{FF2B5EF4-FFF2-40B4-BE49-F238E27FC236}">
+                <a16:creationId xmlns:a16="http://schemas.microsoft.com/office/drawing/2014/main" id="{9E8E611E-A95D-46E5-811D-B2D72595B637}"/>
+              </a:ext>
+            </a:extLst>
+          </p:cNvPr>
+          <p:cNvCxnSpPr>
+            <a:cxnSpLocks/>
+          </p:cNvCxnSpPr>
+          <p:nvPr/>
+        </p:nvCxnSpPr>
+        <p:spPr>
+          <a:xfrm flipV="1">
+            <a:off x="9055273" y="1254839"/>
+            <a:ext cx="0" cy="675774"/>
+          </a:xfrm>
+          <a:prstGeom prst="straightConnector1">
+            <a:avLst/>
+          </a:prstGeom>
+          <a:ln w="38100">
+            <a:solidFill>
+              <a:schemeClr val="tx1"/>
+            </a:solidFill>
+            <a:headEnd type="triangle"/>
+            <a:tailEnd type="triangle"/>
+          </a:ln>
+        </p:spPr>
+        <p:style>
+          <a:lnRef idx="1">
+            <a:schemeClr val="accent1"/>
+          </a:lnRef>
+          <a:fillRef idx="0">
+            <a:schemeClr val="accent1"/>
+          </a:fillRef>
+          <a:effectRef idx="0">
+            <a:schemeClr val="accent1"/>
+          </a:effectRef>
+          <a:fontRef idx="minor">
+            <a:schemeClr val="tx1"/>
+          </a:fontRef>
+        </p:style>
+      </p:cxnSp>
+      <p:cxnSp>
+        <p:nvCxnSpPr>
+          <p:cNvPr id="93" name="Gerade Verbindung mit Pfeil 92">
+            <a:extLst>
+              <a:ext uri="{FF2B5EF4-FFF2-40B4-BE49-F238E27FC236}">
+                <a16:creationId xmlns:a16="http://schemas.microsoft.com/office/drawing/2014/main" id="{AA6CE190-8139-4ED1-B3E0-2D30DE368D03}"/>
+              </a:ext>
+            </a:extLst>
+          </p:cNvPr>
+          <p:cNvCxnSpPr>
+            <a:cxnSpLocks/>
+          </p:cNvCxnSpPr>
+          <p:nvPr/>
+        </p:nvCxnSpPr>
+        <p:spPr>
+          <a:xfrm flipV="1">
+            <a:off x="9074612" y="2579577"/>
+            <a:ext cx="0" cy="675774"/>
+          </a:xfrm>
+          <a:prstGeom prst="straightConnector1">
+            <a:avLst/>
+          </a:prstGeom>
+          <a:ln w="38100">
+            <a:solidFill>
+              <a:schemeClr val="tx1"/>
+            </a:solidFill>
+            <a:headEnd type="triangle"/>
+            <a:tailEnd type="triangle"/>
+          </a:ln>
+        </p:spPr>
+        <p:style>
+          <a:lnRef idx="1">
+            <a:schemeClr val="accent1"/>
+          </a:lnRef>
+          <a:fillRef idx="0">
+            <a:schemeClr val="accent1"/>
+          </a:fillRef>
+          <a:effectRef idx="0">
+            <a:schemeClr val="accent1"/>
+          </a:effectRef>
+          <a:fontRef idx="minor">
+            <a:schemeClr val="tx1"/>
+          </a:fontRef>
+        </p:style>
+      </p:cxnSp>
+      <p:cxnSp>
+        <p:nvCxnSpPr>
+          <p:cNvPr id="96" name="Gerade Verbindung mit Pfeil 95">
+            <a:extLst>
+              <a:ext uri="{FF2B5EF4-FFF2-40B4-BE49-F238E27FC236}">
+                <a16:creationId xmlns:a16="http://schemas.microsoft.com/office/drawing/2014/main" id="{12444E4F-4AFC-4336-ACFB-9891017D25CB}"/>
+              </a:ext>
+            </a:extLst>
+          </p:cNvPr>
+          <p:cNvCxnSpPr>
+            <a:cxnSpLocks/>
+          </p:cNvCxnSpPr>
+          <p:nvPr/>
+        </p:nvCxnSpPr>
+        <p:spPr>
+          <a:xfrm flipV="1">
+            <a:off x="5816322" y="1095719"/>
+            <a:ext cx="2463206" cy="2186537"/>
+          </a:xfrm>
+          <a:prstGeom prst="straightConnector1">
+            <a:avLst/>
+          </a:prstGeom>
+          <a:ln w="38100">
+            <a:solidFill>
+              <a:schemeClr val="tx1"/>
+            </a:solidFill>
+            <a:headEnd type="triangle"/>
+            <a:tailEnd type="triangle"/>
+          </a:ln>
+        </p:spPr>
+        <p:style>
+          <a:lnRef idx="1">
+            <a:schemeClr val="accent1"/>
+          </a:lnRef>
+          <a:fillRef idx="0">
+            <a:schemeClr val="accent1"/>
+          </a:fillRef>
+          <a:effectRef idx="0">
+            <a:schemeClr val="accent1"/>
+          </a:effectRef>
+          <a:fontRef idx="minor">
+            <a:schemeClr val="tx1"/>
+          </a:fontRef>
+        </p:style>
+      </p:cxnSp>
+      <p:cxnSp>
+        <p:nvCxnSpPr>
+          <p:cNvPr id="103" name="Gerade Verbindung mit Pfeil 102">
+            <a:extLst>
+              <a:ext uri="{FF2B5EF4-FFF2-40B4-BE49-F238E27FC236}">
+                <a16:creationId xmlns:a16="http://schemas.microsoft.com/office/drawing/2014/main" id="{F13406FD-574B-4E23-851B-4852490D3942}"/>
+              </a:ext>
+            </a:extLst>
+          </p:cNvPr>
+          <p:cNvCxnSpPr>
+            <a:cxnSpLocks/>
+          </p:cNvCxnSpPr>
+          <p:nvPr/>
+        </p:nvCxnSpPr>
+        <p:spPr>
+          <a:xfrm>
+            <a:off x="1263043" y="1026181"/>
+            <a:ext cx="2628065" cy="914680"/>
+          </a:xfrm>
+          <a:prstGeom prst="straightConnector1">
+            <a:avLst/>
+          </a:prstGeom>
+          <a:ln w="38100">
+            <a:solidFill>
+              <a:schemeClr val="tx1"/>
+            </a:solidFill>
+            <a:headEnd type="triangle"/>
+            <a:tailEnd type="triangle"/>
+          </a:ln>
+        </p:spPr>
+        <p:style>
+          <a:lnRef idx="1">
+            <a:schemeClr val="accent1"/>
+          </a:lnRef>
+          <a:fillRef idx="0">
+            <a:schemeClr val="accent1"/>
+          </a:fillRef>
+          <a:effectRef idx="0">
+            <a:schemeClr val="accent1"/>
+          </a:effectRef>
+          <a:fontRef idx="minor">
+            <a:schemeClr val="tx1"/>
+          </a:fontRef>
+        </p:style>
+      </p:cxnSp>
+      <p:cxnSp>
+        <p:nvCxnSpPr>
+          <p:cNvPr id="106" name="Gerade Verbindung mit Pfeil 105">
+            <a:extLst>
+              <a:ext uri="{FF2B5EF4-FFF2-40B4-BE49-F238E27FC236}">
+                <a16:creationId xmlns:a16="http://schemas.microsoft.com/office/drawing/2014/main" id="{1E335669-157F-494E-992D-5141DFDC96D8}"/>
+              </a:ext>
+            </a:extLst>
+          </p:cNvPr>
+          <p:cNvCxnSpPr>
+            <a:cxnSpLocks/>
+            <a:endCxn id="74" idx="1"/>
+          </p:cNvCxnSpPr>
+          <p:nvPr/>
+        </p:nvCxnSpPr>
+        <p:spPr>
+          <a:xfrm flipV="1">
+            <a:off x="1286976" y="3656796"/>
+            <a:ext cx="3094011" cy="17050"/>
+          </a:xfrm>
+          <a:prstGeom prst="straightConnector1">
+            <a:avLst/>
+          </a:prstGeom>
+          <a:ln w="38100">
+            <a:solidFill>
+              <a:schemeClr val="tx1"/>
+            </a:solidFill>
+            <a:headEnd type="triangle"/>
+            <a:tailEnd type="triangle"/>
+          </a:ln>
+        </p:spPr>
+        <p:style>
+          <a:lnRef idx="1">
+            <a:schemeClr val="accent1"/>
+          </a:lnRef>
+          <a:fillRef idx="0">
+            <a:schemeClr val="accent1"/>
+          </a:fillRef>
+          <a:effectRef idx="0">
+            <a:schemeClr val="accent1"/>
+          </a:effectRef>
+          <a:fontRef idx="minor">
+            <a:schemeClr val="tx1"/>
+          </a:fontRef>
+        </p:style>
+      </p:cxnSp>
+      <p:cxnSp>
+        <p:nvCxnSpPr>
+          <p:cNvPr id="110" name="Gerade Verbindung mit Pfeil 109">
+            <a:extLst>
+              <a:ext uri="{FF2B5EF4-FFF2-40B4-BE49-F238E27FC236}">
+                <a16:creationId xmlns:a16="http://schemas.microsoft.com/office/drawing/2014/main" id="{8BE84095-8271-444D-BE4D-427CE7163C6E}"/>
+              </a:ext>
+            </a:extLst>
+          </p:cNvPr>
+          <p:cNvCxnSpPr>
+            <a:cxnSpLocks/>
+          </p:cNvCxnSpPr>
+          <p:nvPr/>
+        </p:nvCxnSpPr>
+        <p:spPr>
+          <a:xfrm>
+            <a:off x="5854065" y="3656795"/>
+            <a:ext cx="2767751" cy="0"/>
+          </a:xfrm>
+          <a:prstGeom prst="straightConnector1">
+            <a:avLst/>
+          </a:prstGeom>
+          <a:ln w="38100">
+            <a:solidFill>
+              <a:schemeClr val="tx1"/>
+            </a:solidFill>
+            <a:headEnd type="triangle"/>
+            <a:tailEnd type="triangle"/>
+          </a:ln>
+        </p:spPr>
+        <p:style>
+          <a:lnRef idx="1">
+            <a:schemeClr val="accent1"/>
+          </a:lnRef>
+          <a:fillRef idx="0">
+            <a:schemeClr val="accent1"/>
+          </a:fillRef>
+          <a:effectRef idx="0">
+            <a:schemeClr val="accent1"/>
+          </a:effectRef>
+          <a:fontRef idx="minor">
+            <a:schemeClr val="tx1"/>
+          </a:fontRef>
+        </p:style>
+      </p:cxnSp>
+      <p:sp>
+        <p:nvSpPr>
+          <p:cNvPr id="50" name="Rechteck 49">
+            <a:extLst>
+              <a:ext uri="{FF2B5EF4-FFF2-40B4-BE49-F238E27FC236}">
+                <a16:creationId xmlns:a16="http://schemas.microsoft.com/office/drawing/2014/main" id="{57B3909E-5D23-4BA1-856A-EA98CA94A2C1}"/>
+              </a:ext>
+            </a:extLst>
+          </p:cNvPr>
+          <p:cNvSpPr/>
+          <p:nvPr/>
+        </p:nvSpPr>
+        <p:spPr>
+          <a:xfrm>
+            <a:off x="6118402" y="4874004"/>
+            <a:ext cx="1417738" cy="1434517"/>
+          </a:xfrm>
+          <a:prstGeom prst="rect">
+            <a:avLst/>
+          </a:prstGeom>
+          <a:noFill/>
+          <a:ln>
+            <a:solidFill>
+              <a:schemeClr val="tx1"/>
+            </a:solidFill>
+          </a:ln>
+        </p:spPr>
+        <p:style>
+          <a:lnRef idx="2">
+            <a:schemeClr val="accent1">
+              <a:shade val="50000"/>
+            </a:schemeClr>
+          </a:lnRef>
+          <a:fillRef idx="1">
+            <a:schemeClr val="accent1"/>
+          </a:fillRef>
+          <a:effectRef idx="0">
+            <a:schemeClr val="accent1"/>
+          </a:effectRef>
+          <a:fontRef idx="minor">
+            <a:schemeClr val="lt1"/>
+          </a:fontRef>
+        </p:style>
+        <p:txBody>
+          <a:bodyPr rtlCol="0" anchor="ctr"/>
+          <a:lstStyle/>
+          <a:p>
+            <a:pPr algn="ctr"/>
+            <a:endParaRPr lang="en-US"/>
+          </a:p>
+        </p:txBody>
+      </p:sp>
+      <p:sp>
+        <p:nvSpPr>
+          <p:cNvPr id="51" name="Rechteck 50">
+            <a:extLst>
+              <a:ext uri="{FF2B5EF4-FFF2-40B4-BE49-F238E27FC236}">
+                <a16:creationId xmlns:a16="http://schemas.microsoft.com/office/drawing/2014/main" id="{C89B7E1D-1C52-4440-8D9B-B17E060455F4}"/>
+              </a:ext>
+            </a:extLst>
+          </p:cNvPr>
+          <p:cNvSpPr/>
+          <p:nvPr/>
+        </p:nvSpPr>
+        <p:spPr>
+          <a:xfrm>
+            <a:off x="6118402" y="4874004"/>
+            <a:ext cx="731242" cy="335559"/>
+          </a:xfrm>
+          <a:prstGeom prst="rect">
+            <a:avLst/>
+          </a:prstGeom>
+          <a:noFill/>
+          <a:ln>
+            <a:solidFill>
+              <a:schemeClr val="tx1"/>
+            </a:solidFill>
+          </a:ln>
+        </p:spPr>
+        <p:style>
+          <a:lnRef idx="2">
+            <a:schemeClr val="accent1">
+              <a:shade val="50000"/>
+            </a:schemeClr>
+          </a:lnRef>
+          <a:fillRef idx="1">
+            <a:schemeClr val="accent1"/>
+          </a:fillRef>
+          <a:effectRef idx="0">
+            <a:schemeClr val="accent1"/>
+          </a:effectRef>
+          <a:fontRef idx="minor">
+            <a:schemeClr val="lt1"/>
+          </a:fontRef>
+        </p:style>
+        <p:txBody>
+          <a:bodyPr rtlCol="0" anchor="ctr"/>
+          <a:lstStyle/>
+          <a:p>
+            <a:pPr algn="ctr"/>
+            <a:r>
+              <a:rPr lang="en-US" dirty="0">
+                <a:solidFill>
+                  <a:schemeClr val="tx1"/>
+                </a:solidFill>
+              </a:rPr>
+              <a:t>9</a:t>
+            </a:r>
+          </a:p>
+        </p:txBody>
+      </p:sp>
+      <p:cxnSp>
+        <p:nvCxnSpPr>
+          <p:cNvPr id="52" name="Gerader Verbinder 51">
+            <a:extLst>
+              <a:ext uri="{FF2B5EF4-FFF2-40B4-BE49-F238E27FC236}">
+                <a16:creationId xmlns:a16="http://schemas.microsoft.com/office/drawing/2014/main" id="{C8C2AE5E-3F85-4018-A0BE-F5D0FD6B9AAA}"/>
+              </a:ext>
+            </a:extLst>
+          </p:cNvPr>
+          <p:cNvCxnSpPr>
+            <a:cxnSpLocks/>
+          </p:cNvCxnSpPr>
+          <p:nvPr/>
+        </p:nvCxnSpPr>
+        <p:spPr>
           <a:xfrm flipH="1">
-            <a:off x="1770077" y="5591263"/>
+            <a:off x="6124735" y="6043567"/>
+            <a:ext cx="1421638" cy="0"/>
+          </a:xfrm>
+          <a:prstGeom prst="line">
+            <a:avLst/>
+          </a:prstGeom>
+          <a:ln>
+            <a:solidFill>
+              <a:schemeClr val="tx1"/>
+            </a:solidFill>
+          </a:ln>
+        </p:spPr>
+        <p:style>
+          <a:lnRef idx="1">
+            <a:schemeClr val="accent1"/>
+          </a:lnRef>
+          <a:fillRef idx="0">
+            <a:schemeClr val="accent1"/>
+          </a:fillRef>
+          <a:effectRef idx="0">
+            <a:schemeClr val="accent1"/>
+          </a:effectRef>
+          <a:fontRef idx="minor">
+            <a:schemeClr val="tx1"/>
+          </a:fontRef>
+        </p:style>
+      </p:cxnSp>
+      <p:sp>
+        <p:nvSpPr>
+          <p:cNvPr id="53" name="Textfeld 52">
+            <a:extLst>
+              <a:ext uri="{FF2B5EF4-FFF2-40B4-BE49-F238E27FC236}">
+                <a16:creationId xmlns:a16="http://schemas.microsoft.com/office/drawing/2014/main" id="{C0BF800F-9549-4457-B22D-F8D495C81899}"/>
+              </a:ext>
+            </a:extLst>
+          </p:cNvPr>
+          <p:cNvSpPr txBox="1"/>
+          <p:nvPr/>
+        </p:nvSpPr>
+        <p:spPr>
+          <a:xfrm>
+            <a:off x="6149842" y="5996801"/>
+            <a:ext cx="1354858" cy="369332"/>
+          </a:xfrm>
+          <a:prstGeom prst="rect">
+            <a:avLst/>
+          </a:prstGeom>
+          <a:noFill/>
+        </p:spPr>
+        <p:txBody>
+          <a:bodyPr wrap="none" rtlCol="0">
+            <a:spAutoFit/>
+          </a:bodyPr>
+          <a:lstStyle/>
+          <a:p>
+            <a:r>
+              <a:rPr lang="en-US" dirty="0"/>
+              <a:t>0000000623</a:t>
+            </a:r>
+          </a:p>
+        </p:txBody>
+      </p:sp>
+      <p:sp>
+        <p:nvSpPr>
+          <p:cNvPr id="54" name="Rechteck: abgerundete Ecken 53">
+            <a:extLst>
+              <a:ext uri="{FF2B5EF4-FFF2-40B4-BE49-F238E27FC236}">
+                <a16:creationId xmlns:a16="http://schemas.microsoft.com/office/drawing/2014/main" id="{6B190E31-EE4B-4B07-8CA6-6728596F0ECE}"/>
+              </a:ext>
+            </a:extLst>
+          </p:cNvPr>
+          <p:cNvSpPr/>
+          <p:nvPr/>
+        </p:nvSpPr>
+        <p:spPr>
+          <a:xfrm>
+            <a:off x="6205008" y="5371294"/>
+            <a:ext cx="1223209" cy="510541"/>
+          </a:xfrm>
+          <a:prstGeom prst="roundRect">
+            <a:avLst/>
+          </a:prstGeom>
+          <a:noFill/>
+          <a:ln w="19050">
+            <a:solidFill>
+              <a:schemeClr val="tx1"/>
+            </a:solidFill>
+          </a:ln>
+        </p:spPr>
+        <p:style>
+          <a:lnRef idx="2">
+            <a:schemeClr val="accent1">
+              <a:shade val="50000"/>
+            </a:schemeClr>
+          </a:lnRef>
+          <a:fillRef idx="1">
+            <a:schemeClr val="accent1"/>
+          </a:fillRef>
+          <a:effectRef idx="0">
+            <a:schemeClr val="accent1"/>
+          </a:effectRef>
+          <a:fontRef idx="minor">
+            <a:schemeClr val="lt1"/>
+          </a:fontRef>
+        </p:style>
+        <p:txBody>
+          <a:bodyPr rtlCol="0" anchor="ctr"/>
+          <a:lstStyle/>
+          <a:p>
+            <a:endParaRPr lang="en-US" sz="1200" dirty="0">
+              <a:solidFill>
+                <a:schemeClr val="tx1"/>
+              </a:solidFill>
+            </a:endParaRPr>
+          </a:p>
+        </p:txBody>
+      </p:sp>
+      <p:sp>
+        <p:nvSpPr>
+          <p:cNvPr id="55" name="Textfeld 54">
+            <a:extLst>
+              <a:ext uri="{FF2B5EF4-FFF2-40B4-BE49-F238E27FC236}">
+                <a16:creationId xmlns:a16="http://schemas.microsoft.com/office/drawing/2014/main" id="{FAA2267A-67DB-4DD4-A5B8-AC96949A861A}"/>
+              </a:ext>
+            </a:extLst>
+          </p:cNvPr>
+          <p:cNvSpPr txBox="1"/>
+          <p:nvPr/>
+        </p:nvSpPr>
+        <p:spPr>
+          <a:xfrm>
+            <a:off x="6178304" y="5412793"/>
+            <a:ext cx="1287981" cy="461665"/>
+          </a:xfrm>
+          <a:prstGeom prst="rect">
+            <a:avLst/>
+          </a:prstGeom>
+          <a:noFill/>
+        </p:spPr>
+        <p:txBody>
+          <a:bodyPr wrap="none" rtlCol="0">
+            <a:spAutoFit/>
+          </a:bodyPr>
+          <a:lstStyle/>
+          <a:p>
+            <a:r>
+              <a:rPr lang="en-US" sz="1200" dirty="0"/>
+              <a:t>1 BTC:</a:t>
+            </a:r>
+            <a:br>
+              <a:rPr lang="en-US" sz="1200" dirty="0"/>
+            </a:br>
+            <a:r>
+              <a:rPr lang="en-US" sz="1200" dirty="0"/>
+              <a:t>1xasdas -&gt; 1Axjc9</a:t>
+            </a:r>
+          </a:p>
+        </p:txBody>
+      </p:sp>
+      <p:cxnSp>
+        <p:nvCxnSpPr>
+          <p:cNvPr id="58" name="Gerade Verbindung mit Pfeil 57">
+            <a:extLst>
+              <a:ext uri="{FF2B5EF4-FFF2-40B4-BE49-F238E27FC236}">
+                <a16:creationId xmlns:a16="http://schemas.microsoft.com/office/drawing/2014/main" id="{B1B2D76B-A047-4745-8A72-E26080CBEC58}"/>
+              </a:ext>
+            </a:extLst>
+          </p:cNvPr>
+          <p:cNvCxnSpPr/>
+          <p:nvPr/>
+        </p:nvCxnSpPr>
+        <p:spPr>
+          <a:xfrm flipH="1">
+            <a:off x="5371854" y="5591263"/>
             <a:ext cx="731242" cy="0"/>
           </a:xfrm>
           <a:prstGeom prst="straightConnector1">
@@ -3573,10 +5187,10 @@
       </p:cxnSp>
       <p:sp>
         <p:nvSpPr>
-          <p:cNvPr id="19" name="Rechteck 18">
-            <a:extLst>
-              <a:ext uri="{FF2B5EF4-FFF2-40B4-BE49-F238E27FC236}">
-                <a16:creationId xmlns:a16="http://schemas.microsoft.com/office/drawing/2014/main" id="{B0C50D75-9EBE-406B-8BB5-6334D069AB26}"/>
+          <p:cNvPr id="59" name="Rechteck 58">
+            <a:extLst>
+              <a:ext uri="{FF2B5EF4-FFF2-40B4-BE49-F238E27FC236}">
+                <a16:creationId xmlns:a16="http://schemas.microsoft.com/office/drawing/2014/main" id="{222127F5-31B8-4CA4-B8F9-CB896A51EF12}"/>
               </a:ext>
             </a:extLst>
           </p:cNvPr>
@@ -3585,7 +5199,292 @@
         </p:nvSpPr>
         <p:spPr>
           <a:xfrm>
-            <a:off x="2501319" y="4874004"/>
+            <a:off x="8275854" y="4877572"/>
+            <a:ext cx="1417738" cy="1434517"/>
+          </a:xfrm>
+          <a:prstGeom prst="rect">
+            <a:avLst/>
+          </a:prstGeom>
+          <a:noFill/>
+          <a:ln>
+            <a:solidFill>
+              <a:schemeClr val="tx1"/>
+            </a:solidFill>
+          </a:ln>
+        </p:spPr>
+        <p:style>
+          <a:lnRef idx="2">
+            <a:schemeClr val="accent1">
+              <a:shade val="50000"/>
+            </a:schemeClr>
+          </a:lnRef>
+          <a:fillRef idx="1">
+            <a:schemeClr val="accent1"/>
+          </a:fillRef>
+          <a:effectRef idx="0">
+            <a:schemeClr val="accent1"/>
+          </a:effectRef>
+          <a:fontRef idx="minor">
+            <a:schemeClr val="lt1"/>
+          </a:fontRef>
+        </p:style>
+        <p:txBody>
+          <a:bodyPr rtlCol="0" anchor="ctr"/>
+          <a:lstStyle/>
+          <a:p>
+            <a:pPr algn="ctr"/>
+            <a:endParaRPr lang="en-US"/>
+          </a:p>
+        </p:txBody>
+      </p:sp>
+      <p:cxnSp>
+        <p:nvCxnSpPr>
+          <p:cNvPr id="61" name="Gerade Verbindung mit Pfeil 60">
+            <a:extLst>
+              <a:ext uri="{FF2B5EF4-FFF2-40B4-BE49-F238E27FC236}">
+                <a16:creationId xmlns:a16="http://schemas.microsoft.com/office/drawing/2014/main" id="{2B414EBB-E4F7-46C1-AC9F-108F56F9C048}"/>
+              </a:ext>
+            </a:extLst>
+          </p:cNvPr>
+          <p:cNvCxnSpPr>
+            <a:stCxn id="59" idx="1"/>
+          </p:cNvCxnSpPr>
+          <p:nvPr/>
+        </p:nvCxnSpPr>
+        <p:spPr>
+          <a:xfrm flipH="1">
+            <a:off x="7544612" y="5594831"/>
+            <a:ext cx="731242" cy="0"/>
+          </a:xfrm>
+          <a:prstGeom prst="straightConnector1">
+            <a:avLst/>
+          </a:prstGeom>
+          <a:ln w="38100">
+            <a:solidFill>
+              <a:schemeClr val="tx1"/>
+            </a:solidFill>
+            <a:tailEnd type="triangle"/>
+          </a:ln>
+        </p:spPr>
+        <p:style>
+          <a:lnRef idx="1">
+            <a:schemeClr val="accent1"/>
+          </a:lnRef>
+          <a:fillRef idx="0">
+            <a:schemeClr val="accent1"/>
+          </a:fillRef>
+          <a:effectRef idx="0">
+            <a:schemeClr val="accent1"/>
+          </a:effectRef>
+          <a:fontRef idx="minor">
+            <a:schemeClr val="tx1"/>
+          </a:fontRef>
+        </p:style>
+      </p:cxnSp>
+      <p:sp>
+        <p:nvSpPr>
+          <p:cNvPr id="62" name="Rechteck 61">
+            <a:extLst>
+              <a:ext uri="{FF2B5EF4-FFF2-40B4-BE49-F238E27FC236}">
+                <a16:creationId xmlns:a16="http://schemas.microsoft.com/office/drawing/2014/main" id="{A78AB937-3D91-4D35-ACA2-9A1645248E4B}"/>
+              </a:ext>
+            </a:extLst>
+          </p:cNvPr>
+          <p:cNvSpPr/>
+          <p:nvPr/>
+        </p:nvSpPr>
+        <p:spPr>
+          <a:xfrm>
+            <a:off x="8275854" y="4877572"/>
+            <a:ext cx="708869" cy="335559"/>
+          </a:xfrm>
+          <a:prstGeom prst="rect">
+            <a:avLst/>
+          </a:prstGeom>
+          <a:noFill/>
+          <a:ln>
+            <a:solidFill>
+              <a:schemeClr val="tx1"/>
+            </a:solidFill>
+          </a:ln>
+        </p:spPr>
+        <p:style>
+          <a:lnRef idx="2">
+            <a:schemeClr val="accent1">
+              <a:shade val="50000"/>
+            </a:schemeClr>
+          </a:lnRef>
+          <a:fillRef idx="1">
+            <a:schemeClr val="accent1"/>
+          </a:fillRef>
+          <a:effectRef idx="0">
+            <a:schemeClr val="accent1"/>
+          </a:effectRef>
+          <a:fontRef idx="minor">
+            <a:schemeClr val="lt1"/>
+          </a:fontRef>
+        </p:style>
+        <p:txBody>
+          <a:bodyPr rtlCol="0" anchor="ctr"/>
+          <a:lstStyle/>
+          <a:p>
+            <a:pPr algn="ctr"/>
+            <a:r>
+              <a:rPr lang="en-US" dirty="0">
+                <a:solidFill>
+                  <a:schemeClr val="tx1"/>
+                </a:solidFill>
+              </a:rPr>
+              <a:t>10</a:t>
+            </a:r>
+          </a:p>
+        </p:txBody>
+      </p:sp>
+      <p:cxnSp>
+        <p:nvCxnSpPr>
+          <p:cNvPr id="63" name="Gerader Verbinder 62">
+            <a:extLst>
+              <a:ext uri="{FF2B5EF4-FFF2-40B4-BE49-F238E27FC236}">
+                <a16:creationId xmlns:a16="http://schemas.microsoft.com/office/drawing/2014/main" id="{F0E168F5-8955-464A-AFE2-EC73096D4B6F}"/>
+              </a:ext>
+            </a:extLst>
+          </p:cNvPr>
+          <p:cNvCxnSpPr>
+            <a:cxnSpLocks/>
+          </p:cNvCxnSpPr>
+          <p:nvPr/>
+        </p:nvCxnSpPr>
+        <p:spPr>
+          <a:xfrm flipH="1">
+            <a:off x="8263403" y="6028044"/>
+            <a:ext cx="1421638" cy="0"/>
+          </a:xfrm>
+          <a:prstGeom prst="line">
+            <a:avLst/>
+          </a:prstGeom>
+          <a:ln>
+            <a:solidFill>
+              <a:schemeClr val="tx1"/>
+            </a:solidFill>
+          </a:ln>
+        </p:spPr>
+        <p:style>
+          <a:lnRef idx="1">
+            <a:schemeClr val="accent1"/>
+          </a:lnRef>
+          <a:fillRef idx="0">
+            <a:schemeClr val="accent1"/>
+          </a:fillRef>
+          <a:effectRef idx="0">
+            <a:schemeClr val="accent1"/>
+          </a:effectRef>
+          <a:fontRef idx="minor">
+            <a:schemeClr val="tx1"/>
+          </a:fontRef>
+        </p:style>
+      </p:cxnSp>
+      <p:sp>
+        <p:nvSpPr>
+          <p:cNvPr id="64" name="Textfeld 63">
+            <a:extLst>
+              <a:ext uri="{FF2B5EF4-FFF2-40B4-BE49-F238E27FC236}">
+                <a16:creationId xmlns:a16="http://schemas.microsoft.com/office/drawing/2014/main" id="{D981D884-9F7C-4B36-8A32-8B07DF660B52}"/>
+              </a:ext>
+            </a:extLst>
+          </p:cNvPr>
+          <p:cNvSpPr txBox="1"/>
+          <p:nvPr/>
+        </p:nvSpPr>
+        <p:spPr>
+          <a:xfrm>
+            <a:off x="8288510" y="5981278"/>
+            <a:ext cx="1366080" cy="369332"/>
+          </a:xfrm>
+          <a:prstGeom prst="rect">
+            <a:avLst/>
+          </a:prstGeom>
+          <a:noFill/>
+        </p:spPr>
+        <p:txBody>
+          <a:bodyPr wrap="none" rtlCol="0">
+            <a:spAutoFit/>
+          </a:bodyPr>
+          <a:lstStyle/>
+          <a:p>
+            <a:r>
+              <a:rPr lang="en-US" dirty="0"/>
+              <a:t>0000000525</a:t>
+            </a:r>
+          </a:p>
+        </p:txBody>
+      </p:sp>
+      <p:sp>
+        <p:nvSpPr>
+          <p:cNvPr id="65" name="Rechteck 64">
+            <a:extLst>
+              <a:ext uri="{FF2B5EF4-FFF2-40B4-BE49-F238E27FC236}">
+                <a16:creationId xmlns:a16="http://schemas.microsoft.com/office/drawing/2014/main" id="{7D15C5AF-F911-4BD0-96FE-442C5AED22AA}"/>
+              </a:ext>
+            </a:extLst>
+          </p:cNvPr>
+          <p:cNvSpPr/>
+          <p:nvPr/>
+        </p:nvSpPr>
+        <p:spPr>
+          <a:xfrm>
+            <a:off x="2513170" y="4883638"/>
+            <a:ext cx="1417738" cy="1434517"/>
+          </a:xfrm>
+          <a:prstGeom prst="rect">
+            <a:avLst/>
+          </a:prstGeom>
+          <a:noFill/>
+          <a:ln>
+            <a:solidFill>
+              <a:schemeClr val="tx1"/>
+            </a:solidFill>
+          </a:ln>
+        </p:spPr>
+        <p:style>
+          <a:lnRef idx="2">
+            <a:schemeClr val="accent1">
+              <a:shade val="50000"/>
+            </a:schemeClr>
+          </a:lnRef>
+          <a:fillRef idx="1">
+            <a:schemeClr val="accent1"/>
+          </a:fillRef>
+          <a:effectRef idx="0">
+            <a:schemeClr val="accent1"/>
+          </a:effectRef>
+          <a:fontRef idx="minor">
+            <a:schemeClr val="lt1"/>
+          </a:fontRef>
+        </p:style>
+        <p:txBody>
+          <a:bodyPr rtlCol="0" anchor="ctr"/>
+          <a:lstStyle/>
+          <a:p>
+            <a:pPr algn="ctr"/>
+            <a:endParaRPr lang="en-US"/>
+          </a:p>
+        </p:txBody>
+      </p:sp>
+      <p:sp>
+        <p:nvSpPr>
+          <p:cNvPr id="72" name="Rechteck 71">
+            <a:extLst>
+              <a:ext uri="{FF2B5EF4-FFF2-40B4-BE49-F238E27FC236}">
+                <a16:creationId xmlns:a16="http://schemas.microsoft.com/office/drawing/2014/main" id="{5408331C-76D7-4542-ABB5-65318E14B330}"/>
+              </a:ext>
+            </a:extLst>
+          </p:cNvPr>
+          <p:cNvSpPr/>
+          <p:nvPr/>
+        </p:nvSpPr>
+        <p:spPr>
+          <a:xfrm>
+            <a:off x="2513170" y="4883638"/>
             <a:ext cx="708869" cy="335559"/>
           </a:xfrm>
           <a:prstGeom prst="rect">
@@ -3630,12 +5529,90 @@
           </a:p>
         </p:txBody>
       </p:sp>
-      <p:sp>
-        <p:nvSpPr>
-          <p:cNvPr id="20" name="Rechteck 19">
-            <a:extLst>
-              <a:ext uri="{FF2B5EF4-FFF2-40B4-BE49-F238E27FC236}">
-                <a16:creationId xmlns:a16="http://schemas.microsoft.com/office/drawing/2014/main" id="{D0FFA66F-B2DE-4391-B700-890821790FA9}"/>
+      <p:cxnSp>
+        <p:nvCxnSpPr>
+          <p:cNvPr id="76" name="Gerader Verbinder 75">
+            <a:extLst>
+              <a:ext uri="{FF2B5EF4-FFF2-40B4-BE49-F238E27FC236}">
+                <a16:creationId xmlns:a16="http://schemas.microsoft.com/office/drawing/2014/main" id="{BF4A0150-4A9B-4223-920E-2FCFB80EDEDA}"/>
+              </a:ext>
+            </a:extLst>
+          </p:cNvPr>
+          <p:cNvCxnSpPr>
+            <a:cxnSpLocks/>
+          </p:cNvCxnSpPr>
+          <p:nvPr/>
+        </p:nvCxnSpPr>
+        <p:spPr>
+          <a:xfrm flipH="1">
+            <a:off x="2500719" y="6034110"/>
+            <a:ext cx="1421638" cy="0"/>
+          </a:xfrm>
+          <a:prstGeom prst="line">
+            <a:avLst/>
+          </a:prstGeom>
+          <a:ln>
+            <a:solidFill>
+              <a:schemeClr val="tx1"/>
+            </a:solidFill>
+          </a:ln>
+        </p:spPr>
+        <p:style>
+          <a:lnRef idx="1">
+            <a:schemeClr val="accent1"/>
+          </a:lnRef>
+          <a:fillRef idx="0">
+            <a:schemeClr val="accent1"/>
+          </a:fillRef>
+          <a:effectRef idx="0">
+            <a:schemeClr val="accent1"/>
+          </a:effectRef>
+          <a:fontRef idx="minor">
+            <a:schemeClr val="tx1"/>
+          </a:fontRef>
+        </p:style>
+      </p:cxnSp>
+      <p:sp>
+        <p:nvSpPr>
+          <p:cNvPr id="78" name="Textfeld 77">
+            <a:extLst>
+              <a:ext uri="{FF2B5EF4-FFF2-40B4-BE49-F238E27FC236}">
+                <a16:creationId xmlns:a16="http://schemas.microsoft.com/office/drawing/2014/main" id="{D551972D-1310-4367-9FC6-DE01E001CDAC}"/>
+              </a:ext>
+            </a:extLst>
+          </p:cNvPr>
+          <p:cNvSpPr txBox="1"/>
+          <p:nvPr/>
+        </p:nvSpPr>
+        <p:spPr>
+          <a:xfrm>
+            <a:off x="2525826" y="5987344"/>
+            <a:ext cx="1366080" cy="369332"/>
+          </a:xfrm>
+          <a:prstGeom prst="rect">
+            <a:avLst/>
+          </a:prstGeom>
+          <a:noFill/>
+        </p:spPr>
+        <p:txBody>
+          <a:bodyPr wrap="none" rtlCol="0">
+            <a:spAutoFit/>
+          </a:bodyPr>
+          <a:lstStyle/>
+          <a:p>
+            <a:r>
+              <a:rPr lang="en-US" dirty="0"/>
+              <a:t>00000001A6</a:t>
+            </a:r>
+          </a:p>
+        </p:txBody>
+      </p:sp>
+      <p:sp>
+        <p:nvSpPr>
+          <p:cNvPr id="79" name="Rechteck 78">
+            <a:extLst>
+              <a:ext uri="{FF2B5EF4-FFF2-40B4-BE49-F238E27FC236}">
+                <a16:creationId xmlns:a16="http://schemas.microsoft.com/office/drawing/2014/main" id="{631F69CD-6CD5-4D8C-96BC-F951867A43FC}"/>
               </a:ext>
             </a:extLst>
           </p:cNvPr>
@@ -3644,8 +5621,60 @@
         </p:nvSpPr>
         <p:spPr>
           <a:xfrm>
-            <a:off x="352339" y="4874004"/>
-            <a:ext cx="736818" cy="335559"/>
+            <a:off x="340488" y="4860581"/>
+            <a:ext cx="1417738" cy="1434517"/>
+          </a:xfrm>
+          <a:prstGeom prst="rect">
+            <a:avLst/>
+          </a:prstGeom>
+          <a:noFill/>
+          <a:ln>
+            <a:solidFill>
+              <a:schemeClr val="tx1"/>
+            </a:solidFill>
+          </a:ln>
+        </p:spPr>
+        <p:style>
+          <a:lnRef idx="2">
+            <a:schemeClr val="accent1">
+              <a:shade val="50000"/>
+            </a:schemeClr>
+          </a:lnRef>
+          <a:fillRef idx="1">
+            <a:schemeClr val="accent1"/>
+          </a:fillRef>
+          <a:effectRef idx="0">
+            <a:schemeClr val="accent1"/>
+          </a:effectRef>
+          <a:fontRef idx="minor">
+            <a:schemeClr val="lt1"/>
+          </a:fontRef>
+        </p:style>
+        <p:txBody>
+          <a:bodyPr rtlCol="0" anchor="ctr"/>
+          <a:lstStyle/>
+          <a:p>
+            <a:pPr algn="ctr"/>
+            <a:endParaRPr lang="en-US"/>
+          </a:p>
+        </p:txBody>
+      </p:sp>
+      <p:sp>
+        <p:nvSpPr>
+          <p:cNvPr id="81" name="Rechteck 80">
+            <a:extLst>
+              <a:ext uri="{FF2B5EF4-FFF2-40B4-BE49-F238E27FC236}">
+                <a16:creationId xmlns:a16="http://schemas.microsoft.com/office/drawing/2014/main" id="{3F25E7B1-FD16-4F55-8607-97B55215EE7A}"/>
+              </a:ext>
+            </a:extLst>
+          </p:cNvPr>
+          <p:cNvSpPr/>
+          <p:nvPr/>
+        </p:nvSpPr>
+        <p:spPr>
+          <a:xfrm>
+            <a:off x="340488" y="4860581"/>
+            <a:ext cx="708869" cy="335559"/>
           </a:xfrm>
           <a:prstGeom prst="rect">
             <a:avLst/>
@@ -3689,536 +5718,12 @@
           </a:p>
         </p:txBody>
       </p:sp>
-      <p:sp>
-        <p:nvSpPr>
-          <p:cNvPr id="24" name="Rechteck 23">
-            <a:extLst>
-              <a:ext uri="{FF2B5EF4-FFF2-40B4-BE49-F238E27FC236}">
-                <a16:creationId xmlns:a16="http://schemas.microsoft.com/office/drawing/2014/main" id="{852B444F-AECD-4387-AC39-636E8CBF1BAD}"/>
-              </a:ext>
-            </a:extLst>
-          </p:cNvPr>
-          <p:cNvSpPr/>
-          <p:nvPr/>
-        </p:nvSpPr>
-        <p:spPr>
-          <a:xfrm>
-            <a:off x="4622350" y="4882394"/>
-            <a:ext cx="1417738" cy="1434517"/>
-          </a:xfrm>
-          <a:prstGeom prst="rect">
-            <a:avLst/>
-          </a:prstGeom>
-          <a:noFill/>
-          <a:ln>
-            <a:solidFill>
-              <a:schemeClr val="tx1"/>
-            </a:solidFill>
-          </a:ln>
-        </p:spPr>
-        <p:style>
-          <a:lnRef idx="2">
-            <a:schemeClr val="accent1">
-              <a:shade val="50000"/>
-            </a:schemeClr>
-          </a:lnRef>
-          <a:fillRef idx="1">
-            <a:schemeClr val="accent1"/>
-          </a:fillRef>
-          <a:effectRef idx="0">
-            <a:schemeClr val="accent1"/>
-          </a:effectRef>
-          <a:fontRef idx="minor">
-            <a:schemeClr val="lt1"/>
-          </a:fontRef>
-        </p:style>
-        <p:txBody>
-          <a:bodyPr rtlCol="0" anchor="ctr"/>
-          <a:lstStyle/>
-          <a:p>
-            <a:pPr algn="ctr"/>
-            <a:endParaRPr lang="en-US"/>
-          </a:p>
-        </p:txBody>
-      </p:sp>
       <p:cxnSp>
         <p:nvCxnSpPr>
-          <p:cNvPr id="25" name="Gerade Verbindung mit Pfeil 24">
-            <a:extLst>
-              <a:ext uri="{FF2B5EF4-FFF2-40B4-BE49-F238E27FC236}">
-                <a16:creationId xmlns:a16="http://schemas.microsoft.com/office/drawing/2014/main" id="{C196F8DA-6D57-4C10-A739-7395CFD76036}"/>
-              </a:ext>
-            </a:extLst>
-          </p:cNvPr>
-          <p:cNvCxnSpPr>
-            <a:stCxn id="24" idx="1"/>
-          </p:cNvCxnSpPr>
-          <p:nvPr/>
-        </p:nvCxnSpPr>
-        <p:spPr>
-          <a:xfrm flipH="1">
-            <a:off x="3891108" y="5599653"/>
-            <a:ext cx="731242" cy="0"/>
-          </a:xfrm>
-          <a:prstGeom prst="straightConnector1">
-            <a:avLst/>
-          </a:prstGeom>
-          <a:ln w="38100">
-            <a:solidFill>
-              <a:schemeClr val="tx1"/>
-            </a:solidFill>
-            <a:tailEnd type="triangle"/>
-          </a:ln>
-        </p:spPr>
-        <p:style>
-          <a:lnRef idx="1">
-            <a:schemeClr val="accent1"/>
-          </a:lnRef>
-          <a:fillRef idx="0">
-            <a:schemeClr val="accent1"/>
-          </a:fillRef>
-          <a:effectRef idx="0">
-            <a:schemeClr val="accent1"/>
-          </a:effectRef>
-          <a:fontRef idx="minor">
-            <a:schemeClr val="tx1"/>
-          </a:fontRef>
-        </p:style>
-      </p:cxnSp>
-      <p:sp>
-        <p:nvSpPr>
-          <p:cNvPr id="26" name="Rechteck 25">
-            <a:extLst>
-              <a:ext uri="{FF2B5EF4-FFF2-40B4-BE49-F238E27FC236}">
-                <a16:creationId xmlns:a16="http://schemas.microsoft.com/office/drawing/2014/main" id="{044E948E-B6F5-4BFB-AC8A-4C0A859B20DF}"/>
-              </a:ext>
-            </a:extLst>
-          </p:cNvPr>
-          <p:cNvSpPr/>
-          <p:nvPr/>
-        </p:nvSpPr>
-        <p:spPr>
-          <a:xfrm>
-            <a:off x="4622350" y="4882394"/>
-            <a:ext cx="731242" cy="335559"/>
-          </a:xfrm>
-          <a:prstGeom prst="rect">
-            <a:avLst/>
-          </a:prstGeom>
-          <a:noFill/>
-          <a:ln>
-            <a:solidFill>
-              <a:schemeClr val="tx1"/>
-            </a:solidFill>
-          </a:ln>
-        </p:spPr>
-        <p:style>
-          <a:lnRef idx="2">
-            <a:schemeClr val="accent1">
-              <a:shade val="50000"/>
-            </a:schemeClr>
-          </a:lnRef>
-          <a:fillRef idx="1">
-            <a:schemeClr val="accent1"/>
-          </a:fillRef>
-          <a:effectRef idx="0">
-            <a:schemeClr val="accent1"/>
-          </a:effectRef>
-          <a:fontRef idx="minor">
-            <a:schemeClr val="lt1"/>
-          </a:fontRef>
-        </p:style>
-        <p:txBody>
-          <a:bodyPr rtlCol="0" anchor="ctr"/>
-          <a:lstStyle/>
-          <a:p>
-            <a:pPr algn="ctr"/>
-            <a:r>
-              <a:rPr lang="en-US" dirty="0">
-                <a:solidFill>
-                  <a:schemeClr val="tx1"/>
-                </a:solidFill>
-              </a:rPr>
-              <a:t>2</a:t>
-            </a:r>
-          </a:p>
-        </p:txBody>
-      </p:sp>
-      <p:sp>
-        <p:nvSpPr>
-          <p:cNvPr id="27" name="Rechteck 26">
-            <a:extLst>
-              <a:ext uri="{FF2B5EF4-FFF2-40B4-BE49-F238E27FC236}">
-                <a16:creationId xmlns:a16="http://schemas.microsoft.com/office/drawing/2014/main" id="{A600C6C4-300C-4BC8-BE61-BD67C9F38403}"/>
-              </a:ext>
-            </a:extLst>
-          </p:cNvPr>
-          <p:cNvSpPr/>
-          <p:nvPr/>
-        </p:nvSpPr>
-        <p:spPr>
-          <a:xfrm>
-            <a:off x="8267382" y="4882394"/>
-            <a:ext cx="1417738" cy="1434517"/>
-          </a:xfrm>
-          <a:prstGeom prst="rect">
-            <a:avLst/>
-          </a:prstGeom>
-          <a:noFill/>
-          <a:ln>
-            <a:solidFill>
-              <a:schemeClr val="tx1"/>
-            </a:solidFill>
-          </a:ln>
-        </p:spPr>
-        <p:style>
-          <a:lnRef idx="2">
-            <a:schemeClr val="accent1">
-              <a:shade val="50000"/>
-            </a:schemeClr>
-          </a:lnRef>
-          <a:fillRef idx="1">
-            <a:schemeClr val="accent1"/>
-          </a:fillRef>
-          <a:effectRef idx="0">
-            <a:schemeClr val="accent1"/>
-          </a:effectRef>
-          <a:fontRef idx="minor">
-            <a:schemeClr val="lt1"/>
-          </a:fontRef>
-        </p:style>
-        <p:txBody>
-          <a:bodyPr rtlCol="0" anchor="ctr"/>
-          <a:lstStyle/>
-          <a:p>
-            <a:pPr algn="ctr"/>
-            <a:endParaRPr lang="en-US"/>
-          </a:p>
-        </p:txBody>
-      </p:sp>
-      <p:cxnSp>
-        <p:nvCxnSpPr>
-          <p:cNvPr id="28" name="Gerade Verbindung mit Pfeil 27">
-            <a:extLst>
-              <a:ext uri="{FF2B5EF4-FFF2-40B4-BE49-F238E27FC236}">
-                <a16:creationId xmlns:a16="http://schemas.microsoft.com/office/drawing/2014/main" id="{03286469-F578-49A6-A5D0-2449F36B0C8C}"/>
-              </a:ext>
-            </a:extLst>
-          </p:cNvPr>
-          <p:cNvCxnSpPr>
-            <a:stCxn id="27" idx="1"/>
-          </p:cNvCxnSpPr>
-          <p:nvPr/>
-        </p:nvCxnSpPr>
-        <p:spPr>
-          <a:xfrm flipH="1">
-            <a:off x="7536140" y="5599653"/>
-            <a:ext cx="731242" cy="0"/>
-          </a:xfrm>
-          <a:prstGeom prst="straightConnector1">
-            <a:avLst/>
-          </a:prstGeom>
-          <a:ln w="38100">
-            <a:solidFill>
-              <a:schemeClr val="tx1"/>
-            </a:solidFill>
-            <a:tailEnd type="triangle"/>
-          </a:ln>
-        </p:spPr>
-        <p:style>
-          <a:lnRef idx="1">
-            <a:schemeClr val="accent1"/>
-          </a:lnRef>
-          <a:fillRef idx="0">
-            <a:schemeClr val="accent1"/>
-          </a:fillRef>
-          <a:effectRef idx="0">
-            <a:schemeClr val="accent1"/>
-          </a:effectRef>
-          <a:fontRef idx="minor">
-            <a:schemeClr val="tx1"/>
-          </a:fontRef>
-        </p:style>
-      </p:cxnSp>
-      <p:sp>
-        <p:nvSpPr>
-          <p:cNvPr id="29" name="Rechteck 28">
-            <a:extLst>
-              <a:ext uri="{FF2B5EF4-FFF2-40B4-BE49-F238E27FC236}">
-                <a16:creationId xmlns:a16="http://schemas.microsoft.com/office/drawing/2014/main" id="{80A44573-F196-4D3A-AE12-1BC71632CC58}"/>
-              </a:ext>
-            </a:extLst>
-          </p:cNvPr>
-          <p:cNvSpPr/>
-          <p:nvPr/>
-        </p:nvSpPr>
-        <p:spPr>
-          <a:xfrm>
-            <a:off x="8267382" y="4882394"/>
-            <a:ext cx="708869" cy="335559"/>
-          </a:xfrm>
-          <a:prstGeom prst="rect">
-            <a:avLst/>
-          </a:prstGeom>
-          <a:noFill/>
-          <a:ln>
-            <a:solidFill>
-              <a:schemeClr val="tx1"/>
-            </a:solidFill>
-          </a:ln>
-        </p:spPr>
-        <p:style>
-          <a:lnRef idx="2">
-            <a:schemeClr val="accent1">
-              <a:shade val="50000"/>
-            </a:schemeClr>
-          </a:lnRef>
-          <a:fillRef idx="1">
-            <a:schemeClr val="accent1"/>
-          </a:fillRef>
-          <a:effectRef idx="0">
-            <a:schemeClr val="accent1"/>
-          </a:effectRef>
-          <a:fontRef idx="minor">
-            <a:schemeClr val="lt1"/>
-          </a:fontRef>
-        </p:style>
-        <p:txBody>
-          <a:bodyPr rtlCol="0" anchor="ctr"/>
-          <a:lstStyle/>
-          <a:p>
-            <a:pPr algn="ctr"/>
-            <a:r>
-              <a:rPr lang="en-US" dirty="0">
-                <a:solidFill>
-                  <a:schemeClr val="tx1"/>
-                </a:solidFill>
-              </a:rPr>
-              <a:t>10</a:t>
-            </a:r>
-          </a:p>
-        </p:txBody>
-      </p:sp>
-      <p:sp>
-        <p:nvSpPr>
-          <p:cNvPr id="30" name="Ellipse 29">
-            <a:extLst>
-              <a:ext uri="{FF2B5EF4-FFF2-40B4-BE49-F238E27FC236}">
-                <a16:creationId xmlns:a16="http://schemas.microsoft.com/office/drawing/2014/main" id="{56FFEA91-A234-41BF-A113-5421C5F2FBDA}"/>
-              </a:ext>
-            </a:extLst>
-          </p:cNvPr>
-          <p:cNvSpPr/>
-          <p:nvPr/>
-        </p:nvSpPr>
-        <p:spPr>
-          <a:xfrm>
-            <a:off x="6342798" y="5517860"/>
-            <a:ext cx="159391" cy="163585"/>
-          </a:xfrm>
-          <a:prstGeom prst="ellipse">
-            <a:avLst/>
-          </a:prstGeom>
-          <a:solidFill>
-            <a:schemeClr val="tx1"/>
-          </a:solidFill>
-          <a:ln>
-            <a:solidFill>
-              <a:schemeClr val="tx1"/>
-            </a:solidFill>
-          </a:ln>
-        </p:spPr>
-        <p:style>
-          <a:lnRef idx="2">
-            <a:schemeClr val="accent1">
-              <a:shade val="50000"/>
-            </a:schemeClr>
-          </a:lnRef>
-          <a:fillRef idx="1">
-            <a:schemeClr val="accent1"/>
-          </a:fillRef>
-          <a:effectRef idx="0">
-            <a:schemeClr val="accent1"/>
-          </a:effectRef>
-          <a:fontRef idx="minor">
-            <a:schemeClr val="lt1"/>
-          </a:fontRef>
-        </p:style>
-        <p:txBody>
-          <a:bodyPr rtlCol="0" anchor="ctr"/>
-          <a:lstStyle/>
-          <a:p>
-            <a:pPr algn="ctr"/>
-            <a:endParaRPr lang="en-US"/>
-          </a:p>
-        </p:txBody>
-      </p:sp>
-      <p:sp>
-        <p:nvSpPr>
-          <p:cNvPr id="31" name="Ellipse 30">
-            <a:extLst>
-              <a:ext uri="{FF2B5EF4-FFF2-40B4-BE49-F238E27FC236}">
-                <a16:creationId xmlns:a16="http://schemas.microsoft.com/office/drawing/2014/main" id="{BF64BEDD-632A-43EA-A7FF-4F39A632E544}"/>
-              </a:ext>
-            </a:extLst>
-          </p:cNvPr>
-          <p:cNvSpPr/>
-          <p:nvPr/>
-        </p:nvSpPr>
-        <p:spPr>
-          <a:xfrm>
-            <a:off x="6771330" y="5517860"/>
-            <a:ext cx="159391" cy="163585"/>
-          </a:xfrm>
-          <a:prstGeom prst="ellipse">
-            <a:avLst/>
-          </a:prstGeom>
-          <a:solidFill>
-            <a:schemeClr val="tx1"/>
-          </a:solidFill>
-          <a:ln>
-            <a:solidFill>
-              <a:schemeClr val="tx1"/>
-            </a:solidFill>
-          </a:ln>
-        </p:spPr>
-        <p:style>
-          <a:lnRef idx="2">
-            <a:schemeClr val="accent1">
-              <a:shade val="50000"/>
-            </a:schemeClr>
-          </a:lnRef>
-          <a:fillRef idx="1">
-            <a:schemeClr val="accent1"/>
-          </a:fillRef>
-          <a:effectRef idx="0">
-            <a:schemeClr val="accent1"/>
-          </a:effectRef>
-          <a:fontRef idx="minor">
-            <a:schemeClr val="lt1"/>
-          </a:fontRef>
-        </p:style>
-        <p:txBody>
-          <a:bodyPr rtlCol="0" anchor="ctr"/>
-          <a:lstStyle/>
-          <a:p>
-            <a:pPr algn="ctr"/>
-            <a:endParaRPr lang="en-US"/>
-          </a:p>
-        </p:txBody>
-      </p:sp>
-      <p:sp>
-        <p:nvSpPr>
-          <p:cNvPr id="32" name="Ellipse 31">
-            <a:extLst>
-              <a:ext uri="{FF2B5EF4-FFF2-40B4-BE49-F238E27FC236}">
-                <a16:creationId xmlns:a16="http://schemas.microsoft.com/office/drawing/2014/main" id="{35367979-C85B-4E6F-9960-5F7880DCF032}"/>
-              </a:ext>
-            </a:extLst>
-          </p:cNvPr>
-          <p:cNvSpPr/>
-          <p:nvPr/>
-        </p:nvSpPr>
-        <p:spPr>
-          <a:xfrm>
-            <a:off x="7199862" y="5517860"/>
-            <a:ext cx="159391" cy="163585"/>
-          </a:xfrm>
-          <a:prstGeom prst="ellipse">
-            <a:avLst/>
-          </a:prstGeom>
-          <a:solidFill>
-            <a:schemeClr val="tx1"/>
-          </a:solidFill>
-          <a:ln>
-            <a:solidFill>
-              <a:schemeClr val="tx1"/>
-            </a:solidFill>
-          </a:ln>
-        </p:spPr>
-        <p:style>
-          <a:lnRef idx="2">
-            <a:schemeClr val="accent1">
-              <a:shade val="50000"/>
-            </a:schemeClr>
-          </a:lnRef>
-          <a:fillRef idx="1">
-            <a:schemeClr val="accent1"/>
-          </a:fillRef>
-          <a:effectRef idx="0">
-            <a:schemeClr val="accent1"/>
-          </a:effectRef>
-          <a:fontRef idx="minor">
-            <a:schemeClr val="lt1"/>
-          </a:fontRef>
-        </p:style>
-        <p:txBody>
-          <a:bodyPr rtlCol="0" anchor="ctr"/>
-          <a:lstStyle/>
-          <a:p>
-            <a:pPr algn="ctr"/>
-            <a:endParaRPr lang="en-US"/>
-          </a:p>
-        </p:txBody>
-      </p:sp>
-      <p:sp>
-        <p:nvSpPr>
-          <p:cNvPr id="36" name="Rechteck 35">
-            <a:extLst>
-              <a:ext uri="{FF2B5EF4-FFF2-40B4-BE49-F238E27FC236}">
-                <a16:creationId xmlns:a16="http://schemas.microsoft.com/office/drawing/2014/main" id="{186D3DE6-09CD-4476-95F7-A8F2102403ED}"/>
-              </a:ext>
-            </a:extLst>
-          </p:cNvPr>
-          <p:cNvSpPr/>
-          <p:nvPr/>
-        </p:nvSpPr>
-        <p:spPr>
-          <a:xfrm>
-            <a:off x="3919466" y="1643323"/>
-            <a:ext cx="2213047" cy="982596"/>
-          </a:xfrm>
-          <a:prstGeom prst="rect">
-            <a:avLst/>
-          </a:prstGeom>
-          <a:noFill/>
-          <a:ln w="19050">
-            <a:solidFill>
-              <a:schemeClr val="tx1"/>
-            </a:solidFill>
-          </a:ln>
-        </p:spPr>
-        <p:style>
-          <a:lnRef idx="2">
-            <a:schemeClr val="accent1">
-              <a:shade val="50000"/>
-            </a:schemeClr>
-          </a:lnRef>
-          <a:fillRef idx="1">
-            <a:schemeClr val="accent1"/>
-          </a:fillRef>
-          <a:effectRef idx="0">
-            <a:schemeClr val="accent1"/>
-          </a:effectRef>
-          <a:fontRef idx="minor">
-            <a:schemeClr val="lt1"/>
-          </a:fontRef>
-        </p:style>
-        <p:txBody>
-          <a:bodyPr rtlCol="0" anchor="ctr"/>
-          <a:lstStyle/>
-          <a:p>
-            <a:pPr algn="ctr"/>
-            <a:endParaRPr lang="en-US"/>
-          </a:p>
-        </p:txBody>
-      </p:sp>
-      <p:cxnSp>
-        <p:nvCxnSpPr>
-          <p:cNvPr id="37" name="Gerader Verbinder 36">
-            <a:extLst>
-              <a:ext uri="{FF2B5EF4-FFF2-40B4-BE49-F238E27FC236}">
-                <a16:creationId xmlns:a16="http://schemas.microsoft.com/office/drawing/2014/main" id="{A3283DC1-3B15-498C-BAEF-D750FEC8E82A}"/>
+          <p:cNvPr id="83" name="Gerader Verbinder 82">
+            <a:extLst>
+              <a:ext uri="{FF2B5EF4-FFF2-40B4-BE49-F238E27FC236}">
+                <a16:creationId xmlns:a16="http://schemas.microsoft.com/office/drawing/2014/main" id="{8B0AD986-2AEE-439C-B751-860AAD834F33}"/>
               </a:ext>
             </a:extLst>
           </p:cNvPr>
@@ -4228,14 +5733,14 @@
           <p:nvPr/>
         </p:nvCxnSpPr>
         <p:spPr>
-          <a:xfrm>
-            <a:off x="3919466" y="1928548"/>
-            <a:ext cx="2213047" cy="0"/>
+          <a:xfrm flipH="1">
+            <a:off x="328037" y="6011053"/>
+            <a:ext cx="1421638" cy="0"/>
           </a:xfrm>
           <a:prstGeom prst="line">
             <a:avLst/>
           </a:prstGeom>
-          <a:ln w="19050">
+          <a:ln>
             <a:solidFill>
               <a:schemeClr val="tx1"/>
             </a:solidFill>
@@ -4258,10 +5763,10 @@
       </p:cxnSp>
       <p:sp>
         <p:nvSpPr>
-          <p:cNvPr id="38" name="Textfeld 37">
-            <a:extLst>
-              <a:ext uri="{FF2B5EF4-FFF2-40B4-BE49-F238E27FC236}">
-                <a16:creationId xmlns:a16="http://schemas.microsoft.com/office/drawing/2014/main" id="{1F56E44D-3487-4F30-9447-51665148A39A}"/>
+          <p:cNvPr id="84" name="Textfeld 83">
+            <a:extLst>
+              <a:ext uri="{FF2B5EF4-FFF2-40B4-BE49-F238E27FC236}">
+                <a16:creationId xmlns:a16="http://schemas.microsoft.com/office/drawing/2014/main" id="{4B17B618-A721-4481-BE30-5940D8560673}"/>
               </a:ext>
             </a:extLst>
           </p:cNvPr>
@@ -4270,8 +5775,8 @@
         </p:nvSpPr>
         <p:spPr>
           <a:xfrm>
-            <a:off x="4449914" y="1600550"/>
-            <a:ext cx="1312732" cy="369332"/>
+            <a:off x="353144" y="5964287"/>
+            <a:ext cx="1343638" cy="369332"/>
           </a:xfrm>
           <a:prstGeom prst="rect">
             <a:avLst/>
@@ -4285,1111 +5790,12 @@
           <a:lstStyle/>
           <a:p>
             <a:r>
-              <a:rPr lang="en-US" dirty="0" err="1"/>
-              <a:t>Anwendung</a:t>
-            </a:r>
-            <a:endParaRPr lang="en-US" dirty="0"/>
-          </a:p>
-        </p:txBody>
-      </p:sp>
-      <p:sp>
-        <p:nvSpPr>
-          <p:cNvPr id="39" name="Textfeld 38">
-            <a:extLst>
-              <a:ext uri="{FF2B5EF4-FFF2-40B4-BE49-F238E27FC236}">
-                <a16:creationId xmlns:a16="http://schemas.microsoft.com/office/drawing/2014/main" id="{DB1F97CA-39FA-4E2C-AA16-DE02E32E9128}"/>
-              </a:ext>
-            </a:extLst>
-          </p:cNvPr>
-          <p:cNvSpPr txBox="1"/>
-          <p:nvPr/>
-        </p:nvSpPr>
-        <p:spPr>
-          <a:xfrm>
-            <a:off x="3919057" y="1940861"/>
-            <a:ext cx="1648785" cy="923330"/>
-          </a:xfrm>
-          <a:prstGeom prst="rect">
-            <a:avLst/>
-          </a:prstGeom>
-          <a:noFill/>
-        </p:spPr>
-        <p:txBody>
-          <a:bodyPr wrap="none" rtlCol="0">
-            <a:spAutoFit/>
-          </a:bodyPr>
-          <a:lstStyle/>
-          <a:p>
-            <a:r>
-              <a:rPr lang="en-US" dirty="0" err="1"/>
-              <a:t>Einsatz</a:t>
-            </a:r>
-            <a:r>
               <a:rPr lang="en-US" dirty="0"/>
-              <a:t>: 0,1 BTC</a:t>
-            </a:r>
-            <a:br>
-              <a:rPr lang="en-US" dirty="0"/>
-            </a:br>
-            <a:r>
-              <a:rPr lang="en-US" dirty="0" err="1"/>
-              <a:t>Topf</a:t>
-            </a:r>
-            <a:r>
-              <a:rPr lang="en-US" dirty="0"/>
-              <a:t>: 0/5</a:t>
-            </a:r>
-            <a:br>
-              <a:rPr lang="en-US" dirty="0"/>
-            </a:br>
-            <a:endParaRPr lang="en-US" dirty="0"/>
-          </a:p>
-        </p:txBody>
-      </p:sp>
-      <p:pic>
-        <p:nvPicPr>
-          <p:cNvPr id="45" name="Grafik 44" descr="Mann">
-            <a:extLst>
-              <a:ext uri="{FF2B5EF4-FFF2-40B4-BE49-F238E27FC236}">
-                <a16:creationId xmlns:a16="http://schemas.microsoft.com/office/drawing/2014/main" id="{3EF3D76E-D2B4-4B21-9E58-15FE33A2C8A4}"/>
-              </a:ext>
-            </a:extLst>
-          </p:cNvPr>
-          <p:cNvPicPr>
-            <a:picLocks noChangeAspect="1"/>
-          </p:cNvPicPr>
-          <p:nvPr/>
-        </p:nvPicPr>
-        <p:blipFill>
-          <a:blip r:embed="rId2">
-            <a:extLst>
-              <a:ext uri="{28A0092B-C50C-407E-A947-70E740481C1C}">
-                <a14:useLocalDpi xmlns:a14="http://schemas.microsoft.com/office/drawing/2010/main" val="0"/>
-              </a:ext>
-              <a:ext uri="{96DAC541-7B7A-43D3-8B79-37D633B846F1}">
-                <asvg:svgBlip xmlns:asvg="http://schemas.microsoft.com/office/drawing/2016/SVG/main" r:embed="rId3"/>
-              </a:ext>
-            </a:extLst>
-          </a:blip>
-          <a:stretch>
-            <a:fillRect/>
-          </a:stretch>
-        </p:blipFill>
-        <p:spPr>
-          <a:xfrm>
-            <a:off x="70008" y="393863"/>
-            <a:ext cx="914400" cy="914400"/>
-          </a:xfrm>
-          <a:prstGeom prst="rect">
-            <a:avLst/>
-          </a:prstGeom>
-        </p:spPr>
-      </p:pic>
-      <p:pic>
-        <p:nvPicPr>
-          <p:cNvPr id="47" name="Grafik 46" descr="Smartphone">
-            <a:extLst>
-              <a:ext uri="{FF2B5EF4-FFF2-40B4-BE49-F238E27FC236}">
-                <a16:creationId xmlns:a16="http://schemas.microsoft.com/office/drawing/2014/main" id="{0A8A5114-19D1-4F4E-A7E6-700F6F735A3B}"/>
-              </a:ext>
-            </a:extLst>
-          </p:cNvPr>
-          <p:cNvPicPr>
-            <a:picLocks noChangeAspect="1"/>
-          </p:cNvPicPr>
-          <p:nvPr/>
-        </p:nvPicPr>
-        <p:blipFill>
-          <a:blip r:embed="rId4">
-            <a:extLst>
-              <a:ext uri="{28A0092B-C50C-407E-A947-70E740481C1C}">
-                <a14:useLocalDpi xmlns:a14="http://schemas.microsoft.com/office/drawing/2010/main" val="0"/>
-              </a:ext>
-              <a:ext uri="{96DAC541-7B7A-43D3-8B79-37D633B846F1}">
-                <asvg:svgBlip xmlns:asvg="http://schemas.microsoft.com/office/drawing/2016/SVG/main" r:embed="rId5"/>
-              </a:ext>
-            </a:extLst>
-          </a:blip>
-          <a:stretch>
-            <a:fillRect/>
-          </a:stretch>
-        </p:blipFill>
-        <p:spPr>
-          <a:xfrm>
-            <a:off x="533861" y="393863"/>
-            <a:ext cx="914400" cy="914400"/>
-          </a:xfrm>
-          <a:prstGeom prst="rect">
-            <a:avLst/>
-          </a:prstGeom>
-        </p:spPr>
-      </p:pic>
-      <p:pic>
-        <p:nvPicPr>
-          <p:cNvPr id="56" name="Grafik 55" descr="Mann">
-            <a:extLst>
-              <a:ext uri="{FF2B5EF4-FFF2-40B4-BE49-F238E27FC236}">
-                <a16:creationId xmlns:a16="http://schemas.microsoft.com/office/drawing/2014/main" id="{A861FB07-60C8-4DC6-BAAF-97F23C9D10AD}"/>
-              </a:ext>
-            </a:extLst>
-          </p:cNvPr>
-          <p:cNvPicPr>
-            <a:picLocks noChangeAspect="1"/>
-          </p:cNvPicPr>
-          <p:nvPr/>
-        </p:nvPicPr>
-        <p:blipFill>
-          <a:blip r:embed="rId2">
-            <a:extLst>
-              <a:ext uri="{28A0092B-C50C-407E-A947-70E740481C1C}">
-                <a14:useLocalDpi xmlns:a14="http://schemas.microsoft.com/office/drawing/2010/main" val="0"/>
-              </a:ext>
-              <a:ext uri="{96DAC541-7B7A-43D3-8B79-37D633B846F1}">
-                <asvg:svgBlip xmlns:asvg="http://schemas.microsoft.com/office/drawing/2016/SVG/main" r:embed="rId3"/>
-              </a:ext>
-            </a:extLst>
-          </a:blip>
-          <a:stretch>
-            <a:fillRect/>
-          </a:stretch>
-        </p:blipFill>
-        <p:spPr>
-          <a:xfrm>
-            <a:off x="70008" y="3255351"/>
-            <a:ext cx="914400" cy="914400"/>
-          </a:xfrm>
-          <a:prstGeom prst="rect">
-            <a:avLst/>
-          </a:prstGeom>
-        </p:spPr>
-      </p:pic>
-      <p:pic>
-        <p:nvPicPr>
-          <p:cNvPr id="57" name="Grafik 56" descr="Smartphone">
-            <a:extLst>
-              <a:ext uri="{FF2B5EF4-FFF2-40B4-BE49-F238E27FC236}">
-                <a16:creationId xmlns:a16="http://schemas.microsoft.com/office/drawing/2014/main" id="{392895B7-6CB2-4A8D-A00B-563F55D97155}"/>
-              </a:ext>
-            </a:extLst>
-          </p:cNvPr>
-          <p:cNvPicPr>
-            <a:picLocks noChangeAspect="1"/>
-          </p:cNvPicPr>
-          <p:nvPr/>
-        </p:nvPicPr>
-        <p:blipFill>
-          <a:blip r:embed="rId4">
-            <a:extLst>
-              <a:ext uri="{28A0092B-C50C-407E-A947-70E740481C1C}">
-                <a14:useLocalDpi xmlns:a14="http://schemas.microsoft.com/office/drawing/2010/main" val="0"/>
-              </a:ext>
-              <a:ext uri="{96DAC541-7B7A-43D3-8B79-37D633B846F1}">
-                <asvg:svgBlip xmlns:asvg="http://schemas.microsoft.com/office/drawing/2016/SVG/main" r:embed="rId5"/>
-              </a:ext>
-            </a:extLst>
-          </a:blip>
-          <a:stretch>
-            <a:fillRect/>
-          </a:stretch>
-        </p:blipFill>
-        <p:spPr>
-          <a:xfrm>
-            <a:off x="533861" y="3255351"/>
-            <a:ext cx="914400" cy="914400"/>
-          </a:xfrm>
-          <a:prstGeom prst="rect">
-            <a:avLst/>
-          </a:prstGeom>
-        </p:spPr>
-      </p:pic>
-      <p:pic>
-        <p:nvPicPr>
-          <p:cNvPr id="60" name="Grafik 59" descr="Computer">
-            <a:extLst>
-              <a:ext uri="{FF2B5EF4-FFF2-40B4-BE49-F238E27FC236}">
-                <a16:creationId xmlns:a16="http://schemas.microsoft.com/office/drawing/2014/main" id="{E79613AA-D072-4DC4-AE10-448A8F951DAC}"/>
-              </a:ext>
-            </a:extLst>
-          </p:cNvPr>
-          <p:cNvPicPr>
-            <a:picLocks noChangeAspect="1"/>
-          </p:cNvPicPr>
-          <p:nvPr/>
-        </p:nvPicPr>
-        <p:blipFill>
-          <a:blip r:embed="rId6">
-            <a:extLst>
-              <a:ext uri="{28A0092B-C50C-407E-A947-70E740481C1C}">
-                <a14:useLocalDpi xmlns:a14="http://schemas.microsoft.com/office/drawing/2010/main" val="0"/>
-              </a:ext>
-              <a:ext uri="{96DAC541-7B7A-43D3-8B79-37D633B846F1}">
-                <asvg:svgBlip xmlns:asvg="http://schemas.microsoft.com/office/drawing/2016/SVG/main" r:embed="rId7"/>
-              </a:ext>
-            </a:extLst>
-          </a:blip>
-          <a:stretch>
-            <a:fillRect/>
-          </a:stretch>
-        </p:blipFill>
-        <p:spPr>
-          <a:xfrm>
-            <a:off x="8303461" y="124571"/>
-            <a:ext cx="1381659" cy="1381659"/>
-          </a:xfrm>
-          <a:prstGeom prst="rect">
-            <a:avLst/>
-          </a:prstGeom>
-        </p:spPr>
-      </p:pic>
-      <p:pic>
-        <p:nvPicPr>
-          <p:cNvPr id="66" name="Grafik 65" descr="Mann">
-            <a:extLst>
-              <a:ext uri="{FF2B5EF4-FFF2-40B4-BE49-F238E27FC236}">
-                <a16:creationId xmlns:a16="http://schemas.microsoft.com/office/drawing/2014/main" id="{6E1A0AB2-0F09-4CBD-AA84-B60F58D5B25B}"/>
-              </a:ext>
-            </a:extLst>
-          </p:cNvPr>
-          <p:cNvPicPr>
-            <a:picLocks noChangeAspect="1"/>
-          </p:cNvPicPr>
-          <p:nvPr/>
-        </p:nvPicPr>
-        <p:blipFill>
-          <a:blip r:embed="rId2">
-            <a:extLst>
-              <a:ext uri="{28A0092B-C50C-407E-A947-70E740481C1C}">
-                <a14:useLocalDpi xmlns:a14="http://schemas.microsoft.com/office/drawing/2010/main" val="0"/>
-              </a:ext>
-              <a:ext uri="{96DAC541-7B7A-43D3-8B79-37D633B846F1}">
-                <asvg:svgBlip xmlns:asvg="http://schemas.microsoft.com/office/drawing/2016/SVG/main" r:embed="rId3"/>
-              </a:ext>
-            </a:extLst>
-          </a:blip>
-          <a:stretch>
-            <a:fillRect/>
-          </a:stretch>
-        </p:blipFill>
-        <p:spPr>
-          <a:xfrm>
-            <a:off x="8994290" y="2051566"/>
-            <a:ext cx="914400" cy="914400"/>
-          </a:xfrm>
-          <a:prstGeom prst="rect">
-            <a:avLst/>
-          </a:prstGeom>
-        </p:spPr>
-      </p:pic>
-      <p:pic>
-        <p:nvPicPr>
-          <p:cNvPr id="67" name="Grafik 66" descr="Laptop">
-            <a:extLst>
-              <a:ext uri="{FF2B5EF4-FFF2-40B4-BE49-F238E27FC236}">
-                <a16:creationId xmlns:a16="http://schemas.microsoft.com/office/drawing/2014/main" id="{4AF15DCA-70B7-4A89-AD57-443E206F2E07}"/>
-              </a:ext>
-            </a:extLst>
-          </p:cNvPr>
-          <p:cNvPicPr>
-            <a:picLocks noChangeAspect="1"/>
-          </p:cNvPicPr>
-          <p:nvPr/>
-        </p:nvPicPr>
-        <p:blipFill>
-          <a:blip r:embed="rId8">
-            <a:extLst>
-              <a:ext uri="{28A0092B-C50C-407E-A947-70E740481C1C}">
-                <a14:useLocalDpi xmlns:a14="http://schemas.microsoft.com/office/drawing/2010/main" val="0"/>
-              </a:ext>
-              <a:ext uri="{96DAC541-7B7A-43D3-8B79-37D633B846F1}">
-                <asvg:svgBlip xmlns:asvg="http://schemas.microsoft.com/office/drawing/2016/SVG/main" r:embed="rId9"/>
-              </a:ext>
-            </a:extLst>
-          </a:blip>
-          <a:stretch>
-            <a:fillRect/>
-          </a:stretch>
-        </p:blipFill>
-        <p:spPr>
-          <a:xfrm>
-            <a:off x="8482130" y="1785216"/>
-            <a:ext cx="914400" cy="914400"/>
-          </a:xfrm>
-          <a:prstGeom prst="rect">
-            <a:avLst/>
-          </a:prstGeom>
-        </p:spPr>
-      </p:pic>
-      <p:pic>
-        <p:nvPicPr>
-          <p:cNvPr id="68" name="Grafik 67" descr="Mann">
-            <a:extLst>
-              <a:ext uri="{FF2B5EF4-FFF2-40B4-BE49-F238E27FC236}">
-                <a16:creationId xmlns:a16="http://schemas.microsoft.com/office/drawing/2014/main" id="{9935C374-9F7D-4D0C-8703-D48DCA613AF6}"/>
-              </a:ext>
-            </a:extLst>
-          </p:cNvPr>
-          <p:cNvPicPr>
-            <a:picLocks noChangeAspect="1"/>
-          </p:cNvPicPr>
-          <p:nvPr/>
-        </p:nvPicPr>
-        <p:blipFill>
-          <a:blip r:embed="rId2">
-            <a:extLst>
-              <a:ext uri="{28A0092B-C50C-407E-A947-70E740481C1C}">
-                <a14:useLocalDpi xmlns:a14="http://schemas.microsoft.com/office/drawing/2010/main" val="0"/>
-              </a:ext>
-              <a:ext uri="{96DAC541-7B7A-43D3-8B79-37D633B846F1}">
-                <asvg:svgBlip xmlns:asvg="http://schemas.microsoft.com/office/drawing/2016/SVG/main" r:embed="rId3"/>
-              </a:ext>
-            </a:extLst>
-          </a:blip>
-          <a:stretch>
-            <a:fillRect/>
-          </a:stretch>
-        </p:blipFill>
-        <p:spPr>
-          <a:xfrm>
-            <a:off x="9029412" y="3282255"/>
-            <a:ext cx="914400" cy="914400"/>
-          </a:xfrm>
-          <a:prstGeom prst="rect">
-            <a:avLst/>
-          </a:prstGeom>
-        </p:spPr>
-      </p:pic>
-      <p:pic>
-        <p:nvPicPr>
-          <p:cNvPr id="69" name="Grafik 68" descr="Smartphone">
-            <a:extLst>
-              <a:ext uri="{FF2B5EF4-FFF2-40B4-BE49-F238E27FC236}">
-                <a16:creationId xmlns:a16="http://schemas.microsoft.com/office/drawing/2014/main" id="{627F8F1D-2328-410E-9BC7-6B8F4EB1A52D}"/>
-              </a:ext>
-            </a:extLst>
-          </p:cNvPr>
-          <p:cNvPicPr>
-            <a:picLocks noChangeAspect="1"/>
-          </p:cNvPicPr>
-          <p:nvPr/>
-        </p:nvPicPr>
-        <p:blipFill>
-          <a:blip r:embed="rId4">
-            <a:extLst>
-              <a:ext uri="{28A0092B-C50C-407E-A947-70E740481C1C}">
-                <a14:useLocalDpi xmlns:a14="http://schemas.microsoft.com/office/drawing/2010/main" val="0"/>
-              </a:ext>
-              <a:ext uri="{96DAC541-7B7A-43D3-8B79-37D633B846F1}">
-                <asvg:svgBlip xmlns:asvg="http://schemas.microsoft.com/office/drawing/2016/SVG/main" r:embed="rId5"/>
-              </a:ext>
-            </a:extLst>
-          </a:blip>
-          <a:stretch>
-            <a:fillRect/>
-          </a:stretch>
-        </p:blipFill>
-        <p:spPr>
-          <a:xfrm>
-            <a:off x="8519051" y="3282255"/>
-            <a:ext cx="914400" cy="914400"/>
-          </a:xfrm>
-          <a:prstGeom prst="rect">
-            <a:avLst/>
-          </a:prstGeom>
-        </p:spPr>
-      </p:pic>
-      <p:pic>
-        <p:nvPicPr>
-          <p:cNvPr id="70" name="Grafik 69" descr="Mann">
-            <a:extLst>
-              <a:ext uri="{FF2B5EF4-FFF2-40B4-BE49-F238E27FC236}">
-                <a16:creationId xmlns:a16="http://schemas.microsoft.com/office/drawing/2014/main" id="{8B65D5E7-1BA5-4B68-8A59-B563F53944F6}"/>
-              </a:ext>
-            </a:extLst>
-          </p:cNvPr>
-          <p:cNvPicPr>
-            <a:picLocks noChangeAspect="1"/>
-          </p:cNvPicPr>
-          <p:nvPr/>
-        </p:nvPicPr>
-        <p:blipFill>
-          <a:blip r:embed="rId2">
-            <a:extLst>
-              <a:ext uri="{28A0092B-C50C-407E-A947-70E740481C1C}">
-                <a14:useLocalDpi xmlns:a14="http://schemas.microsoft.com/office/drawing/2010/main" val="0"/>
-              </a:ext>
-              <a:ext uri="{96DAC541-7B7A-43D3-8B79-37D633B846F1}">
-                <asvg:svgBlip xmlns:asvg="http://schemas.microsoft.com/office/drawing/2016/SVG/main" r:embed="rId3"/>
-              </a:ext>
-            </a:extLst>
-          </a:blip>
-          <a:stretch>
-            <a:fillRect/>
-          </a:stretch>
-        </p:blipFill>
-        <p:spPr>
-          <a:xfrm>
-            <a:off x="63355" y="2023020"/>
-            <a:ext cx="914400" cy="914400"/>
-          </a:xfrm>
-          <a:prstGeom prst="rect">
-            <a:avLst/>
-          </a:prstGeom>
-        </p:spPr>
-      </p:pic>
-      <p:pic>
-        <p:nvPicPr>
-          <p:cNvPr id="71" name="Grafik 70" descr="Laptop">
-            <a:extLst>
-              <a:ext uri="{FF2B5EF4-FFF2-40B4-BE49-F238E27FC236}">
-                <a16:creationId xmlns:a16="http://schemas.microsoft.com/office/drawing/2014/main" id="{03035BDC-2615-48DF-A95A-3FC2D5993B68}"/>
-              </a:ext>
-            </a:extLst>
-          </p:cNvPr>
-          <p:cNvPicPr>
-            <a:picLocks noChangeAspect="1"/>
-          </p:cNvPicPr>
-          <p:nvPr/>
-        </p:nvPicPr>
-        <p:blipFill>
-          <a:blip r:embed="rId8">
-            <a:extLst>
-              <a:ext uri="{28A0092B-C50C-407E-A947-70E740481C1C}">
-                <a14:useLocalDpi xmlns:a14="http://schemas.microsoft.com/office/drawing/2010/main" val="0"/>
-              </a:ext>
-              <a:ext uri="{96DAC541-7B7A-43D3-8B79-37D633B846F1}">
-                <asvg:svgBlip xmlns:asvg="http://schemas.microsoft.com/office/drawing/2016/SVG/main" r:embed="rId9"/>
-              </a:ext>
-            </a:extLst>
-          </a:blip>
-          <a:stretch>
-            <a:fillRect/>
-          </a:stretch>
-        </p:blipFill>
-        <p:spPr>
-          <a:xfrm>
-            <a:off x="527208" y="1697775"/>
-            <a:ext cx="914400" cy="914400"/>
-          </a:xfrm>
-          <a:prstGeom prst="rect">
-            <a:avLst/>
-          </a:prstGeom>
-        </p:spPr>
-      </p:pic>
-      <p:pic>
-        <p:nvPicPr>
-          <p:cNvPr id="73" name="Grafik 72" descr="Hammer">
-            <a:extLst>
-              <a:ext uri="{FF2B5EF4-FFF2-40B4-BE49-F238E27FC236}">
-                <a16:creationId xmlns:a16="http://schemas.microsoft.com/office/drawing/2014/main" id="{769A105F-A251-46D5-A496-21450741E30B}"/>
-              </a:ext>
-            </a:extLst>
-          </p:cNvPr>
-          <p:cNvPicPr>
-            <a:picLocks noChangeAspect="1"/>
-          </p:cNvPicPr>
-          <p:nvPr/>
-        </p:nvPicPr>
-        <p:blipFill>
-          <a:blip r:embed="rId10">
-            <a:extLst>
-              <a:ext uri="{28A0092B-C50C-407E-A947-70E740481C1C}">
-                <a14:useLocalDpi xmlns:a14="http://schemas.microsoft.com/office/drawing/2010/main" val="0"/>
-              </a:ext>
-              <a:ext uri="{96DAC541-7B7A-43D3-8B79-37D633B846F1}">
-                <asvg:svgBlip xmlns:asvg="http://schemas.microsoft.com/office/drawing/2016/SVG/main" r:embed="rId11"/>
-              </a:ext>
-            </a:extLst>
-          </a:blip>
-          <a:stretch>
-            <a:fillRect/>
-          </a:stretch>
-        </p:blipFill>
-        <p:spPr>
-          <a:xfrm>
-            <a:off x="8532814" y="483978"/>
-            <a:ext cx="461476" cy="461476"/>
-          </a:xfrm>
-          <a:prstGeom prst="rect">
-            <a:avLst/>
-          </a:prstGeom>
-        </p:spPr>
-      </p:pic>
-      <p:pic>
-        <p:nvPicPr>
-          <p:cNvPr id="74" name="Grafik 73" descr="Computer">
-            <a:extLst>
-              <a:ext uri="{FF2B5EF4-FFF2-40B4-BE49-F238E27FC236}">
-                <a16:creationId xmlns:a16="http://schemas.microsoft.com/office/drawing/2014/main" id="{A6AD509A-32C3-45E4-9C08-6A43D5D377D3}"/>
-              </a:ext>
-            </a:extLst>
-          </p:cNvPr>
-          <p:cNvPicPr>
-            <a:picLocks noChangeAspect="1"/>
-          </p:cNvPicPr>
-          <p:nvPr/>
-        </p:nvPicPr>
-        <p:blipFill>
-          <a:blip r:embed="rId6">
-            <a:extLst>
-              <a:ext uri="{28A0092B-C50C-407E-A947-70E740481C1C}">
-                <a14:useLocalDpi xmlns:a14="http://schemas.microsoft.com/office/drawing/2010/main" val="0"/>
-              </a:ext>
-              <a:ext uri="{96DAC541-7B7A-43D3-8B79-37D633B846F1}">
-                <asvg:svgBlip xmlns:asvg="http://schemas.microsoft.com/office/drawing/2016/SVG/main" r:embed="rId7"/>
-              </a:ext>
-            </a:extLst>
-          </a:blip>
-          <a:stretch>
-            <a:fillRect/>
-          </a:stretch>
-        </p:blipFill>
-        <p:spPr>
-          <a:xfrm>
-            <a:off x="4380987" y="2965966"/>
-            <a:ext cx="1381659" cy="1381659"/>
-          </a:xfrm>
-          <a:prstGeom prst="rect">
-            <a:avLst/>
-          </a:prstGeom>
-        </p:spPr>
-      </p:pic>
-      <p:pic>
-        <p:nvPicPr>
-          <p:cNvPr id="75" name="Grafik 74" descr="Hammer">
-            <a:extLst>
-              <a:ext uri="{FF2B5EF4-FFF2-40B4-BE49-F238E27FC236}">
-                <a16:creationId xmlns:a16="http://schemas.microsoft.com/office/drawing/2014/main" id="{378F723B-0201-41F9-BEC7-9FBE50FE7C98}"/>
-              </a:ext>
-            </a:extLst>
-          </p:cNvPr>
-          <p:cNvPicPr>
-            <a:picLocks noChangeAspect="1"/>
-          </p:cNvPicPr>
-          <p:nvPr/>
-        </p:nvPicPr>
-        <p:blipFill>
-          <a:blip r:embed="rId10">
-            <a:extLst>
-              <a:ext uri="{28A0092B-C50C-407E-A947-70E740481C1C}">
-                <a14:useLocalDpi xmlns:a14="http://schemas.microsoft.com/office/drawing/2010/main" val="0"/>
-              </a:ext>
-              <a:ext uri="{96DAC541-7B7A-43D3-8B79-37D633B846F1}">
-                <asvg:svgBlip xmlns:asvg="http://schemas.microsoft.com/office/drawing/2016/SVG/main" r:embed="rId11"/>
-              </a:ext>
-            </a:extLst>
-          </a:blip>
-          <a:stretch>
-            <a:fillRect/>
-          </a:stretch>
-        </p:blipFill>
-        <p:spPr>
-          <a:xfrm>
-            <a:off x="4610340" y="3325373"/>
-            <a:ext cx="461476" cy="461476"/>
-          </a:xfrm>
-          <a:prstGeom prst="rect">
-            <a:avLst/>
-          </a:prstGeom>
-        </p:spPr>
-      </p:pic>
-      <p:cxnSp>
-        <p:nvCxnSpPr>
-          <p:cNvPr id="77" name="Gerade Verbindung mit Pfeil 76">
-            <a:extLst>
-              <a:ext uri="{FF2B5EF4-FFF2-40B4-BE49-F238E27FC236}">
-                <a16:creationId xmlns:a16="http://schemas.microsoft.com/office/drawing/2014/main" id="{4680E250-C391-46C2-A456-C49C690C726F}"/>
-              </a:ext>
-            </a:extLst>
-          </p:cNvPr>
-          <p:cNvCxnSpPr>
-            <a:cxnSpLocks/>
-          </p:cNvCxnSpPr>
-          <p:nvPr/>
-        </p:nvCxnSpPr>
-        <p:spPr>
-          <a:xfrm flipV="1">
-            <a:off x="1213761" y="692727"/>
-            <a:ext cx="7108203" cy="21292"/>
-          </a:xfrm>
-          <a:prstGeom prst="straightConnector1">
-            <a:avLst/>
-          </a:prstGeom>
-          <a:ln w="38100">
-            <a:solidFill>
-              <a:schemeClr val="tx1"/>
-            </a:solidFill>
-            <a:headEnd type="triangle"/>
-            <a:tailEnd type="triangle"/>
-          </a:ln>
-        </p:spPr>
-        <p:style>
-          <a:lnRef idx="1">
-            <a:schemeClr val="accent1"/>
-          </a:lnRef>
-          <a:fillRef idx="0">
-            <a:schemeClr val="accent1"/>
-          </a:fillRef>
-          <a:effectRef idx="0">
-            <a:schemeClr val="accent1"/>
-          </a:effectRef>
-          <a:fontRef idx="minor">
-            <a:schemeClr val="tx1"/>
-          </a:fontRef>
-        </p:style>
-      </p:cxnSp>
-      <p:cxnSp>
-        <p:nvCxnSpPr>
-          <p:cNvPr id="80" name="Gerade Verbindung mit Pfeil 79">
-            <a:extLst>
-              <a:ext uri="{FF2B5EF4-FFF2-40B4-BE49-F238E27FC236}">
-                <a16:creationId xmlns:a16="http://schemas.microsoft.com/office/drawing/2014/main" id="{9A87BB07-AF3B-4C9E-A1BD-58E3AB8B2309}"/>
-              </a:ext>
-            </a:extLst>
-          </p:cNvPr>
-          <p:cNvCxnSpPr>
-            <a:cxnSpLocks/>
-          </p:cNvCxnSpPr>
-          <p:nvPr/>
-        </p:nvCxnSpPr>
-        <p:spPr>
-          <a:xfrm>
-            <a:off x="1441608" y="2202794"/>
-            <a:ext cx="2372083" cy="0"/>
-          </a:xfrm>
-          <a:prstGeom prst="straightConnector1">
-            <a:avLst/>
-          </a:prstGeom>
-          <a:ln w="38100">
-            <a:solidFill>
-              <a:schemeClr val="tx1"/>
-            </a:solidFill>
-            <a:headEnd type="triangle"/>
-            <a:tailEnd type="triangle"/>
-          </a:ln>
-        </p:spPr>
-        <p:style>
-          <a:lnRef idx="1">
-            <a:schemeClr val="accent1"/>
-          </a:lnRef>
-          <a:fillRef idx="0">
-            <a:schemeClr val="accent1"/>
-          </a:fillRef>
-          <a:effectRef idx="0">
-            <a:schemeClr val="accent1"/>
-          </a:effectRef>
-          <a:fontRef idx="minor">
-            <a:schemeClr val="tx1"/>
-          </a:fontRef>
-        </p:style>
-      </p:cxnSp>
-      <p:cxnSp>
-        <p:nvCxnSpPr>
-          <p:cNvPr id="82" name="Gerade Verbindung mit Pfeil 81">
-            <a:extLst>
-              <a:ext uri="{FF2B5EF4-FFF2-40B4-BE49-F238E27FC236}">
-                <a16:creationId xmlns:a16="http://schemas.microsoft.com/office/drawing/2014/main" id="{B6536C8A-BFFE-4305-9D35-5D2B83EBB484}"/>
-              </a:ext>
-            </a:extLst>
-          </p:cNvPr>
-          <p:cNvCxnSpPr>
-            <a:cxnSpLocks/>
-            <a:stCxn id="36" idx="3"/>
-          </p:cNvCxnSpPr>
-          <p:nvPr/>
-        </p:nvCxnSpPr>
-        <p:spPr>
-          <a:xfrm flipV="1">
-            <a:off x="6132513" y="2131509"/>
-            <a:ext cx="2349617" cy="3112"/>
-          </a:xfrm>
-          <a:prstGeom prst="straightConnector1">
-            <a:avLst/>
-          </a:prstGeom>
-          <a:ln w="38100">
-            <a:solidFill>
-              <a:schemeClr val="tx1"/>
-            </a:solidFill>
-            <a:headEnd type="triangle"/>
-            <a:tailEnd type="triangle"/>
-          </a:ln>
-        </p:spPr>
-        <p:style>
-          <a:lnRef idx="1">
-            <a:schemeClr val="accent1"/>
-          </a:lnRef>
-          <a:fillRef idx="0">
-            <a:schemeClr val="accent1"/>
-          </a:fillRef>
-          <a:effectRef idx="0">
-            <a:schemeClr val="accent1"/>
-          </a:effectRef>
-          <a:fontRef idx="minor">
-            <a:schemeClr val="tx1"/>
-          </a:fontRef>
-        </p:style>
-      </p:cxnSp>
-      <p:cxnSp>
-        <p:nvCxnSpPr>
-          <p:cNvPr id="85" name="Gerade Verbindung mit Pfeil 84">
-            <a:extLst>
-              <a:ext uri="{FF2B5EF4-FFF2-40B4-BE49-F238E27FC236}">
-                <a16:creationId xmlns:a16="http://schemas.microsoft.com/office/drawing/2014/main" id="{6B715F08-28EE-44B9-A37C-29BA685A423B}"/>
-              </a:ext>
-            </a:extLst>
-          </p:cNvPr>
-          <p:cNvCxnSpPr>
-            <a:cxnSpLocks/>
-          </p:cNvCxnSpPr>
-          <p:nvPr/>
-        </p:nvCxnSpPr>
-        <p:spPr>
-          <a:xfrm flipV="1">
-            <a:off x="4987971" y="2612175"/>
-            <a:ext cx="0" cy="592064"/>
-          </a:xfrm>
-          <a:prstGeom prst="straightConnector1">
-            <a:avLst/>
-          </a:prstGeom>
-          <a:ln w="38100">
-            <a:solidFill>
-              <a:schemeClr val="tx1"/>
-            </a:solidFill>
-            <a:headEnd type="triangle"/>
-            <a:tailEnd type="triangle"/>
-          </a:ln>
-        </p:spPr>
-        <p:style>
-          <a:lnRef idx="1">
-            <a:schemeClr val="accent1"/>
-          </a:lnRef>
-          <a:fillRef idx="0">
-            <a:schemeClr val="accent1"/>
-          </a:fillRef>
-          <a:effectRef idx="0">
-            <a:schemeClr val="accent1"/>
-          </a:effectRef>
-          <a:fontRef idx="minor">
-            <a:schemeClr val="tx1"/>
-          </a:fontRef>
-        </p:style>
-      </p:cxnSp>
-      <p:cxnSp>
-        <p:nvCxnSpPr>
-          <p:cNvPr id="88" name="Gerade Verbindung mit Pfeil 87">
-            <a:extLst>
-              <a:ext uri="{FF2B5EF4-FFF2-40B4-BE49-F238E27FC236}">
-                <a16:creationId xmlns:a16="http://schemas.microsoft.com/office/drawing/2014/main" id="{3F5E6D91-B48C-4FFE-B53C-873B80A567E9}"/>
-              </a:ext>
-            </a:extLst>
-          </p:cNvPr>
-          <p:cNvCxnSpPr>
-            <a:cxnSpLocks/>
-            <a:stCxn id="57" idx="0"/>
-          </p:cNvCxnSpPr>
-          <p:nvPr/>
-        </p:nvCxnSpPr>
-        <p:spPr>
-          <a:xfrm flipV="1">
-            <a:off x="991061" y="2480220"/>
-            <a:ext cx="0" cy="775131"/>
-          </a:xfrm>
-          <a:prstGeom prst="straightConnector1">
-            <a:avLst/>
-          </a:prstGeom>
-          <a:ln w="38100">
-            <a:solidFill>
-              <a:schemeClr val="tx1"/>
-            </a:solidFill>
-            <a:headEnd type="triangle"/>
-            <a:tailEnd type="triangle"/>
-          </a:ln>
-        </p:spPr>
-        <p:style>
-          <a:lnRef idx="1">
-            <a:schemeClr val="accent1"/>
-          </a:lnRef>
-          <a:fillRef idx="0">
-            <a:schemeClr val="accent1"/>
-          </a:fillRef>
-          <a:effectRef idx="0">
-            <a:schemeClr val="accent1"/>
-          </a:effectRef>
-          <a:fontRef idx="minor">
-            <a:schemeClr val="tx1"/>
-          </a:fontRef>
-        </p:style>
-      </p:cxnSp>
-      <p:cxnSp>
-        <p:nvCxnSpPr>
-          <p:cNvPr id="91" name="Gerade Verbindung mit Pfeil 90">
-            <a:extLst>
-              <a:ext uri="{FF2B5EF4-FFF2-40B4-BE49-F238E27FC236}">
-                <a16:creationId xmlns:a16="http://schemas.microsoft.com/office/drawing/2014/main" id="{9E8E611E-A95D-46E5-811D-B2D72595B637}"/>
-              </a:ext>
-            </a:extLst>
-          </p:cNvPr>
-          <p:cNvCxnSpPr>
-            <a:cxnSpLocks/>
-          </p:cNvCxnSpPr>
-          <p:nvPr/>
-        </p:nvCxnSpPr>
-        <p:spPr>
-          <a:xfrm flipV="1">
-            <a:off x="9055273" y="1254839"/>
-            <a:ext cx="0" cy="675774"/>
-          </a:xfrm>
-          <a:prstGeom prst="straightConnector1">
-            <a:avLst/>
-          </a:prstGeom>
-          <a:ln w="38100">
-            <a:solidFill>
-              <a:schemeClr val="tx1"/>
-            </a:solidFill>
-            <a:headEnd type="triangle"/>
-            <a:tailEnd type="triangle"/>
-          </a:ln>
-        </p:spPr>
-        <p:style>
-          <a:lnRef idx="1">
-            <a:schemeClr val="accent1"/>
-          </a:lnRef>
-          <a:fillRef idx="0">
-            <a:schemeClr val="accent1"/>
-          </a:fillRef>
-          <a:effectRef idx="0">
-            <a:schemeClr val="accent1"/>
-          </a:effectRef>
-          <a:fontRef idx="minor">
-            <a:schemeClr val="tx1"/>
-          </a:fontRef>
-        </p:style>
-      </p:cxnSp>
-      <p:cxnSp>
-        <p:nvCxnSpPr>
-          <p:cNvPr id="93" name="Gerade Verbindung mit Pfeil 92">
-            <a:extLst>
-              <a:ext uri="{FF2B5EF4-FFF2-40B4-BE49-F238E27FC236}">
-                <a16:creationId xmlns:a16="http://schemas.microsoft.com/office/drawing/2014/main" id="{AA6CE190-8139-4ED1-B3E0-2D30DE368D03}"/>
-              </a:ext>
-            </a:extLst>
-          </p:cNvPr>
-          <p:cNvCxnSpPr>
-            <a:cxnSpLocks/>
-          </p:cNvCxnSpPr>
-          <p:nvPr/>
-        </p:nvCxnSpPr>
-        <p:spPr>
-          <a:xfrm flipV="1">
-            <a:off x="9074612" y="2579577"/>
-            <a:ext cx="0" cy="675774"/>
-          </a:xfrm>
-          <a:prstGeom prst="straightConnector1">
-            <a:avLst/>
-          </a:prstGeom>
-          <a:ln w="38100">
-            <a:solidFill>
-              <a:schemeClr val="tx1"/>
-            </a:solidFill>
-            <a:headEnd type="triangle"/>
-            <a:tailEnd type="triangle"/>
-          </a:ln>
-        </p:spPr>
-        <p:style>
-          <a:lnRef idx="1">
-            <a:schemeClr val="accent1"/>
-          </a:lnRef>
-          <a:fillRef idx="0">
-            <a:schemeClr val="accent1"/>
-          </a:fillRef>
-          <a:effectRef idx="0">
-            <a:schemeClr val="accent1"/>
-          </a:effectRef>
-          <a:fontRef idx="minor">
-            <a:schemeClr val="tx1"/>
-          </a:fontRef>
-        </p:style>
-      </p:cxnSp>
-      <p:cxnSp>
-        <p:nvCxnSpPr>
-          <p:cNvPr id="96" name="Gerade Verbindung mit Pfeil 95">
-            <a:extLst>
-              <a:ext uri="{FF2B5EF4-FFF2-40B4-BE49-F238E27FC236}">
-                <a16:creationId xmlns:a16="http://schemas.microsoft.com/office/drawing/2014/main" id="{12444E4F-4AFC-4336-ACFB-9891017D25CB}"/>
-              </a:ext>
-            </a:extLst>
-          </p:cNvPr>
-          <p:cNvCxnSpPr>
-            <a:cxnSpLocks/>
-          </p:cNvCxnSpPr>
-          <p:nvPr/>
-        </p:nvCxnSpPr>
-        <p:spPr>
-          <a:xfrm flipV="1">
-            <a:off x="5816322" y="1095719"/>
-            <a:ext cx="2463206" cy="2186537"/>
-          </a:xfrm>
-          <a:prstGeom prst="straightConnector1">
-            <a:avLst/>
-          </a:prstGeom>
-          <a:ln w="38100">
-            <a:solidFill>
-              <a:schemeClr val="tx1"/>
-            </a:solidFill>
-            <a:headEnd type="triangle"/>
-            <a:tailEnd type="triangle"/>
-          </a:ln>
-        </p:spPr>
-        <p:style>
-          <a:lnRef idx="1">
-            <a:schemeClr val="accent1"/>
-          </a:lnRef>
-          <a:fillRef idx="0">
-            <a:schemeClr val="accent1"/>
-          </a:fillRef>
-          <a:effectRef idx="0">
-            <a:schemeClr val="accent1"/>
-          </a:effectRef>
-          <a:fontRef idx="minor">
-            <a:schemeClr val="tx1"/>
-          </a:fontRef>
-        </p:style>
-      </p:cxnSp>
-      <p:cxnSp>
-        <p:nvCxnSpPr>
-          <p:cNvPr id="103" name="Gerade Verbindung mit Pfeil 102">
-            <a:extLst>
-              <a:ext uri="{FF2B5EF4-FFF2-40B4-BE49-F238E27FC236}">
-                <a16:creationId xmlns:a16="http://schemas.microsoft.com/office/drawing/2014/main" id="{F13406FD-574B-4E23-851B-4852490D3942}"/>
-              </a:ext>
-            </a:extLst>
-          </p:cNvPr>
-          <p:cNvCxnSpPr>
-            <a:cxnSpLocks/>
-          </p:cNvCxnSpPr>
-          <p:nvPr/>
-        </p:nvCxnSpPr>
-        <p:spPr>
-          <a:xfrm>
-            <a:off x="1263043" y="1026181"/>
-            <a:ext cx="2628065" cy="914680"/>
-          </a:xfrm>
-          <a:prstGeom prst="straightConnector1">
-            <a:avLst/>
-          </a:prstGeom>
-          <a:ln w="38100">
-            <a:solidFill>
-              <a:schemeClr val="tx1"/>
-            </a:solidFill>
-            <a:headEnd type="triangle"/>
-            <a:tailEnd type="triangle"/>
-          </a:ln>
-        </p:spPr>
-        <p:style>
-          <a:lnRef idx="1">
-            <a:schemeClr val="accent1"/>
-          </a:lnRef>
-          <a:fillRef idx="0">
-            <a:schemeClr val="accent1"/>
-          </a:fillRef>
-          <a:effectRef idx="0">
-            <a:schemeClr val="accent1"/>
-          </a:effectRef>
-          <a:fontRef idx="minor">
-            <a:schemeClr val="tx1"/>
-          </a:fontRef>
-        </p:style>
-      </p:cxnSp>
-      <p:cxnSp>
-        <p:nvCxnSpPr>
-          <p:cNvPr id="106" name="Gerade Verbindung mit Pfeil 105">
-            <a:extLst>
-              <a:ext uri="{FF2B5EF4-FFF2-40B4-BE49-F238E27FC236}">
-                <a16:creationId xmlns:a16="http://schemas.microsoft.com/office/drawing/2014/main" id="{1E335669-157F-494E-992D-5141DFDC96D8}"/>
-              </a:ext>
-            </a:extLst>
-          </p:cNvPr>
-          <p:cNvCxnSpPr>
-            <a:cxnSpLocks/>
-            <a:endCxn id="74" idx="1"/>
-          </p:cNvCxnSpPr>
-          <p:nvPr/>
-        </p:nvCxnSpPr>
-        <p:spPr>
-          <a:xfrm flipV="1">
-            <a:off x="1286976" y="3656796"/>
-            <a:ext cx="3094011" cy="17050"/>
-          </a:xfrm>
-          <a:prstGeom prst="straightConnector1">
-            <a:avLst/>
-          </a:prstGeom>
-          <a:ln w="38100">
-            <a:solidFill>
-              <a:schemeClr val="tx1"/>
-            </a:solidFill>
-            <a:headEnd type="triangle"/>
-            <a:tailEnd type="triangle"/>
-          </a:ln>
-        </p:spPr>
-        <p:style>
-          <a:lnRef idx="1">
-            <a:schemeClr val="accent1"/>
-          </a:lnRef>
-          <a:fillRef idx="0">
-            <a:schemeClr val="accent1"/>
-          </a:fillRef>
-          <a:effectRef idx="0">
-            <a:schemeClr val="accent1"/>
-          </a:effectRef>
-          <a:fontRef idx="minor">
-            <a:schemeClr val="tx1"/>
-          </a:fontRef>
-        </p:style>
-      </p:cxnSp>
-      <p:cxnSp>
-        <p:nvCxnSpPr>
-          <p:cNvPr id="110" name="Gerade Verbindung mit Pfeil 109">
-            <a:extLst>
-              <a:ext uri="{FF2B5EF4-FFF2-40B4-BE49-F238E27FC236}">
-                <a16:creationId xmlns:a16="http://schemas.microsoft.com/office/drawing/2014/main" id="{8BE84095-8271-444D-BE4D-427CE7163C6E}"/>
-              </a:ext>
-            </a:extLst>
-          </p:cNvPr>
-          <p:cNvCxnSpPr>
-            <a:cxnSpLocks/>
-          </p:cNvCxnSpPr>
-          <p:nvPr/>
-        </p:nvCxnSpPr>
-        <p:spPr>
-          <a:xfrm>
-            <a:off x="5854065" y="3656795"/>
-            <a:ext cx="2767751" cy="0"/>
-          </a:xfrm>
-          <a:prstGeom prst="straightConnector1">
-            <a:avLst/>
-          </a:prstGeom>
-          <a:ln w="38100">
-            <a:solidFill>
-              <a:schemeClr val="tx1"/>
-            </a:solidFill>
-            <a:headEnd type="triangle"/>
-            <a:tailEnd type="triangle"/>
-          </a:ln>
-        </p:spPr>
-        <p:style>
-          <a:lnRef idx="1">
-            <a:schemeClr val="accent1"/>
-          </a:lnRef>
-          <a:fillRef idx="0">
-            <a:schemeClr val="accent1"/>
-          </a:fillRef>
-          <a:effectRef idx="0">
-            <a:schemeClr val="accent1"/>
-          </a:effectRef>
-          <a:fontRef idx="minor">
-            <a:schemeClr val="tx1"/>
-          </a:fontRef>
-        </p:style>
-      </p:cxnSp>
+              <a:t>000000026F</a:t>
+            </a:r>
+          </a:p>
+        </p:txBody>
+      </p:sp>
     </p:spTree>
     <p:extLst>
       <p:ext uri="{BB962C8B-B14F-4D97-AF65-F5344CB8AC3E}">
@@ -5972,12 +6378,17 @@
           <a:p>
             <a:r>
               <a:rPr lang="en-US" dirty="0"/>
-              <a:t>00000001A</a:t>
-            </a:r>
-            <a:r>
-              <a:rPr lang="en-US" b="1" u="sng" dirty="0"/>
+              <a:t>00000001</a:t>
+            </a:r>
+            <a:r>
+              <a:rPr lang="en-US" b="1" dirty="0"/>
               <a:t>5</a:t>
             </a:r>
+            <a:r>
+              <a:rPr lang="en-US" dirty="0"/>
+              <a:t>A</a:t>
+            </a:r>
+            <a:endParaRPr lang="en-US" b="1" u="sng" dirty="0"/>
           </a:p>
         </p:txBody>
       </p:sp>
@@ -6136,13 +6547,15 @@
               </a:ext>
             </a:extLst>
           </p:cNvPr>
-          <p:cNvCxnSpPr/>
+          <p:cNvCxnSpPr>
+            <a:cxnSpLocks/>
+          </p:cNvCxnSpPr>
           <p:nvPr/>
         </p:nvCxnSpPr>
         <p:spPr>
           <a:xfrm flipH="1">
-            <a:off x="4199164" y="3321050"/>
-            <a:ext cx="957698" cy="210715"/>
+            <a:off x="4199164" y="3296873"/>
+            <a:ext cx="817453" cy="234892"/>
           </a:xfrm>
           <a:prstGeom prst="straightConnector1">
             <a:avLst/>
@@ -6660,7 +7073,7 @@
           <a:p>
             <a:r>
               <a:rPr lang="en-US" dirty="0"/>
-              <a:t>00000001A5</a:t>
+              <a:t>000000015A</a:t>
             </a:r>
           </a:p>
         </p:txBody>
@@ -8651,7 +9064,7 @@
         </p:nvCxnSpPr>
         <p:spPr>
           <a:xfrm flipH="1">
-            <a:off x="3318190" y="4868970"/>
+            <a:off x="1200106" y="4888959"/>
             <a:ext cx="731242" cy="0"/>
           </a:xfrm>
           <a:prstGeom prst="straightConnector1">
@@ -8695,7 +9108,7 @@
         </p:nvCxnSpPr>
         <p:spPr>
           <a:xfrm flipH="1">
-            <a:off x="5439221" y="4877360"/>
+            <a:off x="3321137" y="4897349"/>
             <a:ext cx="731242" cy="0"/>
           </a:xfrm>
           <a:prstGeom prst="straightConnector1">
@@ -8737,7 +9150,7 @@
         </p:nvSpPr>
         <p:spPr>
           <a:xfrm>
-            <a:off x="4049432" y="4160191"/>
+            <a:off x="1931348" y="4180180"/>
             <a:ext cx="1417738" cy="1434517"/>
           </a:xfrm>
           <a:prstGeom prst="rect">
@@ -8789,7 +9202,7 @@
         </p:nvSpPr>
         <p:spPr>
           <a:xfrm>
-            <a:off x="4049432" y="4160191"/>
+            <a:off x="1931348" y="4180180"/>
             <a:ext cx="708869" cy="335559"/>
           </a:xfrm>
           <a:prstGeom prst="rect">
@@ -8848,7 +9261,7 @@
         </p:nvSpPr>
         <p:spPr>
           <a:xfrm>
-            <a:off x="4279451" y="4541890"/>
+            <a:off x="2161367" y="4561879"/>
             <a:ext cx="957698" cy="335559"/>
           </a:xfrm>
           <a:prstGeom prst="roundRect">
@@ -8907,7 +9320,7 @@
         </p:nvSpPr>
         <p:spPr>
           <a:xfrm>
-            <a:off x="4288378" y="4928648"/>
+            <a:off x="2170294" y="4948637"/>
             <a:ext cx="957698" cy="335559"/>
           </a:xfrm>
           <a:prstGeom prst="roundRect">
@@ -8968,7 +9381,7 @@
         </p:nvCxnSpPr>
         <p:spPr>
           <a:xfrm flipH="1">
-            <a:off x="4056610" y="5328363"/>
+            <a:off x="1938526" y="5348352"/>
             <a:ext cx="1421638" cy="0"/>
           </a:xfrm>
           <a:prstGeom prst="line">
@@ -9009,7 +9422,7 @@
         </p:nvSpPr>
         <p:spPr>
           <a:xfrm>
-            <a:off x="4081717" y="5281597"/>
+            <a:off x="1963633" y="5301586"/>
             <a:ext cx="1354858" cy="369332"/>
           </a:xfrm>
           <a:prstGeom prst="rect">
@@ -9044,7 +9457,7 @@
         </p:nvSpPr>
         <p:spPr>
           <a:xfrm>
-            <a:off x="6198412" y="4160101"/>
+            <a:off x="4080328" y="4180090"/>
             <a:ext cx="1417738" cy="1434517"/>
           </a:xfrm>
           <a:prstGeom prst="rect">
@@ -9096,7 +9509,7 @@
         </p:nvSpPr>
         <p:spPr>
           <a:xfrm>
-            <a:off x="6198412" y="4160101"/>
+            <a:off x="4080328" y="4180090"/>
             <a:ext cx="708869" cy="335559"/>
           </a:xfrm>
           <a:prstGeom prst="rect">
@@ -9157,7 +9570,7 @@
         </p:nvCxnSpPr>
         <p:spPr>
           <a:xfrm flipH="1">
-            <a:off x="6205590" y="5328273"/>
+            <a:off x="4087506" y="5348262"/>
             <a:ext cx="1421638" cy="0"/>
           </a:xfrm>
           <a:prstGeom prst="line">
@@ -9198,7 +9611,7 @@
         </p:nvSpPr>
         <p:spPr>
           <a:xfrm>
-            <a:off x="6230697" y="5281507"/>
+            <a:off x="4112613" y="5301496"/>
             <a:ext cx="1370888" cy="369332"/>
           </a:xfrm>
           <a:prstGeom prst="rect">
@@ -9214,7 +9627,7 @@
           <a:p>
             <a:r>
               <a:rPr lang="en-US" dirty="0"/>
-              <a:t>00000001A5</a:t>
+              <a:t>000000015A</a:t>
             </a:r>
           </a:p>
         </p:txBody>
@@ -9233,7 +9646,7 @@
         </p:nvSpPr>
         <p:spPr>
           <a:xfrm>
-            <a:off x="6746022" y="4645831"/>
+            <a:off x="4627938" y="4665820"/>
             <a:ext cx="343364" cy="369332"/>
           </a:xfrm>
           <a:prstGeom prst="rect">
@@ -9250,357 +9663,6 @@
             <a:r>
               <a:rPr lang="en-US" dirty="0"/>
               <a:t>…</a:t>
-            </a:r>
-          </a:p>
-        </p:txBody>
-      </p:sp>
-      <p:sp>
-        <p:nvSpPr>
-          <p:cNvPr id="65" name="Rechteck 64">
-            <a:extLst>
-              <a:ext uri="{FF2B5EF4-FFF2-40B4-BE49-F238E27FC236}">
-                <a16:creationId xmlns:a16="http://schemas.microsoft.com/office/drawing/2014/main" id="{78DB50F1-A68A-4F74-82C9-5E13ED5C94EF}"/>
-              </a:ext>
-            </a:extLst>
-          </p:cNvPr>
-          <p:cNvSpPr/>
-          <p:nvPr/>
-        </p:nvSpPr>
-        <p:spPr>
-          <a:xfrm>
-            <a:off x="1908851" y="4160101"/>
-            <a:ext cx="1417738" cy="1434517"/>
-          </a:xfrm>
-          <a:prstGeom prst="rect">
-            <a:avLst/>
-          </a:prstGeom>
-          <a:noFill/>
-          <a:ln>
-            <a:solidFill>
-              <a:schemeClr val="tx1"/>
-            </a:solidFill>
-          </a:ln>
-        </p:spPr>
-        <p:style>
-          <a:lnRef idx="2">
-            <a:schemeClr val="accent1">
-              <a:shade val="50000"/>
-            </a:schemeClr>
-          </a:lnRef>
-          <a:fillRef idx="1">
-            <a:schemeClr val="accent1"/>
-          </a:fillRef>
-          <a:effectRef idx="0">
-            <a:schemeClr val="accent1"/>
-          </a:effectRef>
-          <a:fontRef idx="minor">
-            <a:schemeClr val="lt1"/>
-          </a:fontRef>
-        </p:style>
-        <p:txBody>
-          <a:bodyPr rtlCol="0" anchor="ctr"/>
-          <a:lstStyle/>
-          <a:p>
-            <a:pPr algn="ctr"/>
-            <a:endParaRPr lang="en-US"/>
-          </a:p>
-        </p:txBody>
-      </p:sp>
-      <p:cxnSp>
-        <p:nvCxnSpPr>
-          <p:cNvPr id="66" name="Gerade Verbindung mit Pfeil 65">
-            <a:extLst>
-              <a:ext uri="{FF2B5EF4-FFF2-40B4-BE49-F238E27FC236}">
-                <a16:creationId xmlns:a16="http://schemas.microsoft.com/office/drawing/2014/main" id="{2FDC998A-D19E-457C-AA2D-9F6279E03A2A}"/>
-              </a:ext>
-            </a:extLst>
-          </p:cNvPr>
-          <p:cNvCxnSpPr>
-            <a:stCxn id="65" idx="1"/>
-          </p:cNvCxnSpPr>
-          <p:nvPr/>
-        </p:nvCxnSpPr>
-        <p:spPr>
-          <a:xfrm flipH="1">
-            <a:off x="1177609" y="4877360"/>
-            <a:ext cx="731242" cy="0"/>
-          </a:xfrm>
-          <a:prstGeom prst="straightConnector1">
-            <a:avLst/>
-          </a:prstGeom>
-          <a:ln w="38100">
-            <a:solidFill>
-              <a:schemeClr val="tx1"/>
-            </a:solidFill>
-            <a:tailEnd type="triangle"/>
-          </a:ln>
-        </p:spPr>
-        <p:style>
-          <a:lnRef idx="1">
-            <a:schemeClr val="accent1"/>
-          </a:lnRef>
-          <a:fillRef idx="0">
-            <a:schemeClr val="accent1"/>
-          </a:fillRef>
-          <a:effectRef idx="0">
-            <a:schemeClr val="accent1"/>
-          </a:effectRef>
-          <a:fontRef idx="minor">
-            <a:schemeClr val="tx1"/>
-          </a:fontRef>
-        </p:style>
-      </p:cxnSp>
-      <p:sp>
-        <p:nvSpPr>
-          <p:cNvPr id="67" name="Rechteck 66">
-            <a:extLst>
-              <a:ext uri="{FF2B5EF4-FFF2-40B4-BE49-F238E27FC236}">
-                <a16:creationId xmlns:a16="http://schemas.microsoft.com/office/drawing/2014/main" id="{B0F7377E-0D61-4391-8873-1A6302390EFF}"/>
-              </a:ext>
-            </a:extLst>
-          </p:cNvPr>
-          <p:cNvSpPr/>
-          <p:nvPr/>
-        </p:nvSpPr>
-        <p:spPr>
-          <a:xfrm>
-            <a:off x="1908851" y="4160101"/>
-            <a:ext cx="731242" cy="335559"/>
-          </a:xfrm>
-          <a:prstGeom prst="rect">
-            <a:avLst/>
-          </a:prstGeom>
-          <a:noFill/>
-          <a:ln>
-            <a:solidFill>
-              <a:schemeClr val="tx1"/>
-            </a:solidFill>
-          </a:ln>
-        </p:spPr>
-        <p:style>
-          <a:lnRef idx="2">
-            <a:schemeClr val="accent1">
-              <a:shade val="50000"/>
-            </a:schemeClr>
-          </a:lnRef>
-          <a:fillRef idx="1">
-            <a:schemeClr val="accent1"/>
-          </a:fillRef>
-          <a:effectRef idx="0">
-            <a:schemeClr val="accent1"/>
-          </a:effectRef>
-          <a:fontRef idx="minor">
-            <a:schemeClr val="lt1"/>
-          </a:fontRef>
-        </p:style>
-        <p:txBody>
-          <a:bodyPr rtlCol="0" anchor="ctr"/>
-          <a:lstStyle/>
-          <a:p>
-            <a:pPr algn="ctr"/>
-            <a:r>
-              <a:rPr lang="en-US" dirty="0">
-                <a:solidFill>
-                  <a:schemeClr val="tx1"/>
-                </a:solidFill>
-              </a:rPr>
-              <a:t>12</a:t>
-            </a:r>
-          </a:p>
-        </p:txBody>
-      </p:sp>
-      <p:sp>
-        <p:nvSpPr>
-          <p:cNvPr id="68" name="Rechteck: abgerundete Ecken 67">
-            <a:extLst>
-              <a:ext uri="{FF2B5EF4-FFF2-40B4-BE49-F238E27FC236}">
-                <a16:creationId xmlns:a16="http://schemas.microsoft.com/office/drawing/2014/main" id="{8A5599EC-CC6C-412F-AD7C-5D2C193855EF}"/>
-              </a:ext>
-            </a:extLst>
-          </p:cNvPr>
-          <p:cNvSpPr/>
-          <p:nvPr/>
-        </p:nvSpPr>
-        <p:spPr>
-          <a:xfrm>
-            <a:off x="2132147" y="4552051"/>
-            <a:ext cx="957698" cy="335559"/>
-          </a:xfrm>
-          <a:prstGeom prst="roundRect">
-            <a:avLst/>
-          </a:prstGeom>
-          <a:noFill/>
-          <a:ln w="19050">
-            <a:solidFill>
-              <a:schemeClr val="tx1"/>
-            </a:solidFill>
-          </a:ln>
-        </p:spPr>
-        <p:style>
-          <a:lnRef idx="2">
-            <a:schemeClr val="accent1">
-              <a:shade val="50000"/>
-            </a:schemeClr>
-          </a:lnRef>
-          <a:fillRef idx="1">
-            <a:schemeClr val="accent1"/>
-          </a:fillRef>
-          <a:effectRef idx="0">
-            <a:schemeClr val="accent1"/>
-          </a:effectRef>
-          <a:fontRef idx="minor">
-            <a:schemeClr val="lt1"/>
-          </a:fontRef>
-        </p:style>
-        <p:txBody>
-          <a:bodyPr rtlCol="0" anchor="ctr"/>
-          <a:lstStyle/>
-          <a:p>
-            <a:pPr algn="ctr"/>
-            <a:r>
-              <a:rPr lang="en-US" dirty="0">
-                <a:solidFill>
-                  <a:schemeClr val="tx1"/>
-                </a:solidFill>
-              </a:rPr>
-              <a:t>TXN 4</a:t>
-            </a:r>
-          </a:p>
-        </p:txBody>
-      </p:sp>
-      <p:sp>
-        <p:nvSpPr>
-          <p:cNvPr id="69" name="Rechteck: abgerundete Ecken 68">
-            <a:extLst>
-              <a:ext uri="{FF2B5EF4-FFF2-40B4-BE49-F238E27FC236}">
-                <a16:creationId xmlns:a16="http://schemas.microsoft.com/office/drawing/2014/main" id="{E6A7D683-2699-4F3D-9623-5ECCBEADAB4A}"/>
-              </a:ext>
-            </a:extLst>
-          </p:cNvPr>
-          <p:cNvSpPr/>
-          <p:nvPr/>
-        </p:nvSpPr>
-        <p:spPr>
-          <a:xfrm>
-            <a:off x="2132147" y="4933751"/>
-            <a:ext cx="957698" cy="335559"/>
-          </a:xfrm>
-          <a:prstGeom prst="roundRect">
-            <a:avLst/>
-          </a:prstGeom>
-          <a:noFill/>
-          <a:ln w="19050">
-            <a:solidFill>
-              <a:schemeClr val="tx1"/>
-            </a:solidFill>
-          </a:ln>
-        </p:spPr>
-        <p:style>
-          <a:lnRef idx="2">
-            <a:schemeClr val="accent1">
-              <a:shade val="50000"/>
-            </a:schemeClr>
-          </a:lnRef>
-          <a:fillRef idx="1">
-            <a:schemeClr val="accent1"/>
-          </a:fillRef>
-          <a:effectRef idx="0">
-            <a:schemeClr val="accent1"/>
-          </a:effectRef>
-          <a:fontRef idx="minor">
-            <a:schemeClr val="lt1"/>
-          </a:fontRef>
-        </p:style>
-        <p:txBody>
-          <a:bodyPr rtlCol="0" anchor="ctr"/>
-          <a:lstStyle/>
-          <a:p>
-            <a:pPr algn="ctr"/>
-            <a:r>
-              <a:rPr lang="en-US" dirty="0">
-                <a:solidFill>
-                  <a:schemeClr val="tx1"/>
-                </a:solidFill>
-              </a:rPr>
-              <a:t>TXN 2</a:t>
-            </a:r>
-          </a:p>
-        </p:txBody>
-      </p:sp>
-      <p:cxnSp>
-        <p:nvCxnSpPr>
-          <p:cNvPr id="70" name="Gerader Verbinder 69">
-            <a:extLst>
-              <a:ext uri="{FF2B5EF4-FFF2-40B4-BE49-F238E27FC236}">
-                <a16:creationId xmlns:a16="http://schemas.microsoft.com/office/drawing/2014/main" id="{6BA1D49D-4436-4810-ADDE-6C2107DBA76A}"/>
-              </a:ext>
-            </a:extLst>
-          </p:cNvPr>
-          <p:cNvCxnSpPr>
-            <a:cxnSpLocks/>
-          </p:cNvCxnSpPr>
-          <p:nvPr/>
-        </p:nvCxnSpPr>
-        <p:spPr>
-          <a:xfrm flipH="1">
-            <a:off x="1907169" y="5325098"/>
-            <a:ext cx="1421638" cy="0"/>
-          </a:xfrm>
-          <a:prstGeom prst="line">
-            <a:avLst/>
-          </a:prstGeom>
-          <a:ln>
-            <a:solidFill>
-              <a:schemeClr val="tx1"/>
-            </a:solidFill>
-          </a:ln>
-        </p:spPr>
-        <p:style>
-          <a:lnRef idx="1">
-            <a:schemeClr val="accent1"/>
-          </a:lnRef>
-          <a:fillRef idx="0">
-            <a:schemeClr val="accent1"/>
-          </a:fillRef>
-          <a:effectRef idx="0">
-            <a:schemeClr val="accent1"/>
-          </a:effectRef>
-          <a:fontRef idx="minor">
-            <a:schemeClr val="tx1"/>
-          </a:fontRef>
-        </p:style>
-      </p:cxnSp>
-      <p:sp>
-        <p:nvSpPr>
-          <p:cNvPr id="71" name="Textfeld 70">
-            <a:extLst>
-              <a:ext uri="{FF2B5EF4-FFF2-40B4-BE49-F238E27FC236}">
-                <a16:creationId xmlns:a16="http://schemas.microsoft.com/office/drawing/2014/main" id="{E3951518-B418-41E3-8AA5-2AE95CDB0217}"/>
-              </a:ext>
-            </a:extLst>
-          </p:cNvPr>
-          <p:cNvSpPr txBox="1"/>
-          <p:nvPr/>
-        </p:nvSpPr>
-        <p:spPr>
-          <a:xfrm>
-            <a:off x="1932276" y="5278332"/>
-            <a:ext cx="1370888" cy="369332"/>
-          </a:xfrm>
-          <a:prstGeom prst="rect">
-            <a:avLst/>
-          </a:prstGeom>
-          <a:noFill/>
-        </p:spPr>
-        <p:txBody>
-          <a:bodyPr wrap="none" rtlCol="0">
-            <a:spAutoFit/>
-          </a:bodyPr>
-          <a:lstStyle/>
-          <a:p>
-            <a:r>
-              <a:rPr lang="en-US" dirty="0"/>
-              <a:t>000000019A</a:t>
             </a:r>
           </a:p>
         </p:txBody>
@@ -10548,6 +10610,239 @@
           </a:graphicData>
         </a:graphic>
       </p:graphicFrame>
+      <p:sp>
+        <p:nvSpPr>
+          <p:cNvPr id="52" name="Rechteck 51">
+            <a:extLst>
+              <a:ext uri="{FF2B5EF4-FFF2-40B4-BE49-F238E27FC236}">
+                <a16:creationId xmlns:a16="http://schemas.microsoft.com/office/drawing/2014/main" id="{BF483029-BEC7-401D-9E32-8E199D84ED24}"/>
+              </a:ext>
+            </a:extLst>
+          </p:cNvPr>
+          <p:cNvSpPr/>
+          <p:nvPr/>
+        </p:nvSpPr>
+        <p:spPr>
+          <a:xfrm>
+            <a:off x="6218230" y="4171700"/>
+            <a:ext cx="1417738" cy="1434517"/>
+          </a:xfrm>
+          <a:prstGeom prst="rect">
+            <a:avLst/>
+          </a:prstGeom>
+          <a:noFill/>
+          <a:ln>
+            <a:solidFill>
+              <a:schemeClr val="tx1"/>
+            </a:solidFill>
+          </a:ln>
+        </p:spPr>
+        <p:style>
+          <a:lnRef idx="2">
+            <a:schemeClr val="accent1">
+              <a:shade val="50000"/>
+            </a:schemeClr>
+          </a:lnRef>
+          <a:fillRef idx="1">
+            <a:schemeClr val="accent1"/>
+          </a:fillRef>
+          <a:effectRef idx="0">
+            <a:schemeClr val="accent1"/>
+          </a:effectRef>
+          <a:fontRef idx="minor">
+            <a:schemeClr val="lt1"/>
+          </a:fontRef>
+        </p:style>
+        <p:txBody>
+          <a:bodyPr rtlCol="0" anchor="ctr"/>
+          <a:lstStyle/>
+          <a:p>
+            <a:pPr algn="ctr"/>
+            <a:endParaRPr lang="en-US"/>
+          </a:p>
+        </p:txBody>
+      </p:sp>
+      <p:cxnSp>
+        <p:nvCxnSpPr>
+          <p:cNvPr id="53" name="Gerade Verbindung mit Pfeil 52">
+            <a:extLst>
+              <a:ext uri="{FF2B5EF4-FFF2-40B4-BE49-F238E27FC236}">
+                <a16:creationId xmlns:a16="http://schemas.microsoft.com/office/drawing/2014/main" id="{2FD5D24B-C78D-433A-BD9F-44D431838912}"/>
+              </a:ext>
+            </a:extLst>
+          </p:cNvPr>
+          <p:cNvCxnSpPr>
+            <a:stCxn id="52" idx="1"/>
+          </p:cNvCxnSpPr>
+          <p:nvPr/>
+        </p:nvCxnSpPr>
+        <p:spPr>
+          <a:xfrm flipH="1">
+            <a:off x="5486988" y="4888959"/>
+            <a:ext cx="731242" cy="0"/>
+          </a:xfrm>
+          <a:prstGeom prst="straightConnector1">
+            <a:avLst/>
+          </a:prstGeom>
+          <a:ln w="38100">
+            <a:solidFill>
+              <a:schemeClr val="tx1"/>
+            </a:solidFill>
+            <a:tailEnd type="triangle"/>
+          </a:ln>
+        </p:spPr>
+        <p:style>
+          <a:lnRef idx="1">
+            <a:schemeClr val="accent1"/>
+          </a:lnRef>
+          <a:fillRef idx="0">
+            <a:schemeClr val="accent1"/>
+          </a:fillRef>
+          <a:effectRef idx="0">
+            <a:schemeClr val="accent1"/>
+          </a:effectRef>
+          <a:fontRef idx="minor">
+            <a:schemeClr val="tx1"/>
+          </a:fontRef>
+        </p:style>
+      </p:cxnSp>
+      <p:sp>
+        <p:nvSpPr>
+          <p:cNvPr id="54" name="Rechteck 53">
+            <a:extLst>
+              <a:ext uri="{FF2B5EF4-FFF2-40B4-BE49-F238E27FC236}">
+                <a16:creationId xmlns:a16="http://schemas.microsoft.com/office/drawing/2014/main" id="{F1C26409-73C4-4CA1-8AA1-8108571CB700}"/>
+              </a:ext>
+            </a:extLst>
+          </p:cNvPr>
+          <p:cNvSpPr/>
+          <p:nvPr/>
+        </p:nvSpPr>
+        <p:spPr>
+          <a:xfrm>
+            <a:off x="6218230" y="4171700"/>
+            <a:ext cx="731242" cy="335559"/>
+          </a:xfrm>
+          <a:prstGeom prst="rect">
+            <a:avLst/>
+          </a:prstGeom>
+          <a:noFill/>
+          <a:ln>
+            <a:solidFill>
+              <a:schemeClr val="tx1"/>
+            </a:solidFill>
+          </a:ln>
+        </p:spPr>
+        <p:style>
+          <a:lnRef idx="2">
+            <a:schemeClr val="accent1">
+              <a:shade val="50000"/>
+            </a:schemeClr>
+          </a:lnRef>
+          <a:fillRef idx="1">
+            <a:schemeClr val="accent1"/>
+          </a:fillRef>
+          <a:effectRef idx="0">
+            <a:schemeClr val="accent1"/>
+          </a:effectRef>
+          <a:fontRef idx="minor">
+            <a:schemeClr val="lt1"/>
+          </a:fontRef>
+        </p:style>
+        <p:txBody>
+          <a:bodyPr rtlCol="0" anchor="ctr"/>
+          <a:lstStyle/>
+          <a:p>
+            <a:pPr algn="ctr"/>
+            <a:r>
+              <a:rPr lang="en-US" dirty="0">
+                <a:solidFill>
+                  <a:schemeClr val="tx1"/>
+                </a:solidFill>
+              </a:rPr>
+              <a:t>15</a:t>
+            </a:r>
+          </a:p>
+        </p:txBody>
+      </p:sp>
+      <p:cxnSp>
+        <p:nvCxnSpPr>
+          <p:cNvPr id="79" name="Gerader Verbinder 78">
+            <a:extLst>
+              <a:ext uri="{FF2B5EF4-FFF2-40B4-BE49-F238E27FC236}">
+                <a16:creationId xmlns:a16="http://schemas.microsoft.com/office/drawing/2014/main" id="{D94EEFC3-7C75-4232-B61F-9B480265A54F}"/>
+              </a:ext>
+            </a:extLst>
+          </p:cNvPr>
+          <p:cNvCxnSpPr>
+            <a:cxnSpLocks/>
+          </p:cNvCxnSpPr>
+          <p:nvPr/>
+        </p:nvCxnSpPr>
+        <p:spPr>
+          <a:xfrm flipH="1">
+            <a:off x="6216548" y="5336697"/>
+            <a:ext cx="1421638" cy="0"/>
+          </a:xfrm>
+          <a:prstGeom prst="line">
+            <a:avLst/>
+          </a:prstGeom>
+          <a:ln>
+            <a:solidFill>
+              <a:schemeClr val="tx1"/>
+            </a:solidFill>
+          </a:ln>
+        </p:spPr>
+        <p:style>
+          <a:lnRef idx="1">
+            <a:schemeClr val="accent1"/>
+          </a:lnRef>
+          <a:fillRef idx="0">
+            <a:schemeClr val="accent1"/>
+          </a:fillRef>
+          <a:effectRef idx="0">
+            <a:schemeClr val="accent1"/>
+          </a:effectRef>
+          <a:fontRef idx="minor">
+            <a:schemeClr val="tx1"/>
+          </a:fontRef>
+        </p:style>
+      </p:cxnSp>
+      <p:sp>
+        <p:nvSpPr>
+          <p:cNvPr id="80" name="Textfeld 79">
+            <a:extLst>
+              <a:ext uri="{FF2B5EF4-FFF2-40B4-BE49-F238E27FC236}">
+                <a16:creationId xmlns:a16="http://schemas.microsoft.com/office/drawing/2014/main" id="{09C6569B-EC67-4E0B-A34A-DD1743E60943}"/>
+              </a:ext>
+            </a:extLst>
+          </p:cNvPr>
+          <p:cNvSpPr txBox="1"/>
+          <p:nvPr/>
+        </p:nvSpPr>
+        <p:spPr>
+          <a:xfrm>
+            <a:off x="6241655" y="5289931"/>
+            <a:ext cx="1370888" cy="369332"/>
+          </a:xfrm>
+          <a:prstGeom prst="rect">
+            <a:avLst/>
+          </a:prstGeom>
+          <a:noFill/>
+        </p:spPr>
+        <p:txBody>
+          <a:bodyPr wrap="none" rtlCol="0">
+            <a:spAutoFit/>
+          </a:bodyPr>
+          <a:lstStyle/>
+          <a:p>
+            <a:r>
+              <a:rPr lang="en-US" dirty="0"/>
+              <a:t>000000048B</a:t>
+            </a:r>
+          </a:p>
+        </p:txBody>
+      </p:sp>
     </p:spTree>
     <p:extLst>
       <p:ext uri="{BB962C8B-B14F-4D97-AF65-F5344CB8AC3E}">
@@ -10841,7 +11136,7 @@
                   <a:schemeClr val="tx1"/>
                 </a:solidFill>
               </a:rPr>
-              <a:t>14</a:t>
+              <a:t>15</a:t>
             </a:r>
           </a:p>
         </p:txBody>
@@ -11158,7 +11453,7 @@
                   <a:schemeClr val="tx1"/>
                 </a:solidFill>
               </a:rPr>
-              <a:t>15</a:t>
+              <a:t>16</a:t>
             </a:r>
           </a:p>
         </p:txBody>
@@ -11611,7 +11906,7 @@
           <a:p>
             <a:r>
               <a:rPr lang="en-US" dirty="0"/>
-              <a:t>00000001A5</a:t>
+              <a:t>000000048B</a:t>
             </a:r>
           </a:p>
         </p:txBody>
@@ -33065,7 +33360,7 @@
         <p:spPr>
           <a:xfrm>
             <a:off x="5107448" y="3376739"/>
-            <a:ext cx="1386918" cy="369332"/>
+            <a:ext cx="1370888" cy="369332"/>
           </a:xfrm>
           <a:prstGeom prst="rect">
             <a:avLst/>
@@ -33080,7 +33375,7 @@
           <a:p>
             <a:r>
               <a:rPr lang="en-US" dirty="0"/>
-              <a:t>00000001A5</a:t>
+              <a:t>000000015A</a:t>
             </a:r>
           </a:p>
         </p:txBody>
